--- a/Block Diagram/HW5_BlockDiagrams.pptx
+++ b/Block Diagram/HW5_BlockDiagrams.pptx
@@ -105,6 +105,11 @@
       </a:defRPr>
     </a:lvl9pPr>
   </p:defaultTextStyle>
+  <p:extLst>
+    <p:ext uri="{EFAFB233-063F-42B5-8137-9DF3F51BA10A}">
+      <p15:sldGuideLst xmlns:p15="http://schemas.microsoft.com/office/powerpoint/2012/main"/>
+    </p:ext>
+  </p:extLst>
 </p:presentation>
 </file>
 
@@ -239,7 +244,7 @@
           <a:p>
             <a:fld id="{00E37F5A-95EC-4F7A-9848-EEB36B306290}" type="datetimeFigureOut">
               <a:rPr lang="en-US" smtClean="0"/>
-              <a:t>11/8/2015</a:t>
+              <a:t>11/14/2015</a:t>
             </a:fld>
             <a:endParaRPr lang="en-US"/>
           </a:p>
@@ -409,7 +414,7 @@
           <a:p>
             <a:fld id="{00E37F5A-95EC-4F7A-9848-EEB36B306290}" type="datetimeFigureOut">
               <a:rPr lang="en-US" smtClean="0"/>
-              <a:t>11/8/2015</a:t>
+              <a:t>11/14/2015</a:t>
             </a:fld>
             <a:endParaRPr lang="en-US"/>
           </a:p>
@@ -589,7 +594,7 @@
           <a:p>
             <a:fld id="{00E37F5A-95EC-4F7A-9848-EEB36B306290}" type="datetimeFigureOut">
               <a:rPr lang="en-US" smtClean="0"/>
-              <a:t>11/8/2015</a:t>
+              <a:t>11/14/2015</a:t>
             </a:fld>
             <a:endParaRPr lang="en-US"/>
           </a:p>
@@ -759,7 +764,7 @@
           <a:p>
             <a:fld id="{00E37F5A-95EC-4F7A-9848-EEB36B306290}" type="datetimeFigureOut">
               <a:rPr lang="en-US" smtClean="0"/>
-              <a:t>11/8/2015</a:t>
+              <a:t>11/14/2015</a:t>
             </a:fld>
             <a:endParaRPr lang="en-US"/>
           </a:p>
@@ -1005,7 +1010,7 @@
           <a:p>
             <a:fld id="{00E37F5A-95EC-4F7A-9848-EEB36B306290}" type="datetimeFigureOut">
               <a:rPr lang="en-US" smtClean="0"/>
-              <a:t>11/8/2015</a:t>
+              <a:t>11/14/2015</a:t>
             </a:fld>
             <a:endParaRPr lang="en-US"/>
           </a:p>
@@ -1237,7 +1242,7 @@
           <a:p>
             <a:fld id="{00E37F5A-95EC-4F7A-9848-EEB36B306290}" type="datetimeFigureOut">
               <a:rPr lang="en-US" smtClean="0"/>
-              <a:t>11/8/2015</a:t>
+              <a:t>11/14/2015</a:t>
             </a:fld>
             <a:endParaRPr lang="en-US"/>
           </a:p>
@@ -1604,7 +1609,7 @@
           <a:p>
             <a:fld id="{00E37F5A-95EC-4F7A-9848-EEB36B306290}" type="datetimeFigureOut">
               <a:rPr lang="en-US" smtClean="0"/>
-              <a:t>11/8/2015</a:t>
+              <a:t>11/14/2015</a:t>
             </a:fld>
             <a:endParaRPr lang="en-US"/>
           </a:p>
@@ -1722,7 +1727,7 @@
           <a:p>
             <a:fld id="{00E37F5A-95EC-4F7A-9848-EEB36B306290}" type="datetimeFigureOut">
               <a:rPr lang="en-US" smtClean="0"/>
-              <a:t>11/8/2015</a:t>
+              <a:t>11/14/2015</a:t>
             </a:fld>
             <a:endParaRPr lang="en-US"/>
           </a:p>
@@ -1817,7 +1822,7 @@
           <a:p>
             <a:fld id="{00E37F5A-95EC-4F7A-9848-EEB36B306290}" type="datetimeFigureOut">
               <a:rPr lang="en-US" smtClean="0"/>
-              <a:t>11/8/2015</a:t>
+              <a:t>11/14/2015</a:t>
             </a:fld>
             <a:endParaRPr lang="en-US"/>
           </a:p>
@@ -2094,7 +2099,7 @@
           <a:p>
             <a:fld id="{00E37F5A-95EC-4F7A-9848-EEB36B306290}" type="datetimeFigureOut">
               <a:rPr lang="en-US" smtClean="0"/>
-              <a:t>11/8/2015</a:t>
+              <a:t>11/14/2015</a:t>
             </a:fld>
             <a:endParaRPr lang="en-US"/>
           </a:p>
@@ -2347,7 +2352,7 @@
           <a:p>
             <a:fld id="{00E37F5A-95EC-4F7A-9848-EEB36B306290}" type="datetimeFigureOut">
               <a:rPr lang="en-US" smtClean="0"/>
-              <a:t>11/8/2015</a:t>
+              <a:t>11/14/2015</a:t>
             </a:fld>
             <a:endParaRPr lang="en-US"/>
           </a:p>
@@ -2560,7 +2565,7 @@
           <a:p>
             <a:fld id="{00E37F5A-95EC-4F7A-9848-EEB36B306290}" type="datetimeFigureOut">
               <a:rPr lang="en-US" smtClean="0"/>
-              <a:t>11/8/2015</a:t>
+              <a:t>11/14/2015</a:t>
             </a:fld>
             <a:endParaRPr lang="en-US"/>
           </a:p>
@@ -3271,6 +3276,13 @@
   <p:clrMapOvr>
     <a:masterClrMapping/>
   </p:clrMapOvr>
+  <p:timing>
+    <p:tnLst>
+      <p:par>
+        <p:cTn id="1" dur="indefinite" restart="never" nodeType="tmRoot"/>
+      </p:par>
+    </p:tnLst>
+  </p:timing>
 </p:sld>
 </file>
 
@@ -3299,8 +3311,8 @@
         </p:nvSpPr>
         <p:spPr>
           <a:xfrm>
-            <a:off x="1371600" y="942974"/>
-            <a:ext cx="9686925" cy="5038726"/>
+            <a:off x="1363588" y="952500"/>
+            <a:ext cx="9694937" cy="5038726"/>
           </a:xfrm>
           <a:prstGeom prst="rect">
             <a:avLst/>
@@ -3347,12 +3359,20 @@
         </p:nvSpPr>
         <p:spPr>
           <a:xfrm>
-            <a:off x="1866900" y="1404937"/>
+            <a:off x="3873672" y="1440575"/>
             <a:ext cx="1428750" cy="1028700"/>
           </a:xfrm>
           <a:prstGeom prst="rect">
             <a:avLst/>
           </a:prstGeom>
+          <a:solidFill>
+            <a:schemeClr val="bg1"/>
+          </a:solidFill>
+          <a:ln>
+            <a:solidFill>
+              <a:schemeClr val="tx1"/>
+            </a:solidFill>
+          </a:ln>
         </p:spPr>
         <p:style>
           <a:lnRef idx="2">
@@ -3376,10 +3396,18 @@
           <a:p>
             <a:pPr algn="ctr"/>
             <a:r>
-              <a:rPr lang="en-US" sz="1600" dirty="0" smtClean="0"/>
+              <a:rPr lang="en-US" sz="1600" dirty="0" smtClean="0">
+                <a:solidFill>
+                  <a:schemeClr val="tx1"/>
+                </a:solidFill>
+              </a:rPr>
               <a:t>Position Calculation</a:t>
             </a:r>
-            <a:endParaRPr lang="en-US" sz="1600" dirty="0"/>
+            <a:endParaRPr lang="en-US" sz="1600" dirty="0">
+              <a:solidFill>
+                <a:schemeClr val="tx1"/>
+              </a:solidFill>
+            </a:endParaRPr>
           </a:p>
         </p:txBody>
       </p:sp>
@@ -3391,12 +3419,20 @@
         </p:nvSpPr>
         <p:spPr>
           <a:xfrm>
-            <a:off x="6462712" y="1419223"/>
+            <a:off x="5748337" y="2954740"/>
             <a:ext cx="1428750" cy="1028700"/>
           </a:xfrm>
           <a:prstGeom prst="rect">
             <a:avLst/>
           </a:prstGeom>
+          <a:solidFill>
+            <a:schemeClr val="bg1"/>
+          </a:solidFill>
+          <a:ln>
+            <a:solidFill>
+              <a:schemeClr val="tx1"/>
+            </a:solidFill>
+          </a:ln>
         </p:spPr>
         <p:style>
           <a:lnRef idx="2">
@@ -3420,10 +3456,18 @@
           <a:p>
             <a:pPr algn="ctr"/>
             <a:r>
-              <a:rPr lang="en-US" sz="1600" dirty="0" smtClean="0"/>
+              <a:rPr lang="en-US" sz="1600" dirty="0" smtClean="0">
+                <a:solidFill>
+                  <a:schemeClr val="tx1"/>
+                </a:solidFill>
+              </a:rPr>
               <a:t>Servo Controller</a:t>
             </a:r>
-            <a:endParaRPr lang="en-US" sz="1600" dirty="0"/>
+            <a:endParaRPr lang="en-US" sz="1600" dirty="0">
+              <a:solidFill>
+                <a:schemeClr val="tx1"/>
+              </a:solidFill>
+            </a:endParaRPr>
           </a:p>
         </p:txBody>
       </p:sp>
@@ -3435,12 +3479,20 @@
         </p:nvSpPr>
         <p:spPr>
           <a:xfrm>
-            <a:off x="2016125" y="3729038"/>
+            <a:off x="1866900" y="3462337"/>
             <a:ext cx="1428750" cy="1028700"/>
           </a:xfrm>
           <a:prstGeom prst="rect">
             <a:avLst/>
           </a:prstGeom>
+          <a:solidFill>
+            <a:schemeClr val="bg1"/>
+          </a:solidFill>
+          <a:ln>
+            <a:solidFill>
+              <a:schemeClr val="tx1"/>
+            </a:solidFill>
+          </a:ln>
         </p:spPr>
         <p:style>
           <a:lnRef idx="2">
@@ -3464,17 +3516,29 @@
           <a:p>
             <a:pPr algn="ctr"/>
             <a:r>
-              <a:rPr lang="en-US" sz="1600" dirty="0" smtClean="0"/>
+              <a:rPr lang="en-US" sz="1600" dirty="0" smtClean="0">
+                <a:solidFill>
+                  <a:schemeClr val="tx1"/>
+                </a:solidFill>
+              </a:rPr>
               <a:t>Voltage Regulator </a:t>
             </a:r>
           </a:p>
           <a:p>
             <a:pPr algn="ctr"/>
             <a:r>
-              <a:rPr lang="en-US" sz="1600" dirty="0" smtClean="0"/>
+              <a:rPr lang="en-US" sz="1600" dirty="0" smtClean="0">
+                <a:solidFill>
+                  <a:schemeClr val="tx1"/>
+                </a:solidFill>
+              </a:rPr>
               <a:t>6V to 3.3V</a:t>
             </a:r>
-            <a:endParaRPr lang="en-US" sz="1600" dirty="0"/>
+            <a:endParaRPr lang="en-US" sz="1600" dirty="0">
+              <a:solidFill>
+                <a:schemeClr val="tx1"/>
+              </a:solidFill>
+            </a:endParaRPr>
           </a:p>
         </p:txBody>
       </p:sp>
@@ -3486,12 +3550,20 @@
         </p:nvSpPr>
         <p:spPr>
           <a:xfrm>
-            <a:off x="9153525" y="4243388"/>
+            <a:off x="5767387" y="4348404"/>
             <a:ext cx="1409700" cy="1028700"/>
           </a:xfrm>
           <a:prstGeom prst="rect">
             <a:avLst/>
           </a:prstGeom>
+          <a:solidFill>
+            <a:schemeClr val="bg1"/>
+          </a:solidFill>
+          <a:ln>
+            <a:solidFill>
+              <a:schemeClr val="tx1"/>
+            </a:solidFill>
+          </a:ln>
         </p:spPr>
         <p:style>
           <a:lnRef idx="2">
@@ -3515,10 +3587,18 @@
           <a:p>
             <a:pPr algn="ctr"/>
             <a:r>
-              <a:rPr lang="en-US" sz="1600" dirty="0" smtClean="0"/>
+              <a:rPr lang="en-US" sz="1600" dirty="0" smtClean="0">
+                <a:solidFill>
+                  <a:schemeClr val="tx1"/>
+                </a:solidFill>
+              </a:rPr>
               <a:t>LED Strip</a:t>
             </a:r>
-            <a:endParaRPr lang="en-US" sz="1600" dirty="0"/>
+            <a:endParaRPr lang="en-US" sz="1600" dirty="0">
+              <a:solidFill>
+                <a:schemeClr val="tx1"/>
+              </a:solidFill>
+            </a:endParaRPr>
           </a:p>
         </p:txBody>
       </p:sp>
@@ -3530,12 +3610,20 @@
         </p:nvSpPr>
         <p:spPr>
           <a:xfrm>
-            <a:off x="9544047" y="1269204"/>
+            <a:off x="7833253" y="2615981"/>
             <a:ext cx="1019175" cy="419102"/>
           </a:xfrm>
           <a:prstGeom prst="rect">
             <a:avLst/>
           </a:prstGeom>
+          <a:solidFill>
+            <a:schemeClr val="bg1"/>
+          </a:solidFill>
+          <a:ln>
+            <a:solidFill>
+              <a:schemeClr val="tx1"/>
+            </a:solidFill>
+          </a:ln>
         </p:spPr>
         <p:style>
           <a:lnRef idx="2">
@@ -3559,10 +3647,18 @@
           <a:p>
             <a:pPr algn="ctr"/>
             <a:r>
-              <a:rPr lang="en-US" sz="1600" dirty="0" smtClean="0"/>
+              <a:rPr lang="en-US" sz="1600" dirty="0" smtClean="0">
+                <a:solidFill>
+                  <a:schemeClr val="tx1"/>
+                </a:solidFill>
+              </a:rPr>
               <a:t>Servo 1</a:t>
             </a:r>
-            <a:endParaRPr lang="en-US" sz="1600" dirty="0"/>
+            <a:endParaRPr lang="en-US" sz="1600" dirty="0">
+              <a:solidFill>
+                <a:schemeClr val="tx1"/>
+              </a:solidFill>
+            </a:endParaRPr>
           </a:p>
         </p:txBody>
       </p:sp>
@@ -3574,12 +3670,20 @@
         </p:nvSpPr>
         <p:spPr>
           <a:xfrm>
-            <a:off x="5811837" y="4243388"/>
+            <a:off x="1866900" y="4722018"/>
             <a:ext cx="1428750" cy="1028700"/>
           </a:xfrm>
           <a:prstGeom prst="rect">
             <a:avLst/>
           </a:prstGeom>
+          <a:solidFill>
+            <a:schemeClr val="bg1"/>
+          </a:solidFill>
+          <a:ln>
+            <a:solidFill>
+              <a:schemeClr val="tx1"/>
+            </a:solidFill>
+          </a:ln>
         </p:spPr>
         <p:style>
           <a:lnRef idx="2">
@@ -3603,14 +3707,22 @@
           <a:p>
             <a:pPr algn="ctr"/>
             <a:r>
-              <a:rPr lang="en-US" sz="1600" dirty="0" smtClean="0"/>
+              <a:rPr lang="en-US" sz="1600" dirty="0" smtClean="0">
+                <a:solidFill>
+                  <a:schemeClr val="tx1"/>
+                </a:solidFill>
+              </a:rPr>
               <a:t>Voltage Limiting Circuit</a:t>
             </a:r>
           </a:p>
           <a:p>
             <a:pPr algn="ctr"/>
             <a:r>
-              <a:rPr lang="en-US" sz="1600" dirty="0" smtClean="0"/>
+              <a:rPr lang="en-US" sz="1600" dirty="0" smtClean="0">
+                <a:solidFill>
+                  <a:schemeClr val="tx1"/>
+                </a:solidFill>
+              </a:rPr>
               <a:t>6V to 5V</a:t>
             </a:r>
           </a:p>
@@ -3657,12 +3769,20 @@
         </p:nvSpPr>
         <p:spPr>
           <a:xfrm>
-            <a:off x="9544047" y="1804985"/>
+            <a:off x="7833253" y="3244906"/>
             <a:ext cx="1019175" cy="419102"/>
           </a:xfrm>
           <a:prstGeom prst="rect">
             <a:avLst/>
           </a:prstGeom>
+          <a:solidFill>
+            <a:schemeClr val="bg1"/>
+          </a:solidFill>
+          <a:ln>
+            <a:solidFill>
+              <a:schemeClr val="tx1"/>
+            </a:solidFill>
+          </a:ln>
         </p:spPr>
         <p:style>
           <a:lnRef idx="2">
@@ -3686,10 +3806,18 @@
           <a:p>
             <a:pPr algn="ctr"/>
             <a:r>
-              <a:rPr lang="en-US" sz="1600" dirty="0" smtClean="0"/>
+              <a:rPr lang="en-US" sz="1600" dirty="0" smtClean="0">
+                <a:solidFill>
+                  <a:schemeClr val="tx1"/>
+                </a:solidFill>
+              </a:rPr>
               <a:t>Servo 2</a:t>
             </a:r>
-            <a:endParaRPr lang="en-US" sz="1600" dirty="0"/>
+            <a:endParaRPr lang="en-US" sz="1600" dirty="0">
+              <a:solidFill>
+                <a:schemeClr val="tx1"/>
+              </a:solidFill>
+            </a:endParaRPr>
           </a:p>
         </p:txBody>
       </p:sp>
@@ -3701,12 +3829,20 @@
         </p:nvSpPr>
         <p:spPr>
           <a:xfrm>
-            <a:off x="9544047" y="2326474"/>
+            <a:off x="7833253" y="3873559"/>
             <a:ext cx="1019175" cy="419102"/>
           </a:xfrm>
           <a:prstGeom prst="rect">
             <a:avLst/>
           </a:prstGeom>
+          <a:solidFill>
+            <a:schemeClr val="bg1"/>
+          </a:solidFill>
+          <a:ln>
+            <a:solidFill>
+              <a:schemeClr val="tx1"/>
+            </a:solidFill>
+          </a:ln>
         </p:spPr>
         <p:style>
           <a:lnRef idx="2">
@@ -3730,10 +3866,1294 @@
           <a:p>
             <a:pPr algn="ctr"/>
             <a:r>
-              <a:rPr lang="en-US" sz="1600" dirty="0" smtClean="0"/>
+              <a:rPr lang="en-US" sz="1600" dirty="0" smtClean="0">
+                <a:solidFill>
+                  <a:schemeClr val="tx1"/>
+                </a:solidFill>
+              </a:rPr>
               <a:t>Servo 3</a:t>
             </a:r>
-            <a:endParaRPr lang="en-US" sz="1600" dirty="0"/>
+            <a:endParaRPr lang="en-US" sz="1600" dirty="0">
+              <a:solidFill>
+                <a:schemeClr val="tx1"/>
+              </a:solidFill>
+            </a:endParaRPr>
+          </a:p>
+        </p:txBody>
+      </p:sp>
+      <p:sp>
+        <p:nvSpPr>
+          <p:cNvPr id="14" name="TextBox 13"/>
+          <p:cNvSpPr txBox="1"/>
+          <p:nvPr/>
+        </p:nvSpPr>
+        <p:spPr>
+          <a:xfrm>
+            <a:off x="0" y="1577756"/>
+            <a:ext cx="1173335" cy="646331"/>
+          </a:xfrm>
+          <a:prstGeom prst="rect">
+            <a:avLst/>
+          </a:prstGeom>
+          <a:noFill/>
+        </p:spPr>
+        <p:txBody>
+          <a:bodyPr wrap="none" rtlCol="0">
+            <a:spAutoFit/>
+          </a:bodyPr>
+          <a:lstStyle/>
+          <a:p>
+            <a:pPr algn="ctr"/>
+            <a:r>
+              <a:rPr lang="en-US" dirty="0" smtClean="0"/>
+              <a:t>Table Base</a:t>
+            </a:r>
+          </a:p>
+          <a:p>
+            <a:pPr algn="ctr"/>
+            <a:r>
+              <a:rPr lang="en-US" dirty="0" smtClean="0"/>
+              <a:t>Angle</a:t>
+            </a:r>
+            <a:endParaRPr lang="en-US" dirty="0"/>
+          </a:p>
+        </p:txBody>
+      </p:sp>
+      <p:cxnSp>
+        <p:nvCxnSpPr>
+          <p:cNvPr id="15" name="Straight Arrow Connector 14"/>
+          <p:cNvCxnSpPr>
+            <a:stCxn id="14" idx="3"/>
+          </p:cNvCxnSpPr>
+          <p:nvPr/>
+        </p:nvCxnSpPr>
+        <p:spPr>
+          <a:xfrm>
+            <a:off x="1173335" y="1900922"/>
+            <a:ext cx="198265" cy="0"/>
+          </a:xfrm>
+          <a:prstGeom prst="straightConnector1">
+            <a:avLst/>
+          </a:prstGeom>
+          <a:ln>
+            <a:headEnd type="none" w="med" len="med"/>
+            <a:tailEnd type="arrow" w="med" len="med"/>
+          </a:ln>
+        </p:spPr>
+        <p:style>
+          <a:lnRef idx="3">
+            <a:schemeClr val="dk1"/>
+          </a:lnRef>
+          <a:fillRef idx="0">
+            <a:schemeClr val="dk1"/>
+          </a:fillRef>
+          <a:effectRef idx="2">
+            <a:schemeClr val="dk1"/>
+          </a:effectRef>
+          <a:fontRef idx="minor">
+            <a:schemeClr val="tx1"/>
+          </a:fontRef>
+        </p:style>
+      </p:cxnSp>
+      <p:sp>
+        <p:nvSpPr>
+          <p:cNvPr id="17" name="TextBox 16"/>
+          <p:cNvSpPr txBox="1"/>
+          <p:nvPr/>
+        </p:nvSpPr>
+        <p:spPr>
+          <a:xfrm>
+            <a:off x="149737" y="3702073"/>
+            <a:ext cx="816121" cy="646331"/>
+          </a:xfrm>
+          <a:prstGeom prst="rect">
+            <a:avLst/>
+          </a:prstGeom>
+          <a:noFill/>
+        </p:spPr>
+        <p:txBody>
+          <a:bodyPr wrap="none" rtlCol="0">
+            <a:spAutoFit/>
+          </a:bodyPr>
+          <a:lstStyle/>
+          <a:p>
+            <a:r>
+              <a:rPr lang="en-US" dirty="0" smtClean="0"/>
+              <a:t>Power,</a:t>
+            </a:r>
+          </a:p>
+          <a:p>
+            <a:r>
+              <a:rPr lang="en-US" dirty="0" smtClean="0"/>
+              <a:t>6 VDC</a:t>
+            </a:r>
+            <a:endParaRPr lang="en-US" dirty="0"/>
+          </a:p>
+        </p:txBody>
+      </p:sp>
+      <p:cxnSp>
+        <p:nvCxnSpPr>
+          <p:cNvPr id="18" name="Straight Arrow Connector 17"/>
+          <p:cNvCxnSpPr>
+            <a:stCxn id="17" idx="3"/>
+          </p:cNvCxnSpPr>
+          <p:nvPr/>
+        </p:nvCxnSpPr>
+        <p:spPr>
+          <a:xfrm flipV="1">
+            <a:off x="965858" y="4025238"/>
+            <a:ext cx="397730" cy="1"/>
+          </a:xfrm>
+          <a:prstGeom prst="straightConnector1">
+            <a:avLst/>
+          </a:prstGeom>
+          <a:ln>
+            <a:headEnd type="none" w="med" len="med"/>
+            <a:tailEnd type="arrow" w="med" len="med"/>
+          </a:ln>
+        </p:spPr>
+        <p:style>
+          <a:lnRef idx="3">
+            <a:schemeClr val="dk1"/>
+          </a:lnRef>
+          <a:fillRef idx="0">
+            <a:schemeClr val="dk1"/>
+          </a:fillRef>
+          <a:effectRef idx="2">
+            <a:schemeClr val="dk1"/>
+          </a:effectRef>
+          <a:fontRef idx="minor">
+            <a:schemeClr val="tx1"/>
+          </a:fontRef>
+        </p:style>
+      </p:cxnSp>
+      <p:cxnSp>
+        <p:nvCxnSpPr>
+          <p:cNvPr id="53" name="Straight Connector 52"/>
+          <p:cNvCxnSpPr/>
+          <p:nvPr/>
+        </p:nvCxnSpPr>
+        <p:spPr>
+          <a:xfrm>
+            <a:off x="1371600" y="4025238"/>
+            <a:ext cx="238715" cy="0"/>
+          </a:xfrm>
+          <a:prstGeom prst="line">
+            <a:avLst/>
+          </a:prstGeom>
+          <a:ln>
+            <a:solidFill>
+              <a:schemeClr val="tx1"/>
+            </a:solidFill>
+          </a:ln>
+        </p:spPr>
+        <p:style>
+          <a:lnRef idx="1">
+            <a:schemeClr val="accent1"/>
+          </a:lnRef>
+          <a:fillRef idx="0">
+            <a:schemeClr val="accent1"/>
+          </a:fillRef>
+          <a:effectRef idx="0">
+            <a:schemeClr val="accent1"/>
+          </a:effectRef>
+          <a:fontRef idx="minor">
+            <a:schemeClr val="tx1"/>
+          </a:fontRef>
+        </p:style>
+      </p:cxnSp>
+      <p:cxnSp>
+        <p:nvCxnSpPr>
+          <p:cNvPr id="55" name="Straight Connector 54"/>
+          <p:cNvCxnSpPr/>
+          <p:nvPr/>
+        </p:nvCxnSpPr>
+        <p:spPr>
+          <a:xfrm>
+            <a:off x="1610315" y="4025238"/>
+            <a:ext cx="0" cy="1211130"/>
+          </a:xfrm>
+          <a:prstGeom prst="line">
+            <a:avLst/>
+          </a:prstGeom>
+          <a:ln>
+            <a:solidFill>
+              <a:schemeClr val="tx1"/>
+            </a:solidFill>
+          </a:ln>
+        </p:spPr>
+        <p:style>
+          <a:lnRef idx="1">
+            <a:schemeClr val="accent1"/>
+          </a:lnRef>
+          <a:fillRef idx="0">
+            <a:schemeClr val="accent1"/>
+          </a:fillRef>
+          <a:effectRef idx="0">
+            <a:schemeClr val="accent1"/>
+          </a:effectRef>
+          <a:fontRef idx="minor">
+            <a:schemeClr val="tx1"/>
+          </a:fontRef>
+        </p:style>
+      </p:cxnSp>
+      <p:cxnSp>
+        <p:nvCxnSpPr>
+          <p:cNvPr id="57" name="Straight Arrow Connector 56"/>
+          <p:cNvCxnSpPr/>
+          <p:nvPr/>
+        </p:nvCxnSpPr>
+        <p:spPr>
+          <a:xfrm>
+            <a:off x="1610315" y="5236368"/>
+            <a:ext cx="256585" cy="0"/>
+          </a:xfrm>
+          <a:prstGeom prst="straightConnector1">
+            <a:avLst/>
+          </a:prstGeom>
+          <a:ln>
+            <a:solidFill>
+              <a:schemeClr val="tx1"/>
+            </a:solidFill>
+            <a:tailEnd type="triangle"/>
+          </a:ln>
+        </p:spPr>
+        <p:style>
+          <a:lnRef idx="1">
+            <a:schemeClr val="accent1"/>
+          </a:lnRef>
+          <a:fillRef idx="0">
+            <a:schemeClr val="accent1"/>
+          </a:fillRef>
+          <a:effectRef idx="0">
+            <a:schemeClr val="accent1"/>
+          </a:effectRef>
+          <a:fontRef idx="minor">
+            <a:schemeClr val="tx1"/>
+          </a:fontRef>
+        </p:style>
+      </p:cxnSp>
+      <p:cxnSp>
+        <p:nvCxnSpPr>
+          <p:cNvPr id="59" name="Straight Arrow Connector 58"/>
+          <p:cNvCxnSpPr/>
+          <p:nvPr/>
+        </p:nvCxnSpPr>
+        <p:spPr>
+          <a:xfrm>
+            <a:off x="1610315" y="4025238"/>
+            <a:ext cx="256585" cy="0"/>
+          </a:xfrm>
+          <a:prstGeom prst="straightConnector1">
+            <a:avLst/>
+          </a:prstGeom>
+          <a:ln>
+            <a:solidFill>
+              <a:schemeClr val="tx1"/>
+            </a:solidFill>
+            <a:tailEnd type="triangle"/>
+          </a:ln>
+        </p:spPr>
+        <p:style>
+          <a:lnRef idx="1">
+            <a:schemeClr val="accent1"/>
+          </a:lnRef>
+          <a:fillRef idx="0">
+            <a:schemeClr val="accent1"/>
+          </a:fillRef>
+          <a:effectRef idx="0">
+            <a:schemeClr val="accent1"/>
+          </a:effectRef>
+          <a:fontRef idx="minor">
+            <a:schemeClr val="tx1"/>
+          </a:fontRef>
+        </p:style>
+      </p:cxnSp>
+      <p:cxnSp>
+        <p:nvCxnSpPr>
+          <p:cNvPr id="63" name="Straight Connector 62"/>
+          <p:cNvCxnSpPr>
+            <a:stCxn id="7" idx="0"/>
+          </p:cNvCxnSpPr>
+          <p:nvPr/>
+        </p:nvCxnSpPr>
+        <p:spPr>
+          <a:xfrm flipV="1">
+            <a:off x="2581275" y="2224087"/>
+            <a:ext cx="0" cy="1238250"/>
+          </a:xfrm>
+          <a:prstGeom prst="line">
+            <a:avLst/>
+          </a:prstGeom>
+          <a:ln>
+            <a:solidFill>
+              <a:schemeClr val="tx1"/>
+            </a:solidFill>
+          </a:ln>
+        </p:spPr>
+        <p:style>
+          <a:lnRef idx="1">
+            <a:schemeClr val="accent1"/>
+          </a:lnRef>
+          <a:fillRef idx="0">
+            <a:schemeClr val="accent1"/>
+          </a:fillRef>
+          <a:effectRef idx="0">
+            <a:schemeClr val="accent1"/>
+          </a:effectRef>
+          <a:fontRef idx="minor">
+            <a:schemeClr val="tx1"/>
+          </a:fontRef>
+        </p:style>
+      </p:cxnSp>
+      <p:cxnSp>
+        <p:nvCxnSpPr>
+          <p:cNvPr id="65" name="Straight Arrow Connector 64"/>
+          <p:cNvCxnSpPr/>
+          <p:nvPr/>
+        </p:nvCxnSpPr>
+        <p:spPr>
+          <a:xfrm>
+            <a:off x="2581275" y="2224087"/>
+            <a:ext cx="1292397" cy="0"/>
+          </a:xfrm>
+          <a:prstGeom prst="straightConnector1">
+            <a:avLst/>
+          </a:prstGeom>
+          <a:ln>
+            <a:solidFill>
+              <a:schemeClr val="tx1"/>
+            </a:solidFill>
+            <a:tailEnd type="triangle"/>
+          </a:ln>
+        </p:spPr>
+        <p:style>
+          <a:lnRef idx="1">
+            <a:schemeClr val="accent1"/>
+          </a:lnRef>
+          <a:fillRef idx="0">
+            <a:schemeClr val="accent1"/>
+          </a:fillRef>
+          <a:effectRef idx="0">
+            <a:schemeClr val="accent1"/>
+          </a:effectRef>
+          <a:fontRef idx="minor">
+            <a:schemeClr val="tx1"/>
+          </a:fontRef>
+        </p:style>
+      </p:cxnSp>
+      <p:cxnSp>
+        <p:nvCxnSpPr>
+          <p:cNvPr id="67" name="Straight Arrow Connector 66"/>
+          <p:cNvCxnSpPr/>
+          <p:nvPr/>
+        </p:nvCxnSpPr>
+        <p:spPr>
+          <a:xfrm>
+            <a:off x="1363588" y="1900922"/>
+            <a:ext cx="2510084" cy="0"/>
+          </a:xfrm>
+          <a:prstGeom prst="straightConnector1">
+            <a:avLst/>
+          </a:prstGeom>
+          <a:ln>
+            <a:solidFill>
+              <a:schemeClr val="tx1"/>
+            </a:solidFill>
+            <a:tailEnd type="triangle"/>
+          </a:ln>
+        </p:spPr>
+        <p:style>
+          <a:lnRef idx="1">
+            <a:schemeClr val="accent1"/>
+          </a:lnRef>
+          <a:fillRef idx="0">
+            <a:schemeClr val="accent1"/>
+          </a:fillRef>
+          <a:effectRef idx="0">
+            <a:schemeClr val="accent1"/>
+          </a:effectRef>
+          <a:fontRef idx="minor">
+            <a:schemeClr val="tx1"/>
+          </a:fontRef>
+        </p:style>
+      </p:cxnSp>
+      <p:cxnSp>
+        <p:nvCxnSpPr>
+          <p:cNvPr id="69" name="Straight Connector 68"/>
+          <p:cNvCxnSpPr>
+            <a:stCxn id="5" idx="3"/>
+          </p:cNvCxnSpPr>
+          <p:nvPr/>
+        </p:nvCxnSpPr>
+        <p:spPr>
+          <a:xfrm>
+            <a:off x="5302422" y="1954925"/>
+            <a:ext cx="94966" cy="0"/>
+          </a:xfrm>
+          <a:prstGeom prst="line">
+            <a:avLst/>
+          </a:prstGeom>
+          <a:ln>
+            <a:solidFill>
+              <a:schemeClr val="tx1"/>
+            </a:solidFill>
+          </a:ln>
+        </p:spPr>
+        <p:style>
+          <a:lnRef idx="1">
+            <a:schemeClr val="accent1"/>
+          </a:lnRef>
+          <a:fillRef idx="0">
+            <a:schemeClr val="accent1"/>
+          </a:fillRef>
+          <a:effectRef idx="0">
+            <a:schemeClr val="accent1"/>
+          </a:effectRef>
+          <a:fontRef idx="minor">
+            <a:schemeClr val="tx1"/>
+          </a:fontRef>
+        </p:style>
+      </p:cxnSp>
+      <p:cxnSp>
+        <p:nvCxnSpPr>
+          <p:cNvPr id="71" name="Straight Connector 70"/>
+          <p:cNvCxnSpPr/>
+          <p:nvPr/>
+        </p:nvCxnSpPr>
+        <p:spPr>
+          <a:xfrm>
+            <a:off x="5397388" y="1954925"/>
+            <a:ext cx="0" cy="1289981"/>
+          </a:xfrm>
+          <a:prstGeom prst="line">
+            <a:avLst/>
+          </a:prstGeom>
+          <a:ln>
+            <a:solidFill>
+              <a:schemeClr val="tx1"/>
+            </a:solidFill>
+          </a:ln>
+        </p:spPr>
+        <p:style>
+          <a:lnRef idx="1">
+            <a:schemeClr val="accent1"/>
+          </a:lnRef>
+          <a:fillRef idx="0">
+            <a:schemeClr val="accent1"/>
+          </a:fillRef>
+          <a:effectRef idx="0">
+            <a:schemeClr val="accent1"/>
+          </a:effectRef>
+          <a:fontRef idx="minor">
+            <a:schemeClr val="tx1"/>
+          </a:fontRef>
+        </p:style>
+      </p:cxnSp>
+      <p:cxnSp>
+        <p:nvCxnSpPr>
+          <p:cNvPr id="73" name="Straight Arrow Connector 72"/>
+          <p:cNvCxnSpPr/>
+          <p:nvPr/>
+        </p:nvCxnSpPr>
+        <p:spPr>
+          <a:xfrm>
+            <a:off x="5397388" y="3244906"/>
+            <a:ext cx="350949" cy="0"/>
+          </a:xfrm>
+          <a:prstGeom prst="straightConnector1">
+            <a:avLst/>
+          </a:prstGeom>
+          <a:ln>
+            <a:solidFill>
+              <a:schemeClr val="tx1"/>
+            </a:solidFill>
+            <a:tailEnd type="triangle"/>
+          </a:ln>
+        </p:spPr>
+        <p:style>
+          <a:lnRef idx="1">
+            <a:schemeClr val="accent1"/>
+          </a:lnRef>
+          <a:fillRef idx="0">
+            <a:schemeClr val="accent1"/>
+          </a:fillRef>
+          <a:effectRef idx="0">
+            <a:schemeClr val="accent1"/>
+          </a:effectRef>
+          <a:fontRef idx="minor">
+            <a:schemeClr val="tx1"/>
+          </a:fontRef>
+        </p:style>
+      </p:cxnSp>
+      <p:cxnSp>
+        <p:nvCxnSpPr>
+          <p:cNvPr id="75" name="Straight Connector 74"/>
+          <p:cNvCxnSpPr/>
+          <p:nvPr/>
+        </p:nvCxnSpPr>
+        <p:spPr>
+          <a:xfrm>
+            <a:off x="5397388" y="3244906"/>
+            <a:ext cx="0" cy="1385897"/>
+          </a:xfrm>
+          <a:prstGeom prst="line">
+            <a:avLst/>
+          </a:prstGeom>
+          <a:ln>
+            <a:solidFill>
+              <a:schemeClr val="tx1"/>
+            </a:solidFill>
+          </a:ln>
+        </p:spPr>
+        <p:style>
+          <a:lnRef idx="1">
+            <a:schemeClr val="accent1"/>
+          </a:lnRef>
+          <a:fillRef idx="0">
+            <a:schemeClr val="accent1"/>
+          </a:fillRef>
+          <a:effectRef idx="0">
+            <a:schemeClr val="accent1"/>
+          </a:effectRef>
+          <a:fontRef idx="minor">
+            <a:schemeClr val="tx1"/>
+          </a:fontRef>
+        </p:style>
+      </p:cxnSp>
+      <p:cxnSp>
+        <p:nvCxnSpPr>
+          <p:cNvPr id="77" name="Straight Arrow Connector 76"/>
+          <p:cNvCxnSpPr/>
+          <p:nvPr/>
+        </p:nvCxnSpPr>
+        <p:spPr>
+          <a:xfrm>
+            <a:off x="5397388" y="4630803"/>
+            <a:ext cx="369999" cy="0"/>
+          </a:xfrm>
+          <a:prstGeom prst="straightConnector1">
+            <a:avLst/>
+          </a:prstGeom>
+          <a:ln>
+            <a:solidFill>
+              <a:schemeClr val="tx1"/>
+            </a:solidFill>
+            <a:tailEnd type="triangle"/>
+          </a:ln>
+        </p:spPr>
+        <p:style>
+          <a:lnRef idx="1">
+            <a:schemeClr val="accent1"/>
+          </a:lnRef>
+          <a:fillRef idx="0">
+            <a:schemeClr val="accent1"/>
+          </a:fillRef>
+          <a:effectRef idx="0">
+            <a:schemeClr val="accent1"/>
+          </a:effectRef>
+          <a:fontRef idx="minor">
+            <a:schemeClr val="tx1"/>
+          </a:fontRef>
+        </p:style>
+      </p:cxnSp>
+      <p:cxnSp>
+        <p:nvCxnSpPr>
+          <p:cNvPr id="79" name="Straight Connector 78"/>
+          <p:cNvCxnSpPr>
+            <a:stCxn id="10" idx="3"/>
+          </p:cNvCxnSpPr>
+          <p:nvPr/>
+        </p:nvCxnSpPr>
+        <p:spPr>
+          <a:xfrm>
+            <a:off x="3295650" y="5236368"/>
+            <a:ext cx="578022" cy="0"/>
+          </a:xfrm>
+          <a:prstGeom prst="line">
+            <a:avLst/>
+          </a:prstGeom>
+          <a:ln>
+            <a:solidFill>
+              <a:schemeClr val="tx1"/>
+            </a:solidFill>
+          </a:ln>
+        </p:spPr>
+        <p:style>
+          <a:lnRef idx="1">
+            <a:schemeClr val="accent1"/>
+          </a:lnRef>
+          <a:fillRef idx="0">
+            <a:schemeClr val="accent1"/>
+          </a:fillRef>
+          <a:effectRef idx="0">
+            <a:schemeClr val="accent1"/>
+          </a:effectRef>
+          <a:fontRef idx="minor">
+            <a:schemeClr val="tx1"/>
+          </a:fontRef>
+        </p:style>
+      </p:cxnSp>
+      <p:cxnSp>
+        <p:nvCxnSpPr>
+          <p:cNvPr id="81" name="Straight Connector 80"/>
+          <p:cNvCxnSpPr/>
+          <p:nvPr/>
+        </p:nvCxnSpPr>
+        <p:spPr>
+          <a:xfrm flipV="1">
+            <a:off x="3873672" y="3762796"/>
+            <a:ext cx="0" cy="1473573"/>
+          </a:xfrm>
+          <a:prstGeom prst="line">
+            <a:avLst/>
+          </a:prstGeom>
+          <a:ln>
+            <a:solidFill>
+              <a:schemeClr val="tx1"/>
+            </a:solidFill>
+          </a:ln>
+        </p:spPr>
+        <p:style>
+          <a:lnRef idx="1">
+            <a:schemeClr val="accent1"/>
+          </a:lnRef>
+          <a:fillRef idx="0">
+            <a:schemeClr val="accent1"/>
+          </a:fillRef>
+          <a:effectRef idx="0">
+            <a:schemeClr val="accent1"/>
+          </a:effectRef>
+          <a:fontRef idx="minor">
+            <a:schemeClr val="tx1"/>
+          </a:fontRef>
+        </p:style>
+      </p:cxnSp>
+      <p:cxnSp>
+        <p:nvCxnSpPr>
+          <p:cNvPr id="83" name="Straight Arrow Connector 82"/>
+          <p:cNvCxnSpPr/>
+          <p:nvPr/>
+        </p:nvCxnSpPr>
+        <p:spPr>
+          <a:xfrm flipV="1">
+            <a:off x="3881685" y="3762797"/>
+            <a:ext cx="1866652" cy="4744"/>
+          </a:xfrm>
+          <a:prstGeom prst="straightConnector1">
+            <a:avLst/>
+          </a:prstGeom>
+          <a:ln>
+            <a:solidFill>
+              <a:schemeClr val="tx1"/>
+            </a:solidFill>
+            <a:tailEnd type="triangle"/>
+          </a:ln>
+        </p:spPr>
+        <p:style>
+          <a:lnRef idx="1">
+            <a:schemeClr val="accent1"/>
+          </a:lnRef>
+          <a:fillRef idx="0">
+            <a:schemeClr val="accent1"/>
+          </a:fillRef>
+          <a:effectRef idx="0">
+            <a:schemeClr val="accent1"/>
+          </a:effectRef>
+          <a:fontRef idx="minor">
+            <a:schemeClr val="tx1"/>
+          </a:fontRef>
+        </p:style>
+      </p:cxnSp>
+      <p:cxnSp>
+        <p:nvCxnSpPr>
+          <p:cNvPr id="87" name="Straight Arrow Connector 86"/>
+          <p:cNvCxnSpPr/>
+          <p:nvPr/>
+        </p:nvCxnSpPr>
+        <p:spPr>
+          <a:xfrm>
+            <a:off x="3881685" y="5061063"/>
+            <a:ext cx="1885702" cy="12644"/>
+          </a:xfrm>
+          <a:prstGeom prst="straightConnector1">
+            <a:avLst/>
+          </a:prstGeom>
+          <a:ln>
+            <a:solidFill>
+              <a:schemeClr val="tx1"/>
+            </a:solidFill>
+            <a:tailEnd type="triangle"/>
+          </a:ln>
+        </p:spPr>
+        <p:style>
+          <a:lnRef idx="1">
+            <a:schemeClr val="accent1"/>
+          </a:lnRef>
+          <a:fillRef idx="0">
+            <a:schemeClr val="accent1"/>
+          </a:fillRef>
+          <a:effectRef idx="0">
+            <a:schemeClr val="accent1"/>
+          </a:effectRef>
+          <a:fontRef idx="minor">
+            <a:schemeClr val="tx1"/>
+          </a:fontRef>
+        </p:style>
+      </p:cxnSp>
+      <p:cxnSp>
+        <p:nvCxnSpPr>
+          <p:cNvPr id="93" name="Straight Arrow Connector 92"/>
+          <p:cNvCxnSpPr/>
+          <p:nvPr/>
+        </p:nvCxnSpPr>
+        <p:spPr>
+          <a:xfrm>
+            <a:off x="7177087" y="4848777"/>
+            <a:ext cx="4251436" cy="13977"/>
+          </a:xfrm>
+          <a:prstGeom prst="straightConnector1">
+            <a:avLst/>
+          </a:prstGeom>
+          <a:ln>
+            <a:solidFill>
+              <a:schemeClr val="tx1"/>
+            </a:solidFill>
+            <a:tailEnd type="triangle"/>
+          </a:ln>
+        </p:spPr>
+        <p:style>
+          <a:lnRef idx="1">
+            <a:schemeClr val="accent1"/>
+          </a:lnRef>
+          <a:fillRef idx="0">
+            <a:schemeClr val="accent1"/>
+          </a:fillRef>
+          <a:effectRef idx="0">
+            <a:schemeClr val="accent1"/>
+          </a:effectRef>
+          <a:fontRef idx="minor">
+            <a:schemeClr val="tx1"/>
+          </a:fontRef>
+        </p:style>
+      </p:cxnSp>
+      <p:cxnSp>
+        <p:nvCxnSpPr>
+          <p:cNvPr id="100" name="Straight Arrow Connector 99"/>
+          <p:cNvCxnSpPr>
+            <a:endCxn id="12" idx="1"/>
+          </p:cNvCxnSpPr>
+          <p:nvPr/>
+        </p:nvCxnSpPr>
+        <p:spPr>
+          <a:xfrm>
+            <a:off x="7177087" y="3454185"/>
+            <a:ext cx="656166" cy="272"/>
+          </a:xfrm>
+          <a:prstGeom prst="straightConnector1">
+            <a:avLst/>
+          </a:prstGeom>
+          <a:ln>
+            <a:solidFill>
+              <a:schemeClr val="tx1"/>
+            </a:solidFill>
+            <a:tailEnd type="triangle"/>
+          </a:ln>
+        </p:spPr>
+        <p:style>
+          <a:lnRef idx="1">
+            <a:schemeClr val="accent1"/>
+          </a:lnRef>
+          <a:fillRef idx="0">
+            <a:schemeClr val="accent1"/>
+          </a:fillRef>
+          <a:effectRef idx="0">
+            <a:schemeClr val="accent1"/>
+          </a:effectRef>
+          <a:fontRef idx="minor">
+            <a:schemeClr val="tx1"/>
+          </a:fontRef>
+        </p:style>
+      </p:cxnSp>
+      <p:cxnSp>
+        <p:nvCxnSpPr>
+          <p:cNvPr id="104" name="Straight Connector 103"/>
+          <p:cNvCxnSpPr/>
+          <p:nvPr/>
+        </p:nvCxnSpPr>
+        <p:spPr>
+          <a:xfrm flipV="1">
+            <a:off x="7436581" y="2843212"/>
+            <a:ext cx="0" cy="611245"/>
+          </a:xfrm>
+          <a:prstGeom prst="line">
+            <a:avLst/>
+          </a:prstGeom>
+          <a:ln>
+            <a:solidFill>
+              <a:schemeClr val="tx1"/>
+            </a:solidFill>
+          </a:ln>
+        </p:spPr>
+        <p:style>
+          <a:lnRef idx="1">
+            <a:schemeClr val="accent1"/>
+          </a:lnRef>
+          <a:fillRef idx="0">
+            <a:schemeClr val="accent1"/>
+          </a:fillRef>
+          <a:effectRef idx="0">
+            <a:schemeClr val="accent1"/>
+          </a:effectRef>
+          <a:fontRef idx="minor">
+            <a:schemeClr val="tx1"/>
+          </a:fontRef>
+        </p:style>
+      </p:cxnSp>
+      <p:cxnSp>
+        <p:nvCxnSpPr>
+          <p:cNvPr id="106" name="Straight Arrow Connector 105"/>
+          <p:cNvCxnSpPr/>
+          <p:nvPr/>
+        </p:nvCxnSpPr>
+        <p:spPr>
+          <a:xfrm>
+            <a:off x="7436581" y="2841526"/>
+            <a:ext cx="396672" cy="1686"/>
+          </a:xfrm>
+          <a:prstGeom prst="straightConnector1">
+            <a:avLst/>
+          </a:prstGeom>
+          <a:ln>
+            <a:solidFill>
+              <a:schemeClr val="tx1"/>
+            </a:solidFill>
+            <a:tailEnd type="triangle"/>
+          </a:ln>
+        </p:spPr>
+        <p:style>
+          <a:lnRef idx="1">
+            <a:schemeClr val="accent1"/>
+          </a:lnRef>
+          <a:fillRef idx="0">
+            <a:schemeClr val="accent1"/>
+          </a:fillRef>
+          <a:effectRef idx="0">
+            <a:schemeClr val="accent1"/>
+          </a:effectRef>
+          <a:fontRef idx="minor">
+            <a:schemeClr val="tx1"/>
+          </a:fontRef>
+        </p:style>
+      </p:cxnSp>
+      <p:cxnSp>
+        <p:nvCxnSpPr>
+          <p:cNvPr id="108" name="Straight Connector 107"/>
+          <p:cNvCxnSpPr/>
+          <p:nvPr/>
+        </p:nvCxnSpPr>
+        <p:spPr>
+          <a:xfrm>
+            <a:off x="7436581" y="3454457"/>
+            <a:ext cx="0" cy="628653"/>
+          </a:xfrm>
+          <a:prstGeom prst="line">
+            <a:avLst/>
+          </a:prstGeom>
+          <a:ln>
+            <a:solidFill>
+              <a:schemeClr val="tx1"/>
+            </a:solidFill>
+          </a:ln>
+        </p:spPr>
+        <p:style>
+          <a:lnRef idx="1">
+            <a:schemeClr val="accent1"/>
+          </a:lnRef>
+          <a:fillRef idx="0">
+            <a:schemeClr val="accent1"/>
+          </a:fillRef>
+          <a:effectRef idx="0">
+            <a:schemeClr val="accent1"/>
+          </a:effectRef>
+          <a:fontRef idx="minor">
+            <a:schemeClr val="tx1"/>
+          </a:fontRef>
+        </p:style>
+      </p:cxnSp>
+      <p:cxnSp>
+        <p:nvCxnSpPr>
+          <p:cNvPr id="110" name="Straight Arrow Connector 109"/>
+          <p:cNvCxnSpPr>
+            <a:endCxn id="13" idx="1"/>
+          </p:cNvCxnSpPr>
+          <p:nvPr/>
+        </p:nvCxnSpPr>
+        <p:spPr>
+          <a:xfrm>
+            <a:off x="7436581" y="4083110"/>
+            <a:ext cx="396672" cy="0"/>
+          </a:xfrm>
+          <a:prstGeom prst="straightConnector1">
+            <a:avLst/>
+          </a:prstGeom>
+          <a:ln>
+            <a:solidFill>
+              <a:schemeClr val="tx1"/>
+            </a:solidFill>
+            <a:tailEnd type="triangle"/>
+          </a:ln>
+        </p:spPr>
+        <p:style>
+          <a:lnRef idx="1">
+            <a:schemeClr val="accent1"/>
+          </a:lnRef>
+          <a:fillRef idx="0">
+            <a:schemeClr val="accent1"/>
+          </a:fillRef>
+          <a:effectRef idx="0">
+            <a:schemeClr val="accent1"/>
+          </a:effectRef>
+          <a:fontRef idx="minor">
+            <a:schemeClr val="tx1"/>
+          </a:fontRef>
+        </p:style>
+      </p:cxnSp>
+      <p:cxnSp>
+        <p:nvCxnSpPr>
+          <p:cNvPr id="129" name="Straight Connector 128"/>
+          <p:cNvCxnSpPr/>
+          <p:nvPr/>
+        </p:nvCxnSpPr>
+        <p:spPr>
+          <a:xfrm>
+            <a:off x="8860440" y="2825532"/>
+            <a:ext cx="376255" cy="0"/>
+          </a:xfrm>
+          <a:prstGeom prst="line">
+            <a:avLst/>
+          </a:prstGeom>
+          <a:ln>
+            <a:solidFill>
+              <a:schemeClr val="tx1"/>
+            </a:solidFill>
+          </a:ln>
+        </p:spPr>
+        <p:style>
+          <a:lnRef idx="1">
+            <a:schemeClr val="accent1"/>
+          </a:lnRef>
+          <a:fillRef idx="0">
+            <a:schemeClr val="accent1"/>
+          </a:fillRef>
+          <a:effectRef idx="0">
+            <a:schemeClr val="accent1"/>
+          </a:effectRef>
+          <a:fontRef idx="minor">
+            <a:schemeClr val="tx1"/>
+          </a:fontRef>
+        </p:style>
+      </p:cxnSp>
+      <p:cxnSp>
+        <p:nvCxnSpPr>
+          <p:cNvPr id="131" name="Straight Connector 130"/>
+          <p:cNvCxnSpPr/>
+          <p:nvPr/>
+        </p:nvCxnSpPr>
+        <p:spPr>
+          <a:xfrm>
+            <a:off x="9236695" y="2825532"/>
+            <a:ext cx="0" cy="419374"/>
+          </a:xfrm>
+          <a:prstGeom prst="line">
+            <a:avLst/>
+          </a:prstGeom>
+          <a:ln>
+            <a:solidFill>
+              <a:schemeClr val="tx1"/>
+            </a:solidFill>
+          </a:ln>
+        </p:spPr>
+        <p:style>
+          <a:lnRef idx="1">
+            <a:schemeClr val="accent1"/>
+          </a:lnRef>
+          <a:fillRef idx="0">
+            <a:schemeClr val="accent1"/>
+          </a:fillRef>
+          <a:effectRef idx="0">
+            <a:schemeClr val="accent1"/>
+          </a:effectRef>
+          <a:fontRef idx="minor">
+            <a:schemeClr val="tx1"/>
+          </a:fontRef>
+        </p:style>
+      </p:cxnSp>
+      <p:cxnSp>
+        <p:nvCxnSpPr>
+          <p:cNvPr id="133" name="Straight Arrow Connector 132"/>
+          <p:cNvCxnSpPr/>
+          <p:nvPr/>
+        </p:nvCxnSpPr>
+        <p:spPr>
+          <a:xfrm>
+            <a:off x="9236695" y="3244906"/>
+            <a:ext cx="1821830" cy="0"/>
+          </a:xfrm>
+          <a:prstGeom prst="straightConnector1">
+            <a:avLst/>
+          </a:prstGeom>
+          <a:ln>
+            <a:solidFill>
+              <a:schemeClr val="tx1"/>
+            </a:solidFill>
+            <a:tailEnd type="triangle"/>
+          </a:ln>
+        </p:spPr>
+        <p:style>
+          <a:lnRef idx="1">
+            <a:schemeClr val="accent1"/>
+          </a:lnRef>
+          <a:fillRef idx="0">
+            <a:schemeClr val="accent1"/>
+          </a:fillRef>
+          <a:effectRef idx="0">
+            <a:schemeClr val="accent1"/>
+          </a:effectRef>
+          <a:fontRef idx="minor">
+            <a:schemeClr val="tx1"/>
+          </a:fontRef>
+        </p:style>
+      </p:cxnSp>
+      <p:cxnSp>
+        <p:nvCxnSpPr>
+          <p:cNvPr id="136" name="Straight Connector 135"/>
+          <p:cNvCxnSpPr/>
+          <p:nvPr/>
+        </p:nvCxnSpPr>
+        <p:spPr>
+          <a:xfrm>
+            <a:off x="8860440" y="4083110"/>
+            <a:ext cx="376255" cy="0"/>
+          </a:xfrm>
+          <a:prstGeom prst="line">
+            <a:avLst/>
+          </a:prstGeom>
+          <a:ln>
+            <a:solidFill>
+              <a:schemeClr val="tx1"/>
+            </a:solidFill>
+          </a:ln>
+        </p:spPr>
+        <p:style>
+          <a:lnRef idx="1">
+            <a:schemeClr val="accent1"/>
+          </a:lnRef>
+          <a:fillRef idx="0">
+            <a:schemeClr val="accent1"/>
+          </a:fillRef>
+          <a:effectRef idx="0">
+            <a:schemeClr val="accent1"/>
+          </a:effectRef>
+          <a:fontRef idx="minor">
+            <a:schemeClr val="tx1"/>
+          </a:fontRef>
+        </p:style>
+      </p:cxnSp>
+      <p:cxnSp>
+        <p:nvCxnSpPr>
+          <p:cNvPr id="138" name="Straight Connector 137"/>
+          <p:cNvCxnSpPr/>
+          <p:nvPr/>
+        </p:nvCxnSpPr>
+        <p:spPr>
+          <a:xfrm flipV="1">
+            <a:off x="9236695" y="3702073"/>
+            <a:ext cx="0" cy="381037"/>
+          </a:xfrm>
+          <a:prstGeom prst="line">
+            <a:avLst/>
+          </a:prstGeom>
+          <a:ln>
+            <a:solidFill>
+              <a:schemeClr val="tx1"/>
+            </a:solidFill>
+          </a:ln>
+        </p:spPr>
+        <p:style>
+          <a:lnRef idx="1">
+            <a:schemeClr val="accent1"/>
+          </a:lnRef>
+          <a:fillRef idx="0">
+            <a:schemeClr val="accent1"/>
+          </a:fillRef>
+          <a:effectRef idx="0">
+            <a:schemeClr val="accent1"/>
+          </a:effectRef>
+          <a:fontRef idx="minor">
+            <a:schemeClr val="tx1"/>
+          </a:fontRef>
+        </p:style>
+      </p:cxnSp>
+      <p:cxnSp>
+        <p:nvCxnSpPr>
+          <p:cNvPr id="140" name="Straight Arrow Connector 139"/>
+          <p:cNvCxnSpPr/>
+          <p:nvPr/>
+        </p:nvCxnSpPr>
+        <p:spPr>
+          <a:xfrm>
+            <a:off x="9236695" y="3702073"/>
+            <a:ext cx="1821830" cy="0"/>
+          </a:xfrm>
+          <a:prstGeom prst="straightConnector1">
+            <a:avLst/>
+          </a:prstGeom>
+          <a:ln>
+            <a:solidFill>
+              <a:schemeClr val="tx1"/>
+            </a:solidFill>
+            <a:tailEnd type="triangle"/>
+          </a:ln>
+        </p:spPr>
+        <p:style>
+          <a:lnRef idx="1">
+            <a:schemeClr val="accent1"/>
+          </a:lnRef>
+          <a:fillRef idx="0">
+            <a:schemeClr val="accent1"/>
+          </a:fillRef>
+          <a:effectRef idx="0">
+            <a:schemeClr val="accent1"/>
+          </a:effectRef>
+          <a:fontRef idx="minor">
+            <a:schemeClr val="tx1"/>
+          </a:fontRef>
+        </p:style>
+      </p:cxnSp>
+      <p:cxnSp>
+        <p:nvCxnSpPr>
+          <p:cNvPr id="142" name="Straight Arrow Connector 141"/>
+          <p:cNvCxnSpPr>
+            <a:stCxn id="12" idx="3"/>
+          </p:cNvCxnSpPr>
+          <p:nvPr/>
+        </p:nvCxnSpPr>
+        <p:spPr>
+          <a:xfrm>
+            <a:off x="8852428" y="3454457"/>
+            <a:ext cx="2602768" cy="25286"/>
+          </a:xfrm>
+          <a:prstGeom prst="straightConnector1">
+            <a:avLst/>
+          </a:prstGeom>
+          <a:ln>
+            <a:solidFill>
+              <a:schemeClr val="tx1"/>
+            </a:solidFill>
+            <a:tailEnd type="triangle"/>
+          </a:ln>
+        </p:spPr>
+        <p:style>
+          <a:lnRef idx="1">
+            <a:schemeClr val="accent1"/>
+          </a:lnRef>
+          <a:fillRef idx="0">
+            <a:schemeClr val="accent1"/>
+          </a:fillRef>
+          <a:effectRef idx="0">
+            <a:schemeClr val="accent1"/>
+          </a:effectRef>
+          <a:fontRef idx="minor">
+            <a:schemeClr val="tx1"/>
+          </a:fontRef>
+        </p:style>
+      </p:cxnSp>
+      <p:sp>
+        <p:nvSpPr>
+          <p:cNvPr id="148" name="TextBox 147"/>
+          <p:cNvSpPr txBox="1"/>
+          <p:nvPr/>
+        </p:nvSpPr>
+        <p:spPr>
+          <a:xfrm>
+            <a:off x="11132434" y="2841526"/>
+            <a:ext cx="957121" cy="646331"/>
+          </a:xfrm>
+          <a:prstGeom prst="rect">
+            <a:avLst/>
+          </a:prstGeom>
+          <a:noFill/>
+        </p:spPr>
+        <p:txBody>
+          <a:bodyPr wrap="none" rtlCol="0">
+            <a:spAutoFit/>
+          </a:bodyPr>
+          <a:lstStyle/>
+          <a:p>
+            <a:r>
+              <a:rPr lang="en-US" dirty="0" smtClean="0"/>
+              <a:t>Leveled </a:t>
+            </a:r>
+            <a:br>
+              <a:rPr lang="en-US" dirty="0" smtClean="0"/>
+            </a:br>
+            <a:r>
+              <a:rPr lang="en-US" dirty="0" smtClean="0"/>
+              <a:t>Table</a:t>
+            </a:r>
+            <a:endParaRPr lang="en-US" dirty="0"/>
+          </a:p>
+        </p:txBody>
+      </p:sp>
+      <p:sp>
+        <p:nvSpPr>
+          <p:cNvPr id="151" name="TextBox 150"/>
+          <p:cNvSpPr txBox="1"/>
+          <p:nvPr/>
+        </p:nvSpPr>
+        <p:spPr>
+          <a:xfrm>
+            <a:off x="11132434" y="5057522"/>
+            <a:ext cx="1089465" cy="1200329"/>
+          </a:xfrm>
+          <a:prstGeom prst="rect">
+            <a:avLst/>
+          </a:prstGeom>
+          <a:noFill/>
+        </p:spPr>
+        <p:txBody>
+          <a:bodyPr wrap="none" rtlCol="0">
+            <a:spAutoFit/>
+          </a:bodyPr>
+          <a:lstStyle/>
+          <a:p>
+            <a:r>
+              <a:rPr lang="en-US" dirty="0" smtClean="0"/>
+              <a:t>LCD base </a:t>
+            </a:r>
+            <a:br>
+              <a:rPr lang="en-US" dirty="0" smtClean="0"/>
+            </a:br>
+            <a:r>
+              <a:rPr lang="en-US" dirty="0" smtClean="0"/>
+              <a:t>angle </a:t>
+            </a:r>
+            <a:br>
+              <a:rPr lang="en-US" dirty="0" smtClean="0"/>
+            </a:br>
+            <a:r>
+              <a:rPr lang="en-US" dirty="0" smtClean="0"/>
+              <a:t>display </a:t>
+            </a:r>
+            <a:br>
+              <a:rPr lang="en-US" dirty="0" smtClean="0"/>
+            </a:br>
+            <a:r>
+              <a:rPr lang="en-US" dirty="0" smtClean="0"/>
+              <a:t>info</a:t>
+            </a:r>
+            <a:endParaRPr lang="en-US" dirty="0"/>
           </a:p>
         </p:txBody>
       </p:sp>
@@ -3747,6 +5167,13 @@
   <p:clrMapOvr>
     <a:masterClrMapping/>
   </p:clrMapOvr>
+  <p:timing>
+    <p:tnLst>
+      <p:par>
+        <p:cTn id="1" dur="indefinite" restart="never" nodeType="tmRoot"/>
+      </p:par>
+    </p:tnLst>
+  </p:timing>
 </p:sld>
 </file>
 

--- a/Block Diagram/HW5_BlockDiagrams.pptx
+++ b/Block Diagram/HW5_BlockDiagrams.pptx
@@ -105,6 +105,11 @@
       </a:defRPr>
     </a:lvl9pPr>
   </p:defaultTextStyle>
+  <p:extLst>
+    <p:ext uri="{EFAFB233-063F-42B5-8137-9DF3F51BA10A}">
+      <p15:sldGuideLst xmlns:p15="http://schemas.microsoft.com/office/powerpoint/2012/main"/>
+    </p:ext>
+  </p:extLst>
 </p:presentation>
 </file>
 
@@ -239,7 +244,7 @@
           <a:p>
             <a:fld id="{00E37F5A-95EC-4F7A-9848-EEB36B306290}" type="datetimeFigureOut">
               <a:rPr lang="en-US" smtClean="0"/>
-              <a:t>11/8/2015</a:t>
+              <a:t>11/14/2015</a:t>
             </a:fld>
             <a:endParaRPr lang="en-US"/>
           </a:p>
@@ -409,7 +414,7 @@
           <a:p>
             <a:fld id="{00E37F5A-95EC-4F7A-9848-EEB36B306290}" type="datetimeFigureOut">
               <a:rPr lang="en-US" smtClean="0"/>
-              <a:t>11/8/2015</a:t>
+              <a:t>11/14/2015</a:t>
             </a:fld>
             <a:endParaRPr lang="en-US"/>
           </a:p>
@@ -589,7 +594,7 @@
           <a:p>
             <a:fld id="{00E37F5A-95EC-4F7A-9848-EEB36B306290}" type="datetimeFigureOut">
               <a:rPr lang="en-US" smtClean="0"/>
-              <a:t>11/8/2015</a:t>
+              <a:t>11/14/2015</a:t>
             </a:fld>
             <a:endParaRPr lang="en-US"/>
           </a:p>
@@ -759,7 +764,7 @@
           <a:p>
             <a:fld id="{00E37F5A-95EC-4F7A-9848-EEB36B306290}" type="datetimeFigureOut">
               <a:rPr lang="en-US" smtClean="0"/>
-              <a:t>11/8/2015</a:t>
+              <a:t>11/14/2015</a:t>
             </a:fld>
             <a:endParaRPr lang="en-US"/>
           </a:p>
@@ -1005,7 +1010,7 @@
           <a:p>
             <a:fld id="{00E37F5A-95EC-4F7A-9848-EEB36B306290}" type="datetimeFigureOut">
               <a:rPr lang="en-US" smtClean="0"/>
-              <a:t>11/8/2015</a:t>
+              <a:t>11/14/2015</a:t>
             </a:fld>
             <a:endParaRPr lang="en-US"/>
           </a:p>
@@ -1237,7 +1242,7 @@
           <a:p>
             <a:fld id="{00E37F5A-95EC-4F7A-9848-EEB36B306290}" type="datetimeFigureOut">
               <a:rPr lang="en-US" smtClean="0"/>
-              <a:t>11/8/2015</a:t>
+              <a:t>11/14/2015</a:t>
             </a:fld>
             <a:endParaRPr lang="en-US"/>
           </a:p>
@@ -1604,7 +1609,7 @@
           <a:p>
             <a:fld id="{00E37F5A-95EC-4F7A-9848-EEB36B306290}" type="datetimeFigureOut">
               <a:rPr lang="en-US" smtClean="0"/>
-              <a:t>11/8/2015</a:t>
+              <a:t>11/14/2015</a:t>
             </a:fld>
             <a:endParaRPr lang="en-US"/>
           </a:p>
@@ -1722,7 +1727,7 @@
           <a:p>
             <a:fld id="{00E37F5A-95EC-4F7A-9848-EEB36B306290}" type="datetimeFigureOut">
               <a:rPr lang="en-US" smtClean="0"/>
-              <a:t>11/8/2015</a:t>
+              <a:t>11/14/2015</a:t>
             </a:fld>
             <a:endParaRPr lang="en-US"/>
           </a:p>
@@ -1817,7 +1822,7 @@
           <a:p>
             <a:fld id="{00E37F5A-95EC-4F7A-9848-EEB36B306290}" type="datetimeFigureOut">
               <a:rPr lang="en-US" smtClean="0"/>
-              <a:t>11/8/2015</a:t>
+              <a:t>11/14/2015</a:t>
             </a:fld>
             <a:endParaRPr lang="en-US"/>
           </a:p>
@@ -2094,7 +2099,7 @@
           <a:p>
             <a:fld id="{00E37F5A-95EC-4F7A-9848-EEB36B306290}" type="datetimeFigureOut">
               <a:rPr lang="en-US" smtClean="0"/>
-              <a:t>11/8/2015</a:t>
+              <a:t>11/14/2015</a:t>
             </a:fld>
             <a:endParaRPr lang="en-US"/>
           </a:p>
@@ -2347,7 +2352,7 @@
           <a:p>
             <a:fld id="{00E37F5A-95EC-4F7A-9848-EEB36B306290}" type="datetimeFigureOut">
               <a:rPr lang="en-US" smtClean="0"/>
-              <a:t>11/8/2015</a:t>
+              <a:t>11/14/2015</a:t>
             </a:fld>
             <a:endParaRPr lang="en-US"/>
           </a:p>
@@ -2560,7 +2565,7 @@
           <a:p>
             <a:fld id="{00E37F5A-95EC-4F7A-9848-EEB36B306290}" type="datetimeFigureOut">
               <a:rPr lang="en-US" smtClean="0"/>
-              <a:t>11/8/2015</a:t>
+              <a:t>11/14/2015</a:t>
             </a:fld>
             <a:endParaRPr lang="en-US"/>
           </a:p>
@@ -3190,14 +3195,12 @@
       <p:cxnSp>
         <p:nvCxnSpPr>
           <p:cNvPr id="12" name="Straight Arrow Connector 11"/>
-          <p:cNvCxnSpPr>
-            <a:stCxn id="5" idx="3"/>
-          </p:cNvCxnSpPr>
+          <p:cNvCxnSpPr/>
           <p:nvPr/>
         </p:nvCxnSpPr>
         <p:spPr>
           <a:xfrm>
-            <a:off x="7791450" y="3190875"/>
+            <a:off x="7791450" y="3094320"/>
             <a:ext cx="923925" cy="0"/>
           </a:xfrm>
           <a:prstGeom prst="straightConnector1">
@@ -3231,7 +3234,7 @@
         </p:nvSpPr>
         <p:spPr>
           <a:xfrm>
-            <a:off x="8667750" y="2867709"/>
+            <a:off x="8715375" y="2771154"/>
             <a:ext cx="1120756" cy="646331"/>
           </a:xfrm>
           <a:prstGeom prst="rect">
@@ -3300,7 +3303,7 @@
         <p:spPr>
           <a:xfrm>
             <a:off x="1371600" y="942974"/>
-            <a:ext cx="9686925" cy="5038726"/>
+            <a:ext cx="9686925" cy="4497706"/>
           </a:xfrm>
           <a:prstGeom prst="rect">
             <a:avLst/>
@@ -3347,12 +3350,20 @@
         </p:nvSpPr>
         <p:spPr>
           <a:xfrm>
-            <a:off x="1866900" y="1404937"/>
+            <a:off x="1931790" y="1376164"/>
             <a:ext cx="1428750" cy="1028700"/>
           </a:xfrm>
           <a:prstGeom prst="rect">
             <a:avLst/>
           </a:prstGeom>
+          <a:solidFill>
+            <a:schemeClr val="bg1"/>
+          </a:solidFill>
+          <a:ln>
+            <a:solidFill>
+              <a:schemeClr val="tx1"/>
+            </a:solidFill>
+          </a:ln>
         </p:spPr>
         <p:style>
           <a:lnRef idx="2">
@@ -3376,10 +3387,18 @@
           <a:p>
             <a:pPr algn="ctr"/>
             <a:r>
-              <a:rPr lang="en-US" sz="1600" dirty="0" smtClean="0"/>
+              <a:rPr lang="en-US" sz="1600" dirty="0" smtClean="0">
+                <a:solidFill>
+                  <a:schemeClr val="tx1"/>
+                </a:solidFill>
+              </a:rPr>
               <a:t>Position Calculation</a:t>
             </a:r>
-            <a:endParaRPr lang="en-US" sz="1600" dirty="0"/>
+            <a:endParaRPr lang="en-US" sz="1600" dirty="0">
+              <a:solidFill>
+                <a:schemeClr val="tx1"/>
+              </a:solidFill>
+            </a:endParaRPr>
           </a:p>
         </p:txBody>
       </p:sp>
@@ -3391,12 +3410,20 @@
         </p:nvSpPr>
         <p:spPr>
           <a:xfrm>
-            <a:off x="6462712" y="1419223"/>
+            <a:off x="6537325" y="1371463"/>
             <a:ext cx="1428750" cy="1028700"/>
           </a:xfrm>
           <a:prstGeom prst="rect">
             <a:avLst/>
           </a:prstGeom>
+          <a:solidFill>
+            <a:schemeClr val="bg1"/>
+          </a:solidFill>
+          <a:ln>
+            <a:solidFill>
+              <a:schemeClr val="tx1"/>
+            </a:solidFill>
+          </a:ln>
         </p:spPr>
         <p:style>
           <a:lnRef idx="2">
@@ -3420,10 +3447,18 @@
           <a:p>
             <a:pPr algn="ctr"/>
             <a:r>
-              <a:rPr lang="en-US" sz="1600" dirty="0" smtClean="0"/>
+              <a:rPr lang="en-US" sz="1600" dirty="0" smtClean="0">
+                <a:solidFill>
+                  <a:schemeClr val="tx1"/>
+                </a:solidFill>
+              </a:rPr>
               <a:t>Servo Controller</a:t>
             </a:r>
-            <a:endParaRPr lang="en-US" sz="1600" dirty="0"/>
+            <a:endParaRPr lang="en-US" sz="1600" dirty="0">
+              <a:solidFill>
+                <a:schemeClr val="tx1"/>
+              </a:solidFill>
+            </a:endParaRPr>
           </a:p>
         </p:txBody>
       </p:sp>
@@ -3435,12 +3470,20 @@
         </p:nvSpPr>
         <p:spPr>
           <a:xfrm>
-            <a:off x="2016125" y="3729038"/>
+            <a:off x="2010603" y="3857349"/>
             <a:ext cx="1428750" cy="1028700"/>
           </a:xfrm>
           <a:prstGeom prst="rect">
             <a:avLst/>
           </a:prstGeom>
+          <a:solidFill>
+            <a:schemeClr val="bg1"/>
+          </a:solidFill>
+          <a:ln>
+            <a:solidFill>
+              <a:schemeClr val="tx1"/>
+            </a:solidFill>
+          </a:ln>
         </p:spPr>
         <p:style>
           <a:lnRef idx="2">
@@ -3464,17 +3507,29 @@
           <a:p>
             <a:pPr algn="ctr"/>
             <a:r>
-              <a:rPr lang="en-US" sz="1600" dirty="0" smtClean="0"/>
-              <a:t>Voltage Regulator </a:t>
+              <a:rPr lang="en-US" sz="1600" dirty="0" smtClean="0">
+                <a:solidFill>
+                  <a:schemeClr val="tx1"/>
+                </a:solidFill>
+              </a:rPr>
+              <a:t>Power</a:t>
             </a:r>
           </a:p>
           <a:p>
             <a:pPr algn="ctr"/>
             <a:r>
-              <a:rPr lang="en-US" sz="1600" dirty="0" smtClean="0"/>
-              <a:t>6V to 3.3V</a:t>
-            </a:r>
-            <a:endParaRPr lang="en-US" sz="1600" dirty="0"/>
+              <a:rPr lang="en-US" sz="1600" dirty="0" smtClean="0">
+                <a:solidFill>
+                  <a:schemeClr val="tx1"/>
+                </a:solidFill>
+              </a:rPr>
+              <a:t>Regulator</a:t>
+            </a:r>
+            <a:endParaRPr lang="en-US" sz="1600" dirty="0">
+              <a:solidFill>
+                <a:schemeClr val="tx1"/>
+              </a:solidFill>
+            </a:endParaRPr>
           </a:p>
         </p:txBody>
       </p:sp>
@@ -3486,12 +3541,20 @@
         </p:nvSpPr>
         <p:spPr>
           <a:xfrm>
-            <a:off x="9153525" y="4243388"/>
+            <a:off x="9153522" y="3857349"/>
             <a:ext cx="1409700" cy="1028700"/>
           </a:xfrm>
           <a:prstGeom prst="rect">
             <a:avLst/>
           </a:prstGeom>
+          <a:solidFill>
+            <a:schemeClr val="bg1"/>
+          </a:solidFill>
+          <a:ln>
+            <a:solidFill>
+              <a:schemeClr val="tx1"/>
+            </a:solidFill>
+          </a:ln>
         </p:spPr>
         <p:style>
           <a:lnRef idx="2">
@@ -3515,10 +3578,18 @@
           <a:p>
             <a:pPr algn="ctr"/>
             <a:r>
-              <a:rPr lang="en-US" sz="1600" dirty="0" smtClean="0"/>
+              <a:rPr lang="en-US" sz="1600" dirty="0" smtClean="0">
+                <a:solidFill>
+                  <a:schemeClr val="tx1"/>
+                </a:solidFill>
+              </a:rPr>
               <a:t>LED Strip</a:t>
             </a:r>
-            <a:endParaRPr lang="en-US" sz="1600" dirty="0"/>
+            <a:endParaRPr lang="en-US" sz="1600" dirty="0">
+              <a:solidFill>
+                <a:schemeClr val="tx1"/>
+              </a:solidFill>
+            </a:endParaRPr>
           </a:p>
         </p:txBody>
       </p:sp>
@@ -3536,6 +3607,14 @@
           <a:prstGeom prst="rect">
             <a:avLst/>
           </a:prstGeom>
+          <a:solidFill>
+            <a:schemeClr val="bg1"/>
+          </a:solidFill>
+          <a:ln>
+            <a:solidFill>
+              <a:schemeClr val="tx1"/>
+            </a:solidFill>
+          </a:ln>
         </p:spPr>
         <p:style>
           <a:lnRef idx="2">
@@ -3559,10 +3638,18 @@
           <a:p>
             <a:pPr algn="ctr"/>
             <a:r>
-              <a:rPr lang="en-US" sz="1600" dirty="0" smtClean="0"/>
+              <a:rPr lang="en-US" sz="1600" dirty="0" smtClean="0">
+                <a:solidFill>
+                  <a:schemeClr val="tx1"/>
+                </a:solidFill>
+              </a:rPr>
               <a:t>Servo 1</a:t>
             </a:r>
-            <a:endParaRPr lang="en-US" sz="1600" dirty="0"/>
+            <a:endParaRPr lang="en-US" sz="1600" dirty="0">
+              <a:solidFill>
+                <a:schemeClr val="tx1"/>
+              </a:solidFill>
+            </a:endParaRPr>
           </a:p>
         </p:txBody>
       </p:sp>
@@ -3574,12 +3661,20 @@
         </p:nvSpPr>
         <p:spPr>
           <a:xfrm>
-            <a:off x="5811837" y="4243388"/>
-            <a:ext cx="1428750" cy="1028700"/>
+            <a:off x="4234557" y="3857348"/>
+            <a:ext cx="1428750" cy="1028701"/>
           </a:xfrm>
           <a:prstGeom prst="rect">
             <a:avLst/>
           </a:prstGeom>
+          <a:solidFill>
+            <a:schemeClr val="bg1"/>
+          </a:solidFill>
+          <a:ln>
+            <a:solidFill>
+              <a:schemeClr val="tx1"/>
+            </a:solidFill>
+          </a:ln>
         </p:spPr>
         <p:style>
           <a:lnRef idx="2">
@@ -3603,14 +3698,22 @@
           <a:p>
             <a:pPr algn="ctr"/>
             <a:r>
-              <a:rPr lang="en-US" sz="1600" dirty="0" smtClean="0"/>
+              <a:rPr lang="en-US" sz="1600" dirty="0" smtClean="0">
+                <a:solidFill>
+                  <a:schemeClr val="tx1"/>
+                </a:solidFill>
+              </a:rPr>
               <a:t>Voltage Limiting Circuit</a:t>
             </a:r>
           </a:p>
           <a:p>
             <a:pPr algn="ctr"/>
             <a:r>
-              <a:rPr lang="en-US" sz="1600" dirty="0" smtClean="0"/>
+              <a:rPr lang="en-US" sz="1600" dirty="0" smtClean="0">
+                <a:solidFill>
+                  <a:schemeClr val="tx1"/>
+                </a:solidFill>
+              </a:rPr>
               <a:t>6V to 5V</a:t>
             </a:r>
           </a:p>
@@ -3663,6 +3766,14 @@
           <a:prstGeom prst="rect">
             <a:avLst/>
           </a:prstGeom>
+          <a:solidFill>
+            <a:schemeClr val="bg1"/>
+          </a:solidFill>
+          <a:ln>
+            <a:solidFill>
+              <a:schemeClr val="tx1"/>
+            </a:solidFill>
+          </a:ln>
         </p:spPr>
         <p:style>
           <a:lnRef idx="2">
@@ -3686,10 +3797,18 @@
           <a:p>
             <a:pPr algn="ctr"/>
             <a:r>
-              <a:rPr lang="en-US" sz="1600" dirty="0" smtClean="0"/>
+              <a:rPr lang="en-US" sz="1600" dirty="0" smtClean="0">
+                <a:solidFill>
+                  <a:schemeClr val="tx1"/>
+                </a:solidFill>
+              </a:rPr>
               <a:t>Servo 2</a:t>
             </a:r>
-            <a:endParaRPr lang="en-US" sz="1600" dirty="0"/>
+            <a:endParaRPr lang="en-US" sz="1600" dirty="0">
+              <a:solidFill>
+                <a:schemeClr val="tx1"/>
+              </a:solidFill>
+            </a:endParaRPr>
           </a:p>
         </p:txBody>
       </p:sp>
@@ -3707,6 +3826,14 @@
           <a:prstGeom prst="rect">
             <a:avLst/>
           </a:prstGeom>
+          <a:solidFill>
+            <a:schemeClr val="bg1"/>
+          </a:solidFill>
+          <a:ln>
+            <a:solidFill>
+              <a:schemeClr val="tx1"/>
+            </a:solidFill>
+          </a:ln>
         </p:spPr>
         <p:style>
           <a:lnRef idx="2">
@@ -3730,13 +3857,518 @@
           <a:p>
             <a:pPr algn="ctr"/>
             <a:r>
-              <a:rPr lang="en-US" sz="1600" dirty="0" smtClean="0"/>
+              <a:rPr lang="en-US" sz="1600" dirty="0" smtClean="0">
+                <a:solidFill>
+                  <a:schemeClr val="tx1"/>
+                </a:solidFill>
+              </a:rPr>
               <a:t>Servo 3</a:t>
             </a:r>
-            <a:endParaRPr lang="en-US" sz="1600" dirty="0"/>
-          </a:p>
-        </p:txBody>
-      </p:sp>
+            <a:endParaRPr lang="en-US" sz="1600" dirty="0">
+              <a:solidFill>
+                <a:schemeClr val="tx1"/>
+              </a:solidFill>
+            </a:endParaRPr>
+          </a:p>
+        </p:txBody>
+      </p:sp>
+      <p:cxnSp>
+        <p:nvCxnSpPr>
+          <p:cNvPr id="3" name="Straight Arrow Connector 2"/>
+          <p:cNvCxnSpPr>
+            <a:stCxn id="15" idx="3"/>
+            <a:endCxn id="5" idx="1"/>
+          </p:cNvCxnSpPr>
+          <p:nvPr/>
+        </p:nvCxnSpPr>
+        <p:spPr>
+          <a:xfrm flipV="1">
+            <a:off x="1049337" y="1890514"/>
+            <a:ext cx="882453" cy="37346"/>
+          </a:xfrm>
+          <a:prstGeom prst="straightConnector1">
+            <a:avLst/>
+          </a:prstGeom>
+          <a:ln>
+            <a:headEnd type="none" w="med" len="med"/>
+            <a:tailEnd type="arrow" w="med" len="med"/>
+          </a:ln>
+        </p:spPr>
+        <p:style>
+          <a:lnRef idx="2">
+            <a:schemeClr val="dk1"/>
+          </a:lnRef>
+          <a:fillRef idx="0">
+            <a:schemeClr val="dk1"/>
+          </a:fillRef>
+          <a:effectRef idx="1">
+            <a:schemeClr val="dk1"/>
+          </a:effectRef>
+          <a:fontRef idx="minor">
+            <a:schemeClr val="tx1"/>
+          </a:fontRef>
+        </p:style>
+      </p:cxnSp>
+      <p:sp>
+        <p:nvSpPr>
+          <p:cNvPr id="15" name="TextBox 14"/>
+          <p:cNvSpPr txBox="1"/>
+          <p:nvPr/>
+        </p:nvSpPr>
+        <p:spPr>
+          <a:xfrm>
+            <a:off x="242706" y="1604694"/>
+            <a:ext cx="806631" cy="646331"/>
+          </a:xfrm>
+          <a:prstGeom prst="rect">
+            <a:avLst/>
+          </a:prstGeom>
+          <a:noFill/>
+        </p:spPr>
+        <p:txBody>
+          <a:bodyPr wrap="none" rtlCol="0">
+            <a:spAutoFit/>
+          </a:bodyPr>
+          <a:lstStyle/>
+          <a:p>
+            <a:r>
+              <a:rPr lang="en-US" dirty="0" smtClean="0"/>
+              <a:t>Base</a:t>
+            </a:r>
+          </a:p>
+          <a:p>
+            <a:r>
+              <a:rPr lang="en-US" dirty="0" smtClean="0"/>
+              <a:t>Angles</a:t>
+            </a:r>
+            <a:endParaRPr lang="en-US" dirty="0"/>
+          </a:p>
+        </p:txBody>
+      </p:sp>
+      <p:sp>
+        <p:nvSpPr>
+          <p:cNvPr id="16" name="TextBox 15"/>
+          <p:cNvSpPr txBox="1"/>
+          <p:nvPr/>
+        </p:nvSpPr>
+        <p:spPr>
+          <a:xfrm>
+            <a:off x="2057572" y="5945626"/>
+            <a:ext cx="1387303" cy="369332"/>
+          </a:xfrm>
+          <a:prstGeom prst="rect">
+            <a:avLst/>
+          </a:prstGeom>
+          <a:noFill/>
+        </p:spPr>
+        <p:txBody>
+          <a:bodyPr wrap="none" rtlCol="0">
+            <a:spAutoFit/>
+          </a:bodyPr>
+          <a:lstStyle/>
+          <a:p>
+            <a:r>
+              <a:rPr lang="en-US" dirty="0" smtClean="0"/>
+              <a:t>Power 6V AC</a:t>
+            </a:r>
+            <a:endParaRPr lang="en-US" dirty="0"/>
+          </a:p>
+        </p:txBody>
+      </p:sp>
+      <p:cxnSp>
+        <p:nvCxnSpPr>
+          <p:cNvPr id="17" name="Straight Arrow Connector 16"/>
+          <p:cNvCxnSpPr>
+            <a:stCxn id="16" idx="0"/>
+            <a:endCxn id="7" idx="2"/>
+          </p:cNvCxnSpPr>
+          <p:nvPr/>
+        </p:nvCxnSpPr>
+        <p:spPr>
+          <a:xfrm flipH="1" flipV="1">
+            <a:off x="2724978" y="4886049"/>
+            <a:ext cx="26246" cy="1059577"/>
+          </a:xfrm>
+          <a:prstGeom prst="straightConnector1">
+            <a:avLst/>
+          </a:prstGeom>
+          <a:ln>
+            <a:headEnd type="none" w="med" len="med"/>
+            <a:tailEnd type="arrow" w="med" len="med"/>
+          </a:ln>
+        </p:spPr>
+        <p:style>
+          <a:lnRef idx="2">
+            <a:schemeClr val="dk1"/>
+          </a:lnRef>
+          <a:fillRef idx="0">
+            <a:schemeClr val="dk1"/>
+          </a:fillRef>
+          <a:effectRef idx="1">
+            <a:schemeClr val="dk1"/>
+          </a:effectRef>
+          <a:fontRef idx="minor">
+            <a:schemeClr val="tx1"/>
+          </a:fontRef>
+        </p:style>
+      </p:cxnSp>
+      <p:cxnSp>
+        <p:nvCxnSpPr>
+          <p:cNvPr id="21" name="Straight Arrow Connector 20"/>
+          <p:cNvCxnSpPr>
+            <a:stCxn id="5" idx="3"/>
+            <a:endCxn id="6" idx="1"/>
+          </p:cNvCxnSpPr>
+          <p:nvPr/>
+        </p:nvCxnSpPr>
+        <p:spPr>
+          <a:xfrm flipV="1">
+            <a:off x="3360540" y="1885813"/>
+            <a:ext cx="3176785" cy="4701"/>
+          </a:xfrm>
+          <a:prstGeom prst="straightConnector1">
+            <a:avLst/>
+          </a:prstGeom>
+          <a:ln>
+            <a:headEnd type="none" w="med" len="med"/>
+            <a:tailEnd type="arrow" w="med" len="med"/>
+          </a:ln>
+        </p:spPr>
+        <p:style>
+          <a:lnRef idx="2">
+            <a:schemeClr val="dk1"/>
+          </a:lnRef>
+          <a:fillRef idx="0">
+            <a:schemeClr val="dk1"/>
+          </a:fillRef>
+          <a:effectRef idx="1">
+            <a:schemeClr val="dk1"/>
+          </a:effectRef>
+          <a:fontRef idx="minor">
+            <a:schemeClr val="tx1"/>
+          </a:fontRef>
+        </p:style>
+      </p:cxnSp>
+      <p:sp>
+        <p:nvSpPr>
+          <p:cNvPr id="62" name="Rectangle 61"/>
+          <p:cNvSpPr/>
+          <p:nvPr/>
+        </p:nvSpPr>
+        <p:spPr>
+          <a:xfrm>
+            <a:off x="6537325" y="2777781"/>
+            <a:ext cx="1428750" cy="1028700"/>
+          </a:xfrm>
+          <a:prstGeom prst="rect">
+            <a:avLst/>
+          </a:prstGeom>
+          <a:solidFill>
+            <a:schemeClr val="bg1"/>
+          </a:solidFill>
+          <a:ln>
+            <a:solidFill>
+              <a:schemeClr val="tx1"/>
+            </a:solidFill>
+          </a:ln>
+        </p:spPr>
+        <p:style>
+          <a:lnRef idx="2">
+            <a:schemeClr val="accent1">
+              <a:shade val="50000"/>
+            </a:schemeClr>
+          </a:lnRef>
+          <a:fillRef idx="1">
+            <a:schemeClr val="accent1"/>
+          </a:fillRef>
+          <a:effectRef idx="0">
+            <a:schemeClr val="accent1"/>
+          </a:effectRef>
+          <a:fontRef idx="minor">
+            <a:schemeClr val="lt1"/>
+          </a:fontRef>
+        </p:style>
+        <p:txBody>
+          <a:bodyPr rtlCol="0" anchor="ctr"/>
+          <a:lstStyle/>
+          <a:p>
+            <a:pPr algn="ctr"/>
+            <a:r>
+              <a:rPr lang="en-US" sz="1600" dirty="0" smtClean="0">
+                <a:solidFill>
+                  <a:schemeClr val="tx1"/>
+                </a:solidFill>
+              </a:rPr>
+              <a:t>LED Calculations</a:t>
+            </a:r>
+            <a:endParaRPr lang="en-US" sz="1600" dirty="0">
+              <a:solidFill>
+                <a:schemeClr val="tx1"/>
+              </a:solidFill>
+            </a:endParaRPr>
+          </a:p>
+        </p:txBody>
+      </p:sp>
+      <p:cxnSp>
+        <p:nvCxnSpPr>
+          <p:cNvPr id="67" name="Straight Arrow Connector 66"/>
+          <p:cNvCxnSpPr>
+            <a:stCxn id="10" idx="3"/>
+            <a:endCxn id="8" idx="1"/>
+          </p:cNvCxnSpPr>
+          <p:nvPr/>
+        </p:nvCxnSpPr>
+        <p:spPr>
+          <a:xfrm>
+            <a:off x="5663307" y="4371699"/>
+            <a:ext cx="3490215" cy="0"/>
+          </a:xfrm>
+          <a:prstGeom prst="straightConnector1">
+            <a:avLst/>
+          </a:prstGeom>
+          <a:ln>
+            <a:tailEnd type="triangle"/>
+          </a:ln>
+        </p:spPr>
+        <p:style>
+          <a:lnRef idx="2">
+            <a:schemeClr val="accent1"/>
+          </a:lnRef>
+          <a:fillRef idx="0">
+            <a:schemeClr val="accent1"/>
+          </a:fillRef>
+          <a:effectRef idx="1">
+            <a:schemeClr val="accent1"/>
+          </a:effectRef>
+          <a:fontRef idx="minor">
+            <a:schemeClr val="tx1"/>
+          </a:fontRef>
+        </p:style>
+      </p:cxnSp>
+      <p:cxnSp>
+        <p:nvCxnSpPr>
+          <p:cNvPr id="85" name="Elbow Connector 84"/>
+          <p:cNvCxnSpPr>
+            <a:stCxn id="5" idx="3"/>
+            <a:endCxn id="62" idx="1"/>
+          </p:cNvCxnSpPr>
+          <p:nvPr/>
+        </p:nvCxnSpPr>
+        <p:spPr>
+          <a:xfrm>
+            <a:off x="3360540" y="1890514"/>
+            <a:ext cx="3176785" cy="1401617"/>
+          </a:xfrm>
+          <a:prstGeom prst="bentConnector3">
+            <a:avLst/>
+          </a:prstGeom>
+          <a:ln>
+            <a:tailEnd type="triangle"/>
+          </a:ln>
+        </p:spPr>
+        <p:style>
+          <a:lnRef idx="2">
+            <a:schemeClr val="accent1"/>
+          </a:lnRef>
+          <a:fillRef idx="0">
+            <a:schemeClr val="accent1"/>
+          </a:fillRef>
+          <a:effectRef idx="1">
+            <a:schemeClr val="accent1"/>
+          </a:effectRef>
+          <a:fontRef idx="minor">
+            <a:schemeClr val="tx1"/>
+          </a:fontRef>
+        </p:style>
+      </p:cxnSp>
+      <p:cxnSp>
+        <p:nvCxnSpPr>
+          <p:cNvPr id="94" name="Straight Arrow Connector 93"/>
+          <p:cNvCxnSpPr>
+            <a:stCxn id="6" idx="3"/>
+            <a:endCxn id="9" idx="1"/>
+          </p:cNvCxnSpPr>
+          <p:nvPr/>
+        </p:nvCxnSpPr>
+        <p:spPr>
+          <a:xfrm flipV="1">
+            <a:off x="7966075" y="1478755"/>
+            <a:ext cx="1577972" cy="407058"/>
+          </a:xfrm>
+          <a:prstGeom prst="straightConnector1">
+            <a:avLst/>
+          </a:prstGeom>
+          <a:ln>
+            <a:headEnd type="none" w="med" len="med"/>
+            <a:tailEnd type="arrow" w="med" len="med"/>
+          </a:ln>
+        </p:spPr>
+        <p:style>
+          <a:lnRef idx="2">
+            <a:schemeClr val="dk1"/>
+          </a:lnRef>
+          <a:fillRef idx="0">
+            <a:schemeClr val="dk1"/>
+          </a:fillRef>
+          <a:effectRef idx="1">
+            <a:schemeClr val="dk1"/>
+          </a:effectRef>
+          <a:fontRef idx="minor">
+            <a:schemeClr val="tx1"/>
+          </a:fontRef>
+        </p:style>
+      </p:cxnSp>
+      <p:cxnSp>
+        <p:nvCxnSpPr>
+          <p:cNvPr id="96" name="Straight Arrow Connector 95"/>
+          <p:cNvCxnSpPr>
+            <a:stCxn id="6" idx="3"/>
+            <a:endCxn id="12" idx="1"/>
+          </p:cNvCxnSpPr>
+          <p:nvPr/>
+        </p:nvCxnSpPr>
+        <p:spPr>
+          <a:xfrm>
+            <a:off x="7966075" y="1885813"/>
+            <a:ext cx="1577972" cy="128723"/>
+          </a:xfrm>
+          <a:prstGeom prst="straightConnector1">
+            <a:avLst/>
+          </a:prstGeom>
+          <a:ln>
+            <a:headEnd type="none" w="med" len="med"/>
+            <a:tailEnd type="arrow" w="med" len="med"/>
+          </a:ln>
+        </p:spPr>
+        <p:style>
+          <a:lnRef idx="2">
+            <a:schemeClr val="accent2"/>
+          </a:lnRef>
+          <a:fillRef idx="0">
+            <a:schemeClr val="accent2"/>
+          </a:fillRef>
+          <a:effectRef idx="1">
+            <a:schemeClr val="accent2"/>
+          </a:effectRef>
+          <a:fontRef idx="minor">
+            <a:schemeClr val="tx1"/>
+          </a:fontRef>
+        </p:style>
+      </p:cxnSp>
+      <p:cxnSp>
+        <p:nvCxnSpPr>
+          <p:cNvPr id="98" name="Straight Arrow Connector 97"/>
+          <p:cNvCxnSpPr>
+            <a:stCxn id="6" idx="3"/>
+            <a:endCxn id="13" idx="1"/>
+          </p:cNvCxnSpPr>
+          <p:nvPr/>
+        </p:nvCxnSpPr>
+        <p:spPr>
+          <a:xfrm>
+            <a:off x="7966075" y="1885813"/>
+            <a:ext cx="1577972" cy="650212"/>
+          </a:xfrm>
+          <a:prstGeom prst="straightConnector1">
+            <a:avLst/>
+          </a:prstGeom>
+          <a:ln>
+            <a:tailEnd type="triangle"/>
+          </a:ln>
+        </p:spPr>
+        <p:style>
+          <a:lnRef idx="2">
+            <a:schemeClr val="accent1"/>
+          </a:lnRef>
+          <a:fillRef idx="0">
+            <a:schemeClr val="accent1"/>
+          </a:fillRef>
+          <a:effectRef idx="1">
+            <a:schemeClr val="accent1"/>
+          </a:effectRef>
+          <a:fontRef idx="minor">
+            <a:schemeClr val="tx1"/>
+          </a:fontRef>
+        </p:style>
+      </p:cxnSp>
+      <p:cxnSp>
+        <p:nvCxnSpPr>
+          <p:cNvPr id="109" name="Straight Arrow Connector 108"/>
+          <p:cNvCxnSpPr>
+            <a:stCxn id="7" idx="3"/>
+            <a:endCxn id="10" idx="1"/>
+          </p:cNvCxnSpPr>
+          <p:nvPr/>
+        </p:nvCxnSpPr>
+        <p:spPr>
+          <a:xfrm>
+            <a:off x="3439353" y="4371699"/>
+            <a:ext cx="795204" cy="0"/>
+          </a:xfrm>
+          <a:prstGeom prst="straightConnector1">
+            <a:avLst/>
+          </a:prstGeom>
+          <a:ln>
+            <a:tailEnd type="triangle"/>
+          </a:ln>
+        </p:spPr>
+        <p:style>
+          <a:lnRef idx="2">
+            <a:schemeClr val="accent1"/>
+          </a:lnRef>
+          <a:fillRef idx="0">
+            <a:schemeClr val="accent1"/>
+          </a:fillRef>
+          <a:effectRef idx="1">
+            <a:schemeClr val="accent1"/>
+          </a:effectRef>
+          <a:fontRef idx="minor">
+            <a:schemeClr val="tx1"/>
+          </a:fontRef>
+        </p:style>
+      </p:cxnSp>
+      <p:cxnSp>
+        <p:nvCxnSpPr>
+          <p:cNvPr id="115" name="Elbow Connector 114"/>
+          <p:cNvCxnSpPr>
+            <a:stCxn id="62" idx="2"/>
+            <a:endCxn id="8" idx="1"/>
+          </p:cNvCxnSpPr>
+          <p:nvPr/>
+        </p:nvCxnSpPr>
+        <p:spPr>
+          <a:xfrm rot="16200000" flipH="1">
+            <a:off x="7920002" y="3138179"/>
+            <a:ext cx="565218" cy="1901822"/>
+          </a:xfrm>
+          <a:prstGeom prst="bentConnector2">
+            <a:avLst/>
+          </a:prstGeom>
+          <a:ln w="9525" cap="flat" cmpd="sng" algn="ctr">
+            <a:solidFill>
+              <a:schemeClr val="dk1"/>
+            </a:solidFill>
+            <a:prstDash val="solid"/>
+            <a:round/>
+            <a:headEnd type="none" w="med" len="med"/>
+            <a:tailEnd type="arrow" w="med" len="med"/>
+          </a:ln>
+        </p:spPr>
+        <p:style>
+          <a:lnRef idx="0">
+            <a:scrgbClr r="0" g="0" b="0"/>
+          </a:lnRef>
+          <a:fillRef idx="0">
+            <a:scrgbClr r="0" g="0" b="0"/>
+          </a:fillRef>
+          <a:effectRef idx="0">
+            <a:scrgbClr r="0" g="0" b="0"/>
+          </a:effectRef>
+          <a:fontRef idx="minor">
+            <a:schemeClr val="tx1"/>
+          </a:fontRef>
+        </p:style>
+      </p:cxnSp>
     </p:spTree>
     <p:extLst>
       <p:ext uri="{BB962C8B-B14F-4D97-AF65-F5344CB8AC3E}">

--- a/Block Diagram/HW5_BlockDiagrams.pptx
+++ b/Block Diagram/HW5_BlockDiagrams.pptx
@@ -257,7 +257,7 @@
           <a:p>
             <a:fld id="{00E37F5A-95EC-4F7A-9848-EEB36B306290}" type="datetimeFigureOut">
               <a:rPr lang="en-US" smtClean="0"/>
-              <a:t>11/17/2015</a:t>
+              <a:t>12/10/2015</a:t>
             </a:fld>
             <a:endParaRPr lang="en-US"/>
           </a:p>
@@ -427,7 +427,7 @@
           <a:p>
             <a:fld id="{00E37F5A-95EC-4F7A-9848-EEB36B306290}" type="datetimeFigureOut">
               <a:rPr lang="en-US" smtClean="0"/>
-              <a:t>11/17/2015</a:t>
+              <a:t>12/10/2015</a:t>
             </a:fld>
             <a:endParaRPr lang="en-US"/>
           </a:p>
@@ -607,7 +607,7 @@
           <a:p>
             <a:fld id="{00E37F5A-95EC-4F7A-9848-EEB36B306290}" type="datetimeFigureOut">
               <a:rPr lang="en-US" smtClean="0"/>
-              <a:t>11/17/2015</a:t>
+              <a:t>12/10/2015</a:t>
             </a:fld>
             <a:endParaRPr lang="en-US"/>
           </a:p>
@@ -777,7 +777,7 @@
           <a:p>
             <a:fld id="{00E37F5A-95EC-4F7A-9848-EEB36B306290}" type="datetimeFigureOut">
               <a:rPr lang="en-US" smtClean="0"/>
-              <a:t>11/17/2015</a:t>
+              <a:t>12/10/2015</a:t>
             </a:fld>
             <a:endParaRPr lang="en-US"/>
           </a:p>
@@ -1023,7 +1023,7 @@
           <a:p>
             <a:fld id="{00E37F5A-95EC-4F7A-9848-EEB36B306290}" type="datetimeFigureOut">
               <a:rPr lang="en-US" smtClean="0"/>
-              <a:t>11/17/2015</a:t>
+              <a:t>12/10/2015</a:t>
             </a:fld>
             <a:endParaRPr lang="en-US"/>
           </a:p>
@@ -1255,7 +1255,7 @@
           <a:p>
             <a:fld id="{00E37F5A-95EC-4F7A-9848-EEB36B306290}" type="datetimeFigureOut">
               <a:rPr lang="en-US" smtClean="0"/>
-              <a:t>11/17/2015</a:t>
+              <a:t>12/10/2015</a:t>
             </a:fld>
             <a:endParaRPr lang="en-US"/>
           </a:p>
@@ -1622,7 +1622,7 @@
           <a:p>
             <a:fld id="{00E37F5A-95EC-4F7A-9848-EEB36B306290}" type="datetimeFigureOut">
               <a:rPr lang="en-US" smtClean="0"/>
-              <a:t>11/17/2015</a:t>
+              <a:t>12/10/2015</a:t>
             </a:fld>
             <a:endParaRPr lang="en-US"/>
           </a:p>
@@ -1740,7 +1740,7 @@
           <a:p>
             <a:fld id="{00E37F5A-95EC-4F7A-9848-EEB36B306290}" type="datetimeFigureOut">
               <a:rPr lang="en-US" smtClean="0"/>
-              <a:t>11/17/2015</a:t>
+              <a:t>12/10/2015</a:t>
             </a:fld>
             <a:endParaRPr lang="en-US"/>
           </a:p>
@@ -1835,7 +1835,7 @@
           <a:p>
             <a:fld id="{00E37F5A-95EC-4F7A-9848-EEB36B306290}" type="datetimeFigureOut">
               <a:rPr lang="en-US" smtClean="0"/>
-              <a:t>11/17/2015</a:t>
+              <a:t>12/10/2015</a:t>
             </a:fld>
             <a:endParaRPr lang="en-US"/>
           </a:p>
@@ -2112,7 +2112,7 @@
           <a:p>
             <a:fld id="{00E37F5A-95EC-4F7A-9848-EEB36B306290}" type="datetimeFigureOut">
               <a:rPr lang="en-US" smtClean="0"/>
-              <a:t>11/17/2015</a:t>
+              <a:t>12/10/2015</a:t>
             </a:fld>
             <a:endParaRPr lang="en-US"/>
           </a:p>
@@ -2365,7 +2365,7 @@
           <a:p>
             <a:fld id="{00E37F5A-95EC-4F7A-9848-EEB36B306290}" type="datetimeFigureOut">
               <a:rPr lang="en-US" smtClean="0"/>
-              <a:t>11/17/2015</a:t>
+              <a:t>12/10/2015</a:t>
             </a:fld>
             <a:endParaRPr lang="en-US"/>
           </a:p>
@@ -2578,7 +2578,7 @@
           <a:p>
             <a:fld id="{00E37F5A-95EC-4F7A-9848-EEB36B306290}" type="datetimeFigureOut">
               <a:rPr lang="en-US" smtClean="0"/>
-              <a:t>11/17/2015</a:t>
+              <a:t>12/10/2015</a:t>
             </a:fld>
             <a:endParaRPr lang="en-US"/>
           </a:p>
@@ -3139,13 +3139,8 @@
           <a:p>
             <a:r>
               <a:rPr lang="en-US" sz="3200" dirty="0" smtClean="0"/>
-              <a:t>Status LEDs</a:t>
-            </a:r>
-            <a:r>
-              <a:rPr lang="en-US" sz="3200" dirty="0" smtClean="0"/>
-              <a:t>: Level 0</a:t>
-            </a:r>
-            <a:endParaRPr lang="en-US" sz="3200" dirty="0" smtClean="0"/>
+              <a:t>Status LEDs: Level 0</a:t>
+            </a:r>
           </a:p>
         </p:txBody>
       </p:sp>
@@ -3216,7 +3211,7 @@
         </p:nvGraphicFramePr>
         <p:xfrm>
           <a:off x="1160889" y="4552195"/>
-          <a:ext cx="9668787" cy="1848604"/>
+          <a:ext cx="9668787" cy="2148453"/>
         </p:xfrm>
         <a:graphic>
           <a:graphicData uri="http://schemas.openxmlformats.org/drawingml/2006/table">
@@ -3324,14 +3319,26 @@
                     <a:bodyPr/>
                     <a:lstStyle/>
                     <a:p>
-                      <a:pPr marL="0" indent="0">
-                        <a:buFontTx/>
+                      <a:pPr marL="0" marR="0" lvl="0" indent="0" algn="l" rtl="0">
+                        <a:spcBef>
+                          <a:spcPts val="0"/>
+                        </a:spcBef>
+                        <a:buClr>
+                          <a:schemeClr val="dk1"/>
+                        </a:buClr>
+                        <a:buSzPct val="25000"/>
+                        <a:buFont typeface="Calibri"/>
                         <a:buNone/>
                       </a:pPr>
                       <a:r>
-                        <a:rPr lang="en-US" sz="1100" baseline="0" dirty="0" smtClean="0"/>
+                        <a:rPr lang="en" sz="1100" u="none" strike="noStrike" cap="none" baseline="0" dirty="0" smtClean="0"/>
                         <a:t>- System status: 4 LEDs that light up on PCB</a:t>
                       </a:r>
+                      <a:r>
+                        <a:rPr lang="en" sz="1100" dirty="0" smtClean="0"/>
+                        <a:t>. First LED is green, displays when tilt on the x axis reaches its limit. Second LED is yellow, displays when there is communication between the microcontroller and the servo controller. Third LED is yellow, displays when there is communication between the microcontroller and the accelerometer. Fourth LED is red, displays when the tilt on the y axis reaches its limit.</a:t>
+                      </a:r>
+                      <a:endParaRPr lang="en" sz="1100" dirty="0"/>
                     </a:p>
                   </a:txBody>
                   <a:tcPr/>
@@ -3562,13 +3569,8 @@
           <a:p>
             <a:r>
               <a:rPr lang="en-US" sz="3200" dirty="0" smtClean="0"/>
-              <a:t>Servo Controller</a:t>
-            </a:r>
-            <a:r>
-              <a:rPr lang="en-US" sz="3200" dirty="0" smtClean="0"/>
-              <a:t>: Level 0</a:t>
-            </a:r>
-            <a:endParaRPr lang="en-US" sz="3200" dirty="0" smtClean="0"/>
+              <a:t>Servo Controller: Level 0</a:t>
+            </a:r>
           </a:p>
         </p:txBody>
       </p:sp>
@@ -3580,7 +3582,7 @@
         </p:nvSpPr>
         <p:spPr>
           <a:xfrm>
-            <a:off x="3870131" y="1252911"/>
+            <a:off x="3922383" y="930694"/>
             <a:ext cx="3810000" cy="2476500"/>
           </a:xfrm>
           <a:prstGeom prst="rect">
@@ -3632,14 +3634,14 @@
           <p:nvPr>
             <p:extLst>
               <p:ext uri="{D42A27DB-BD31-4B8C-83A1-F6EECF244321}">
-                <p14:modId xmlns:p14="http://schemas.microsoft.com/office/powerpoint/2010/main" val="526084949"/>
+                <p14:modId xmlns:p14="http://schemas.microsoft.com/office/powerpoint/2010/main" val="2779003849"/>
               </p:ext>
             </p:extLst>
           </p:nvPr>
         </p:nvGraphicFramePr>
         <p:xfrm>
-          <a:off x="1160889" y="4552195"/>
-          <a:ext cx="9668787" cy="1848604"/>
+          <a:off x="1065094" y="3544810"/>
+          <a:ext cx="9668787" cy="3137185"/>
         </p:xfrm>
         <a:graphic>
           <a:graphicData uri="http://schemas.openxmlformats.org/drawingml/2006/table">
@@ -3648,10 +3650,10 @@
                 <a:tableStyleId>{5C22544A-7EE6-4342-B048-85BDC9FD1C3A}</a:tableStyleId>
               </a:tblPr>
               <a:tblGrid>
-                <a:gridCol w="2299193"/>
-                <a:gridCol w="7369594"/>
+                <a:gridCol w="1599729"/>
+                <a:gridCol w="8069058"/>
               </a:tblGrid>
-              <a:tr h="462151">
+              <a:tr h="339272">
                 <a:tc>
                   <a:txBody>
                     <a:bodyPr/>
@@ -3681,7 +3683,7 @@
                   <a:tcPr/>
                 </a:tc>
               </a:tr>
-              <a:tr h="462151">
+              <a:tr h="1871921">
                 <a:tc>
                   <a:txBody>
                     <a:bodyPr/>
@@ -3701,7 +3703,7 @@
                     <a:bodyPr/>
                     <a:lstStyle/>
                     <a:p>
-                      <a:pPr marL="171450" marR="0" indent="-171450" algn="l" defTabSz="914400" rtl="0" eaLnBrk="1" fontAlgn="auto" latinLnBrk="0" hangingPunct="1">
+                      <a:pPr marL="0" marR="0" lvl="0" indent="0" algn="l" rtl="0">
                         <a:lnSpc>
                           <a:spcPct val="100000"/>
                         </a:lnSpc>
@@ -3711,20 +3713,20 @@
                         <a:spcAft>
                           <a:spcPts val="0"/>
                         </a:spcAft>
-                        <a:buClrTx/>
-                        <a:buSzTx/>
-                        <a:buFontTx/>
-                        <a:buChar char="-"/>
-                        <a:tabLst/>
-                        <a:defRPr/>
+                        <a:buClr>
+                          <a:schemeClr val="dk1"/>
+                        </a:buClr>
+                        <a:buSzPct val="100000"/>
+                        <a:buFont typeface="Calibri"/>
+                        <a:buNone/>
                       </a:pPr>
                       <a:r>
-                        <a:rPr lang="en-US" sz="1100" baseline="0" dirty="0" smtClean="0"/>
-                        <a:t>Power: Regulated 5 VDC</a:t>
+                        <a:rPr lang="en" sz="1100" dirty="0" smtClean="0"/>
+                        <a:t>- Servo settings: Set the speed of the servos. speed limit is given in units of (0.25 μs)/(10 ms). Communicated via USART. Incoming communications can have varying baud rates but the ideal baud rate is 9600. Transmissions must follow the pololu protocol format and be transmitted one byte at a time (0xAA baud rate detection byte, 0x0C device ID of servo controller, 0x07 command byte to set servo speed, &lt;channel number&gt; channel of the servo that you want to set the speed, &lt;servo speed MSB&gt; least significant byte of speed value, &lt;servo speed MSB&gt; most significant byte of speed value)</a:t>
                       </a:r>
                     </a:p>
                     <a:p>
-                      <a:pPr marL="171450" marR="0" indent="-171450" algn="l" defTabSz="914400" rtl="0" eaLnBrk="1" fontAlgn="auto" latinLnBrk="0" hangingPunct="1">
+                      <a:pPr marL="0" marR="0" lvl="0" indent="0" algn="l" rtl="0">
                         <a:lnSpc>
                           <a:spcPct val="100000"/>
                         </a:lnSpc>
@@ -3734,40 +3736,66 @@
                         <a:spcAft>
                           <a:spcPts val="0"/>
                         </a:spcAft>
-                        <a:buClrTx/>
-                        <a:buSzTx/>
-                        <a:buFontTx/>
-                        <a:buChar char="-"/>
-                        <a:tabLst/>
-                        <a:defRPr/>
+                        <a:buClr>
+                          <a:schemeClr val="dk1"/>
+                        </a:buClr>
+                        <a:buSzPct val="100000"/>
+                        <a:buFont typeface="Calibri"/>
+                        <a:buNone/>
                       </a:pPr>
                       <a:r>
-                        <a:rPr lang="en-US" sz="1100" baseline="0" dirty="0" smtClean="0"/>
-                        <a:t>Servo positions: pulse width values in quarter </a:t>
+                        <a:rPr lang="en" sz="1100" u="none" strike="noStrike" cap="none" baseline="0" dirty="0" smtClean="0"/>
+                        <a:t>- Power: Regulated 5 VDC</a:t>
+                      </a:r>
+                    </a:p>
+                    <a:p>
+                      <a:pPr marL="0" marR="0" lvl="0" indent="0" algn="l" rtl="0">
+                        <a:lnSpc>
+                          <a:spcPct val="100000"/>
+                        </a:lnSpc>
+                        <a:spcBef>
+                          <a:spcPts val="0"/>
+                        </a:spcBef>
+                        <a:spcAft>
+                          <a:spcPts val="0"/>
+                        </a:spcAft>
+                        <a:buClr>
+                          <a:schemeClr val="dk1"/>
+                        </a:buClr>
+                        <a:buSzPct val="100000"/>
+                        <a:buFont typeface="Calibri"/>
+                        <a:buNone/>
+                      </a:pPr>
+                      <a:r>
+                        <a:rPr lang="en" sz="1100" u="none" strike="noStrike" cap="none" baseline="0" dirty="0" smtClean="0"/>
+                        <a:t>- Servo positions: pulse width values in quarter </a:t>
                       </a:r>
                       <a:r>
-                        <a:rPr lang="en-US" sz="1100" b="0" i="0" kern="1200" dirty="0" smtClean="0">
+                        <a:rPr lang="en" sz="1100" b="0" i="0" u="none" strike="noStrike" cap="none" baseline="0" dirty="0" smtClean="0">
                           <a:solidFill>
                             <a:schemeClr val="dk1"/>
                           </a:solidFill>
-                          <a:effectLst/>
                           <a:latin typeface="+mn-lt"/>
-                          <a:ea typeface="+mn-ea"/>
-                          <a:cs typeface="+mn-cs"/>
+                          <a:ea typeface="Calibri"/>
+                          <a:cs typeface="Calibri"/>
+                          <a:sym typeface="Calibri"/>
                         </a:rPr>
                         <a:t>µs </a:t>
                       </a:r>
                       <a:r>
-                        <a:rPr lang="en-US" sz="1100" baseline="0" dirty="0" smtClean="0"/>
-                        <a:t>(integer) and target servo. Communicated via USART</a:t>
+                        <a:rPr lang="en" sz="1100" u="none" strike="noStrike" cap="none" baseline="0" dirty="0" smtClean="0"/>
+                        <a:t>(integer) and target servo to move. Communicated via USART. </a:t>
                       </a:r>
-                      <a:endParaRPr lang="en-US" sz="1100" baseline="0" dirty="0" smtClean="0"/>
+                      <a:r>
+                        <a:rPr lang="en" sz="1100" dirty="0" smtClean="0"/>
+                        <a:t>Incoming communications can have varying baud rates but the ideal baud rate is 9600. Transmissions must follow the pololu protocol format and be transmitted one byte at a time (0xAA baud rate detection byte, 0x0C device ID of servo controller, 0x04 command byte to set servo positions, &lt;channel number&gt; channel of the servo that you want to set the position of, &lt;servo position LSB&gt; least significant byte of PWM value, &lt;servo position MSB&gt; most significant byte of PWM value)</a:t>
+                      </a:r>
                     </a:p>
                   </a:txBody>
                   <a:tcPr/>
                 </a:tc>
               </a:tr>
-              <a:tr h="462151">
+              <a:tr h="409225">
                 <a:tc>
                   <a:txBody>
                     <a:bodyPr/>
@@ -3787,7 +3815,7 @@
                     <a:bodyPr/>
                     <a:lstStyle/>
                     <a:p>
-                      <a:pPr marL="171450" marR="0" indent="-171450" algn="l" defTabSz="914400" rtl="0" eaLnBrk="1" fontAlgn="auto" latinLnBrk="0" hangingPunct="1">
+                      <a:pPr marL="0" marR="0" lvl="0" indent="0" algn="l" rtl="0">
                         <a:lnSpc>
                           <a:spcPct val="100000"/>
                         </a:lnSpc>
@@ -3797,23 +3825,28 @@
                         <a:spcAft>
                           <a:spcPts val="0"/>
                         </a:spcAft>
-                        <a:buClrTx/>
-                        <a:buSzTx/>
-                        <a:buFontTx/>
-                        <a:buChar char="-"/>
-                        <a:tabLst/>
-                        <a:defRPr/>
+                        <a:buClr>
+                          <a:schemeClr val="dk1"/>
+                        </a:buClr>
+                        <a:buSzPct val="100000"/>
+                        <a:buFont typeface="Calibri"/>
+                        <a:buNone/>
                       </a:pPr>
                       <a:r>
-                        <a:rPr lang="en-US" sz="1100" baseline="0" dirty="0" smtClean="0"/>
-                        <a:t>Servo positions: Pulse width modulation signal to corresponding servo</a:t>
+                        <a:rPr lang="en" sz="1100" u="none" strike="noStrike" cap="none" baseline="0" dirty="0" smtClean="0"/>
+                        <a:t>- Servo positions: Pulse width modulation signal to corresponding servo.</a:t>
                       </a:r>
+                      <a:r>
+                        <a:rPr lang="en" sz="1100" dirty="0" smtClean="0"/>
+                        <a:t> Generates a pulse of a certain frequency to send to the servo what position it should hold. Done automatically, just need to receive input on what position to set the servo to.</a:t>
+                      </a:r>
+                      <a:endParaRPr lang="en" sz="1100" dirty="0"/>
                     </a:p>
                   </a:txBody>
                   <a:tcPr/>
                 </a:tc>
               </a:tr>
-              <a:tr h="462151">
+              <a:tr h="409225">
                 <a:tc>
                   <a:txBody>
                     <a:bodyPr/>
@@ -3835,11 +3868,31 @@
                     <a:p>
                       <a:r>
                         <a:rPr lang="en-US" sz="1100" dirty="0" smtClean="0"/>
-                        <a:t>-   C</a:t>
+                        <a:t>-</a:t>
                       </a:r>
                       <a:r>
                         <a:rPr lang="en-US" sz="1100" baseline="0" dirty="0" smtClean="0"/>
-                        <a:t>reating pulse width modulated signals to control up to 12 servos.</a:t>
+                        <a:t> </a:t>
+                      </a:r>
+                      <a:r>
+                        <a:rPr lang="en-US" sz="1100" dirty="0" smtClean="0"/>
+                        <a:t>C</a:t>
+                      </a:r>
+                      <a:r>
+                        <a:rPr lang="en-US" sz="1100" baseline="0" dirty="0" smtClean="0"/>
+                        <a:t>reating </a:t>
+                      </a:r>
+                      <a:r>
+                        <a:rPr lang="en-US" sz="1100" baseline="0" dirty="0" smtClean="0"/>
+                        <a:t>pulse width modulated signals to control up to </a:t>
+                      </a:r>
+                      <a:r>
+                        <a:rPr lang="en-US" sz="1100" baseline="0" dirty="0" smtClean="0"/>
+                        <a:t>6 </a:t>
+                      </a:r>
+                      <a:r>
+                        <a:rPr lang="en-US" sz="1100" baseline="0" dirty="0" smtClean="0"/>
+                        <a:t>servos.</a:t>
                       </a:r>
                       <a:endParaRPr lang="en-US" sz="1100" dirty="0"/>
                     </a:p>
@@ -3859,7 +3912,7 @@
         </p:nvCxnSpPr>
         <p:spPr>
           <a:xfrm>
-            <a:off x="7680131" y="2479069"/>
+            <a:off x="7732383" y="2156852"/>
             <a:ext cx="1304925" cy="0"/>
           </a:xfrm>
           <a:prstGeom prst="straightConnector1">
@@ -3893,7 +3946,7 @@
         </p:nvSpPr>
         <p:spPr>
           <a:xfrm>
-            <a:off x="8985056" y="2278366"/>
+            <a:off x="9037308" y="1956149"/>
             <a:ext cx="1295547" cy="369332"/>
           </a:xfrm>
           <a:prstGeom prst="rect">
@@ -3922,7 +3975,7 @@
         </p:nvCxnSpPr>
         <p:spPr>
           <a:xfrm>
-            <a:off x="2565206" y="2479069"/>
+            <a:off x="2594039" y="1528202"/>
             <a:ext cx="1304925" cy="0"/>
           </a:xfrm>
           <a:prstGeom prst="straightConnector1">
@@ -3956,7 +4009,7 @@
         </p:nvSpPr>
         <p:spPr>
           <a:xfrm>
-            <a:off x="1672767" y="2155903"/>
+            <a:off x="1663272" y="1229439"/>
             <a:ext cx="869020" cy="646331"/>
           </a:xfrm>
           <a:prstGeom prst="rect">
@@ -3992,7 +4045,7 @@
         </p:nvCxnSpPr>
         <p:spPr>
           <a:xfrm>
-            <a:off x="2565206" y="2974369"/>
+            <a:off x="2617458" y="2181038"/>
             <a:ext cx="1304925" cy="0"/>
           </a:xfrm>
           <a:prstGeom prst="straightConnector1">
@@ -4026,7 +4079,7 @@
         </p:nvSpPr>
         <p:spPr>
           <a:xfrm>
-            <a:off x="865495" y="2789703"/>
+            <a:off x="979494" y="2013386"/>
             <a:ext cx="1614545" cy="369332"/>
           </a:xfrm>
           <a:prstGeom prst="rect">
@@ -4108,13 +4161,8 @@
           <a:p>
             <a:r>
               <a:rPr lang="en-US" sz="3200" dirty="0" smtClean="0"/>
-              <a:t>LED Strip</a:t>
-            </a:r>
-            <a:r>
-              <a:rPr lang="en-US" sz="3200" dirty="0" smtClean="0"/>
-              <a:t>: Level 0</a:t>
-            </a:r>
-            <a:endParaRPr lang="en-US" sz="3200" dirty="0" smtClean="0"/>
+              <a:t>LED Strip: Level 0</a:t>
+            </a:r>
           </a:p>
         </p:txBody>
       </p:sp>
@@ -4247,7 +4295,7 @@
                     <a:bodyPr/>
                     <a:lstStyle/>
                     <a:p>
-                      <a:pPr marL="171450" marR="0" indent="-171450" algn="l" defTabSz="914400" rtl="0" eaLnBrk="1" fontAlgn="auto" latinLnBrk="0" hangingPunct="1">
+                      <a:pPr marL="127000" marR="0" lvl="0" indent="-127000" algn="l" rtl="0">
                         <a:lnSpc>
                           <a:spcPct val="100000"/>
                         </a:lnSpc>
@@ -4257,20 +4305,20 @@
                         <a:spcAft>
                           <a:spcPts val="0"/>
                         </a:spcAft>
-                        <a:buClrTx/>
-                        <a:buSzTx/>
-                        <a:buFontTx/>
+                        <a:buClr>
+                          <a:schemeClr val="dk1"/>
+                        </a:buClr>
+                        <a:buSzPct val="100000"/>
+                        <a:buFont typeface="Calibri"/>
                         <a:buChar char="-"/>
-                        <a:tabLst/>
-                        <a:defRPr/>
                       </a:pPr>
                       <a:r>
-                        <a:rPr lang="en-US" sz="1100" baseline="0" dirty="0" smtClean="0"/>
+                        <a:rPr lang="en" sz="1100" u="none" strike="noStrike" cap="none" baseline="0" dirty="0" smtClean="0"/>
                         <a:t>Power: Regulated 5 VDC</a:t>
                       </a:r>
                     </a:p>
                     <a:p>
-                      <a:pPr marL="171450" marR="0" indent="-171450" algn="l" defTabSz="914400" rtl="0" eaLnBrk="1" fontAlgn="auto" latinLnBrk="0" hangingPunct="1">
+                      <a:pPr marL="127000" marR="0" lvl="0" indent="-127000" algn="l" rtl="0">
                         <a:lnSpc>
                           <a:spcPct val="100000"/>
                         </a:lnSpc>
@@ -4280,18 +4328,18 @@
                         <a:spcAft>
                           <a:spcPts val="0"/>
                         </a:spcAft>
-                        <a:buClrTx/>
-                        <a:buSzTx/>
-                        <a:buFontTx/>
+                        <a:buClr>
+                          <a:schemeClr val="dk1"/>
+                        </a:buClr>
+                        <a:buSzPct val="100000"/>
+                        <a:buFont typeface="Calibri"/>
                         <a:buChar char="-"/>
-                        <a:tabLst/>
-                        <a:defRPr/>
                       </a:pPr>
                       <a:r>
-                        <a:rPr lang="en-US" sz="1100" baseline="0" dirty="0" smtClean="0"/>
-                        <a:t>LED Strip control: which LEDs to light up. Communicated via SPI</a:t>
+                        <a:rPr lang="en" sz="1100" u="none" strike="noStrike" cap="none" baseline="0" dirty="0" smtClean="0"/>
+                        <a:t>LED Strip control: which LEDs to light up. Communicated via SPI. Send 24 bit color pattern, shifted through the strip.</a:t>
                       </a:r>
-                      <a:endParaRPr lang="en-US" sz="1100" baseline="0" dirty="0" smtClean="0"/>
+                      <a:endParaRPr lang="en" sz="1100" u="none" strike="noStrike" cap="none" baseline="0" dirty="0"/>
                     </a:p>
                   </a:txBody>
                   <a:tcPr/>
@@ -4317,7 +4365,7 @@
                     <a:bodyPr/>
                     <a:lstStyle/>
                     <a:p>
-                      <a:pPr marL="171450" marR="0" indent="-171450" algn="l" defTabSz="914400" rtl="0" eaLnBrk="1" fontAlgn="auto" latinLnBrk="0" hangingPunct="1">
+                      <a:pPr marL="127000" marR="0" lvl="0" indent="-127000" algn="l" rtl="0">
                         <a:lnSpc>
                           <a:spcPct val="100000"/>
                         </a:lnSpc>
@@ -4327,17 +4375,41 @@
                         <a:spcAft>
                           <a:spcPts val="0"/>
                         </a:spcAft>
-                        <a:buClrTx/>
-                        <a:buSzTx/>
-                        <a:buFontTx/>
+                        <a:buClr>
+                          <a:schemeClr val="dk1"/>
+                        </a:buClr>
+                        <a:buSzPct val="100000"/>
+                        <a:buFont typeface="Calibri"/>
                         <a:buChar char="-"/>
-                        <a:tabLst/>
-                        <a:defRPr/>
                       </a:pPr>
                       <a:r>
-                        <a:rPr lang="en-US" sz="1100" baseline="0" dirty="0" smtClean="0"/>
-                        <a:t>LED Angle Display: 15 LEDs lit up in different configurations</a:t>
+                        <a:rPr lang="en" sz="1100" u="none" strike="noStrike" cap="none" baseline="0" dirty="0" smtClean="0"/>
+                        <a:t>Power: Regulated 5 VDC</a:t>
                       </a:r>
+                    </a:p>
+                    <a:p>
+                      <a:pPr marL="127000" marR="0" lvl="0" indent="-127000" algn="l" rtl="0">
+                        <a:lnSpc>
+                          <a:spcPct val="100000"/>
+                        </a:lnSpc>
+                        <a:spcBef>
+                          <a:spcPts val="0"/>
+                        </a:spcBef>
+                        <a:spcAft>
+                          <a:spcPts val="0"/>
+                        </a:spcAft>
+                        <a:buClr>
+                          <a:schemeClr val="dk1"/>
+                        </a:buClr>
+                        <a:buSzPct val="100000"/>
+                        <a:buFont typeface="Calibri"/>
+                        <a:buChar char="-"/>
+                      </a:pPr>
+                      <a:r>
+                        <a:rPr lang="en" sz="1100" u="none" strike="noStrike" cap="none" baseline="0" dirty="0" smtClean="0"/>
+                        <a:t>LED Strip control: which LEDs to light up. Communicated via SPI. Send 24 bit color pattern, shifted through the strip.</a:t>
+                      </a:r>
+                      <a:endParaRPr lang="en" sz="1100" u="none" strike="noStrike" cap="none" baseline="0" dirty="0"/>
                     </a:p>
                   </a:txBody>
                   <a:tcPr/>
@@ -4638,13 +4710,8 @@
           <a:p>
             <a:r>
               <a:rPr lang="en-US" sz="3200" dirty="0" smtClean="0"/>
-              <a:t>Servos</a:t>
-            </a:r>
-            <a:r>
-              <a:rPr lang="en-US" sz="3200" dirty="0" smtClean="0"/>
-              <a:t>: Level 0</a:t>
-            </a:r>
-            <a:endParaRPr lang="en-US" sz="3200" dirty="0" smtClean="0"/>
+              <a:t>Servos: Level 0</a:t>
+            </a:r>
           </a:p>
         </p:txBody>
       </p:sp>
@@ -4708,14 +4775,14 @@
           <p:nvPr>
             <p:extLst>
               <p:ext uri="{D42A27DB-BD31-4B8C-83A1-F6EECF244321}">
-                <p14:modId xmlns:p14="http://schemas.microsoft.com/office/powerpoint/2010/main" val="3623071290"/>
+                <p14:modId xmlns:p14="http://schemas.microsoft.com/office/powerpoint/2010/main" val="3086330266"/>
               </p:ext>
             </p:extLst>
           </p:nvPr>
         </p:nvGraphicFramePr>
         <p:xfrm>
           <a:off x="1160889" y="4552195"/>
-          <a:ext cx="9668787" cy="1848604"/>
+          <a:ext cx="9668787" cy="1980813"/>
         </p:xfrm>
         <a:graphic>
           <a:graphicData uri="http://schemas.openxmlformats.org/drawingml/2006/table">
@@ -4777,7 +4844,7 @@
                     <a:bodyPr/>
                     <a:lstStyle/>
                     <a:p>
-                      <a:pPr marL="171450" marR="0" indent="-171450" algn="l" defTabSz="914400" rtl="0" eaLnBrk="1" fontAlgn="auto" latinLnBrk="0" hangingPunct="1">
+                      <a:pPr marL="127000" marR="0" lvl="0" indent="-127000" algn="l" rtl="0">
                         <a:lnSpc>
                           <a:spcPct val="100000"/>
                         </a:lnSpc>
@@ -4787,20 +4854,20 @@
                         <a:spcAft>
                           <a:spcPts val="0"/>
                         </a:spcAft>
-                        <a:buClrTx/>
-                        <a:buSzTx/>
-                        <a:buFontTx/>
+                        <a:buClr>
+                          <a:schemeClr val="dk1"/>
+                        </a:buClr>
+                        <a:buSzPct val="100000"/>
+                        <a:buFont typeface="Calibri"/>
                         <a:buChar char="-"/>
-                        <a:tabLst/>
-                        <a:defRPr/>
                       </a:pPr>
                       <a:r>
-                        <a:rPr lang="en-US" sz="1100" baseline="0" dirty="0" smtClean="0"/>
-                        <a:t>Power: 6 VDC</a:t>
+                        <a:rPr lang="en" sz="1100" u="none" strike="noStrike" cap="none" baseline="0" dirty="0" smtClean="0"/>
+                        <a:t>- Power: 6 VDC</a:t>
                       </a:r>
                     </a:p>
                     <a:p>
-                      <a:pPr marL="171450" marR="0" indent="-171450" algn="l" defTabSz="914400" rtl="0" eaLnBrk="1" fontAlgn="auto" latinLnBrk="0" hangingPunct="1">
+                      <a:pPr marL="127000" marR="0" lvl="0" indent="-127000" algn="l" rtl="0">
                         <a:lnSpc>
                           <a:spcPct val="100000"/>
                         </a:lnSpc>
@@ -4810,18 +4877,22 @@
                         <a:spcAft>
                           <a:spcPts val="0"/>
                         </a:spcAft>
-                        <a:buClrTx/>
-                        <a:buSzTx/>
-                        <a:buFontTx/>
+                        <a:buClr>
+                          <a:schemeClr val="dk1"/>
+                        </a:buClr>
+                        <a:buSzPct val="100000"/>
+                        <a:buFont typeface="Calibri"/>
                         <a:buChar char="-"/>
-                        <a:tabLst/>
-                        <a:defRPr/>
                       </a:pPr>
                       <a:r>
-                        <a:rPr lang="en-US" sz="1100" baseline="0" dirty="0" smtClean="0"/>
-                        <a:t>PWM signal: pulse width modulation signal to specify what point to position the arm</a:t>
+                        <a:rPr lang="en" sz="1100" u="none" strike="noStrike" cap="none" baseline="0" dirty="0" smtClean="0"/>
+                        <a:t>- Servo positions: Pulse width modulation signal to corresponding servo.</a:t>
                       </a:r>
-                      <a:endParaRPr lang="en-US" sz="1100" baseline="0" dirty="0" smtClean="0"/>
+                      <a:r>
+                        <a:rPr lang="en" sz="1100" dirty="0" smtClean="0"/>
+                        <a:t> Generates a pulse of a certain frequency to send to the servo what position it should hold. Done automatically, just need to receive input on what position to set the servo to.</a:t>
+                      </a:r>
+                      <a:endParaRPr lang="en" sz="1100" dirty="0"/>
                     </a:p>
                   </a:txBody>
                   <a:tcPr/>
@@ -4868,6 +4939,7 @@
                         <a:rPr lang="en-US" sz="1100" baseline="0" dirty="0" smtClean="0"/>
                         <a:t>Leveled table: Adjust servo positions to level the top tray</a:t>
                       </a:r>
+                      <a:endParaRPr lang="en-US" sz="1100" baseline="0" dirty="0" smtClean="0"/>
                     </a:p>
                   </a:txBody>
                   <a:tcPr/>
@@ -4899,7 +4971,11 @@
                       </a:r>
                       <a:r>
                         <a:rPr lang="en-US" sz="1100" baseline="0" dirty="0" smtClean="0"/>
-                        <a:t> servo position is determined by the main program so that they keep the tray balanced. Range of 45</a:t>
+                        <a:t> servo position is determined by the main program so that they keep the tray balanced. Range of </a:t>
+                      </a:r>
+                      <a:r>
+                        <a:rPr lang="en-US" sz="1100" baseline="0" dirty="0" smtClean="0"/>
+                        <a:t>140</a:t>
                       </a:r>
                       <a:r>
                         <a:rPr lang="en-US" sz="1100" b="0" i="0" kern="1200" dirty="0" smtClean="0">
@@ -5547,7 +5623,7 @@
         </p:nvSpPr>
         <p:spPr>
           <a:xfrm>
-            <a:off x="9645598" y="1963966"/>
+            <a:off x="838200" y="3090893"/>
             <a:ext cx="1256306" cy="604299"/>
           </a:xfrm>
           <a:prstGeom prst="flowChartTerminator">
@@ -5607,7 +5683,7 @@
         </p:nvSpPr>
         <p:spPr>
           <a:xfrm>
-            <a:off x="838200" y="3267984"/>
+            <a:off x="2303891" y="3086554"/>
             <a:ext cx="1256306" cy="604299"/>
           </a:xfrm>
           <a:prstGeom prst="flowChartTerminator">
@@ -5667,7 +5743,7 @@
         </p:nvSpPr>
         <p:spPr>
           <a:xfrm>
-            <a:off x="2303891" y="3267983"/>
+            <a:off x="3769582" y="3086553"/>
             <a:ext cx="1256306" cy="604299"/>
           </a:xfrm>
           <a:prstGeom prst="flowChartTerminator">
@@ -5709,7 +5785,7 @@
                   <a:schemeClr val="tx1"/>
                 </a:solidFill>
               </a:rPr>
-              <a:t>Servo movement delay</a:t>
+              <a:t>Delay</a:t>
             </a:r>
             <a:endParaRPr lang="en-US" sz="1100" dirty="0">
               <a:solidFill>
@@ -5946,7 +6022,7 @@
         </p:nvCxnSpPr>
         <p:spPr>
           <a:xfrm flipV="1">
-            <a:off x="2094506" y="3562162"/>
+            <a:off x="3560197" y="3380732"/>
             <a:ext cx="209385" cy="1"/>
           </a:xfrm>
           <a:prstGeom prst="straightConnector1">
@@ -5982,7 +6058,7 @@
         </p:nvSpPr>
         <p:spPr>
           <a:xfrm>
-            <a:off x="3776208" y="3283898"/>
+            <a:off x="5241899" y="3102468"/>
             <a:ext cx="1256306" cy="604299"/>
           </a:xfrm>
           <a:prstGeom prst="flowChartTerminator">
@@ -6042,7 +6118,7 @@
         </p:nvCxnSpPr>
         <p:spPr>
           <a:xfrm flipV="1">
-            <a:off x="3566823" y="3586047"/>
+            <a:off x="5032514" y="3404617"/>
             <a:ext cx="209385" cy="1"/>
           </a:xfrm>
           <a:prstGeom prst="straightConnector1">
@@ -6077,9 +6153,9 @@
           <p:nvPr/>
         </p:nvCxnSpPr>
         <p:spPr>
-          <a:xfrm flipH="1">
-            <a:off x="10273751" y="2568265"/>
-            <a:ext cx="666" cy="2083248"/>
+          <a:xfrm>
+            <a:off x="11155383" y="2282013"/>
+            <a:ext cx="0" cy="2369500"/>
           </a:xfrm>
           <a:prstGeom prst="line">
             <a:avLst/>
@@ -6113,8 +6189,8 @@
         </p:nvCxnSpPr>
         <p:spPr>
           <a:xfrm flipH="1">
-            <a:off x="437322" y="4651513"/>
-            <a:ext cx="9836429" cy="0"/>
+            <a:off x="437323" y="4651513"/>
+            <a:ext cx="10718060" cy="0"/>
           </a:xfrm>
           <a:prstGeom prst="line">
             <a:avLst/>
@@ -6148,8 +6224,8 @@
         </p:nvCxnSpPr>
         <p:spPr>
           <a:xfrm flipV="1">
-            <a:off x="437322" y="3586047"/>
-            <a:ext cx="0" cy="1065466"/>
+            <a:off x="437323" y="3393042"/>
+            <a:ext cx="0" cy="1258471"/>
           </a:xfrm>
           <a:prstGeom prst="line">
             <a:avLst/>
@@ -6183,7 +6259,7 @@
         </p:nvCxnSpPr>
         <p:spPr>
           <a:xfrm>
-            <a:off x="437322" y="3593995"/>
+            <a:off x="437323" y="3393042"/>
             <a:ext cx="400878" cy="0"/>
           </a:xfrm>
           <a:prstGeom prst="straightConnector1">
@@ -6214,13 +6290,15 @@
       <p:cxnSp>
         <p:nvCxnSpPr>
           <p:cNvPr id="63" name="Straight Arrow Connector 62"/>
-          <p:cNvCxnSpPr/>
+          <p:cNvCxnSpPr>
+            <a:stCxn id="41" idx="0"/>
+          </p:cNvCxnSpPr>
           <p:nvPr/>
         </p:nvCxnSpPr>
         <p:spPr>
           <a:xfrm flipV="1">
-            <a:off x="5876678" y="2568265"/>
-            <a:ext cx="0" cy="993897"/>
+            <a:off x="5870052" y="2568266"/>
+            <a:ext cx="6626" cy="534202"/>
           </a:xfrm>
           <a:prstGeom prst="straightConnector1">
             <a:avLst/>
@@ -6255,8 +6333,8 @@
         </p:nvCxnSpPr>
         <p:spPr>
           <a:xfrm flipH="1">
-            <a:off x="5039140" y="3562162"/>
-            <a:ext cx="837538" cy="0"/>
+            <a:off x="4404361" y="4008493"/>
+            <a:ext cx="5996129" cy="0"/>
           </a:xfrm>
           <a:prstGeom prst="line">
             <a:avLst/>
@@ -6309,6 +6387,246 @@
               <a:t>*Note: Update status LEDs after every communication and calculation and in the event of an error.</a:t>
             </a:r>
             <a:endParaRPr lang="en-US" dirty="0"/>
+          </a:p>
+        </p:txBody>
+      </p:sp>
+      <p:sp>
+        <p:nvSpPr>
+          <p:cNvPr id="70" name="Diamond 69"/>
+          <p:cNvSpPr/>
+          <p:nvPr/>
+        </p:nvSpPr>
+        <p:spPr>
+          <a:xfrm>
+            <a:off x="9645598" y="1825984"/>
+            <a:ext cx="1509785" cy="896150"/>
+          </a:xfrm>
+          <a:prstGeom prst="diamond">
+            <a:avLst/>
+          </a:prstGeom>
+          <a:noFill/>
+          <a:ln>
+            <a:solidFill>
+              <a:schemeClr val="tx1"/>
+            </a:solidFill>
+          </a:ln>
+        </p:spPr>
+        <p:style>
+          <a:lnRef idx="2">
+            <a:schemeClr val="accent1">
+              <a:shade val="50000"/>
+            </a:schemeClr>
+          </a:lnRef>
+          <a:fillRef idx="1">
+            <a:schemeClr val="accent1"/>
+          </a:fillRef>
+          <a:effectRef idx="0">
+            <a:schemeClr val="accent1"/>
+          </a:effectRef>
+          <a:fontRef idx="minor">
+            <a:schemeClr val="lt1"/>
+          </a:fontRef>
+        </p:style>
+        <p:txBody>
+          <a:bodyPr rot="0" spcFirstLastPara="0" vertOverflow="overflow" horzOverflow="overflow" vert="horz" wrap="square" lIns="68580" tIns="34290" rIns="68580" bIns="34290" numCol="1" spcCol="0" rtlCol="0" fromWordArt="0" anchor="ctr" anchorCtr="0" forceAA="0" compatLnSpc="1">
+            <a:prstTxWarp prst="textNoShape">
+              <a:avLst/>
+            </a:prstTxWarp>
+            <a:noAutofit/>
+          </a:bodyPr>
+          <a:lstStyle/>
+          <a:p>
+            <a:pPr algn="ctr" defTabSz="914240"/>
+            <a:r>
+              <a:rPr lang="en-US" sz="825" kern="1200" dirty="0">
+                <a:solidFill>
+                  <a:prstClr val="black"/>
+                </a:solidFill>
+              </a:rPr>
+              <a:t>If servo positions different by 4 degrees or more </a:t>
+            </a:r>
+          </a:p>
+        </p:txBody>
+      </p:sp>
+      <p:cxnSp>
+        <p:nvCxnSpPr>
+          <p:cNvPr id="71" name="Straight Arrow Connector 70"/>
+          <p:cNvCxnSpPr/>
+          <p:nvPr/>
+        </p:nvCxnSpPr>
+        <p:spPr>
+          <a:xfrm flipV="1">
+            <a:off x="2107759" y="3380731"/>
+            <a:ext cx="209385" cy="1"/>
+          </a:xfrm>
+          <a:prstGeom prst="straightConnector1">
+            <a:avLst/>
+          </a:prstGeom>
+          <a:ln>
+            <a:solidFill>
+              <a:schemeClr val="tx1"/>
+            </a:solidFill>
+            <a:tailEnd type="triangle"/>
+          </a:ln>
+        </p:spPr>
+        <p:style>
+          <a:lnRef idx="1">
+            <a:schemeClr val="accent1"/>
+          </a:lnRef>
+          <a:fillRef idx="0">
+            <a:schemeClr val="accent1"/>
+          </a:fillRef>
+          <a:effectRef idx="0">
+            <a:schemeClr val="accent1"/>
+          </a:effectRef>
+          <a:fontRef idx="minor">
+            <a:schemeClr val="tx1"/>
+          </a:fontRef>
+        </p:style>
+      </p:cxnSp>
+      <p:cxnSp>
+        <p:nvCxnSpPr>
+          <p:cNvPr id="10" name="Straight Connector 9"/>
+          <p:cNvCxnSpPr>
+            <a:stCxn id="70" idx="2"/>
+          </p:cNvCxnSpPr>
+          <p:nvPr/>
+        </p:nvCxnSpPr>
+        <p:spPr>
+          <a:xfrm flipH="1">
+            <a:off x="10400490" y="2722134"/>
+            <a:ext cx="1" cy="1300143"/>
+          </a:xfrm>
+          <a:prstGeom prst="line">
+            <a:avLst/>
+          </a:prstGeom>
+          <a:ln>
+            <a:solidFill>
+              <a:schemeClr val="tx1"/>
+            </a:solidFill>
+          </a:ln>
+        </p:spPr>
+        <p:style>
+          <a:lnRef idx="1">
+            <a:schemeClr val="accent1"/>
+          </a:lnRef>
+          <a:fillRef idx="0">
+            <a:schemeClr val="accent1"/>
+          </a:fillRef>
+          <a:effectRef idx="0">
+            <a:schemeClr val="accent1"/>
+          </a:effectRef>
+          <a:fontRef idx="minor">
+            <a:schemeClr val="tx1"/>
+          </a:fontRef>
+        </p:style>
+      </p:cxnSp>
+      <p:cxnSp>
+        <p:nvCxnSpPr>
+          <p:cNvPr id="73" name="Straight Arrow Connector 72"/>
+          <p:cNvCxnSpPr/>
+          <p:nvPr/>
+        </p:nvCxnSpPr>
+        <p:spPr>
+          <a:xfrm flipV="1">
+            <a:off x="4397735" y="3690853"/>
+            <a:ext cx="0" cy="317640"/>
+          </a:xfrm>
+          <a:prstGeom prst="straightConnector1">
+            <a:avLst/>
+          </a:prstGeom>
+          <a:ln>
+            <a:solidFill>
+              <a:schemeClr val="tx1"/>
+            </a:solidFill>
+            <a:tailEnd type="triangle"/>
+          </a:ln>
+        </p:spPr>
+        <p:style>
+          <a:lnRef idx="1">
+            <a:schemeClr val="accent1"/>
+          </a:lnRef>
+          <a:fillRef idx="0">
+            <a:schemeClr val="accent1"/>
+          </a:fillRef>
+          <a:effectRef idx="0">
+            <a:schemeClr val="accent1"/>
+          </a:effectRef>
+          <a:fontRef idx="minor">
+            <a:schemeClr val="tx1"/>
+          </a:fontRef>
+        </p:style>
+      </p:cxnSp>
+      <p:sp>
+        <p:nvSpPr>
+          <p:cNvPr id="75" name="TextBox 74"/>
+          <p:cNvSpPr txBox="1"/>
+          <p:nvPr/>
+        </p:nvSpPr>
+        <p:spPr>
+          <a:xfrm>
+            <a:off x="11155383" y="2414206"/>
+            <a:ext cx="342900" cy="219291"/>
+          </a:xfrm>
+          <a:prstGeom prst="rect">
+            <a:avLst/>
+          </a:prstGeom>
+          <a:noFill/>
+        </p:spPr>
+        <p:txBody>
+          <a:bodyPr wrap="square" rtlCol="0">
+            <a:spAutoFit/>
+          </a:bodyPr>
+          <a:lstStyle/>
+          <a:p>
+            <a:pPr defTabSz="914240"/>
+            <a:r>
+              <a:rPr lang="en-US" sz="825" kern="1200" dirty="0">
+                <a:latin typeface="Calibri"/>
+                <a:ea typeface="+mn-ea"/>
+                <a:cs typeface="+mn-cs"/>
+              </a:rPr>
+              <a:t>Yes</a:t>
+            </a:r>
+          </a:p>
+        </p:txBody>
+      </p:sp>
+      <p:sp>
+        <p:nvSpPr>
+          <p:cNvPr id="77" name="TextBox 76"/>
+          <p:cNvSpPr txBox="1"/>
+          <p:nvPr/>
+        </p:nvSpPr>
+        <p:spPr>
+          <a:xfrm>
+            <a:off x="10057590" y="2804569"/>
+            <a:ext cx="342900" cy="219291"/>
+          </a:xfrm>
+          <a:prstGeom prst="rect">
+            <a:avLst/>
+          </a:prstGeom>
+          <a:noFill/>
+        </p:spPr>
+        <p:txBody>
+          <a:bodyPr wrap="square" rtlCol="0">
+            <a:spAutoFit/>
+          </a:bodyPr>
+          <a:lstStyle/>
+          <a:p>
+            <a:pPr defTabSz="914240"/>
+            <a:r>
+              <a:rPr lang="en-US" sz="825" kern="1200" dirty="0" smtClean="0">
+                <a:latin typeface="Calibri"/>
+                <a:ea typeface="+mn-ea"/>
+                <a:cs typeface="+mn-cs"/>
+              </a:rPr>
+              <a:t>No</a:t>
+            </a:r>
+            <a:endParaRPr lang="en-US" sz="825" kern="1200" dirty="0">
+              <a:latin typeface="Calibri"/>
+              <a:ea typeface="+mn-ea"/>
+              <a:cs typeface="+mn-cs"/>
+            </a:endParaRPr>
           </a:p>
         </p:txBody>
       </p:sp>
@@ -6952,75 +7270,6 @@
       </p:cxnSp>
       <p:cxnSp>
         <p:nvCxnSpPr>
-          <p:cNvPr id="10" name="Straight Arrow Connector 9"/>
-          <p:cNvCxnSpPr/>
-          <p:nvPr/>
-        </p:nvCxnSpPr>
-        <p:spPr>
-          <a:xfrm flipH="1">
-            <a:off x="3235863" y="2780200"/>
-            <a:ext cx="1951051" cy="0"/>
-          </a:xfrm>
-          <a:prstGeom prst="straightConnector1">
-            <a:avLst/>
-          </a:prstGeom>
-          <a:ln>
-            <a:solidFill>
-              <a:schemeClr val="tx1"/>
-            </a:solidFill>
-            <a:tailEnd type="triangle"/>
-          </a:ln>
-        </p:spPr>
-        <p:style>
-          <a:lnRef idx="1">
-            <a:schemeClr val="accent1"/>
-          </a:lnRef>
-          <a:fillRef idx="0">
-            <a:schemeClr val="accent1"/>
-          </a:fillRef>
-          <a:effectRef idx="0">
-            <a:schemeClr val="accent1"/>
-          </a:effectRef>
-          <a:fontRef idx="minor">
-            <a:schemeClr val="tx1"/>
-          </a:fontRef>
-        </p:style>
-      </p:cxnSp>
-      <p:sp>
-        <p:nvSpPr>
-          <p:cNvPr id="11" name="TextBox 10"/>
-          <p:cNvSpPr txBox="1"/>
-          <p:nvPr/>
-        </p:nvSpPr>
-        <p:spPr>
-          <a:xfrm>
-            <a:off x="3657653" y="2537294"/>
-            <a:ext cx="1130438" cy="261610"/>
-          </a:xfrm>
-          <a:prstGeom prst="rect">
-            <a:avLst/>
-          </a:prstGeom>
-          <a:noFill/>
-          <a:ln>
-            <a:noFill/>
-          </a:ln>
-        </p:spPr>
-        <p:txBody>
-          <a:bodyPr wrap="none" rtlCol="0">
-            <a:spAutoFit/>
-          </a:bodyPr>
-          <a:lstStyle/>
-          <a:p>
-            <a:r>
-              <a:rPr lang="en-US" sz="1100" dirty="0" smtClean="0"/>
-              <a:t>2. Update Status</a:t>
-            </a:r>
-            <a:endParaRPr lang="en-US" sz="1100" dirty="0"/>
-          </a:p>
-        </p:txBody>
-      </p:sp>
-      <p:cxnSp>
-        <p:nvCxnSpPr>
           <p:cNvPr id="47" name="Straight Arrow Connector 46"/>
           <p:cNvCxnSpPr/>
           <p:nvPr/>
@@ -7135,15 +7384,13 @@
         </p:nvSpPr>
         <p:spPr>
           <a:xfrm>
-            <a:off x="6140774" y="2430881"/>
-            <a:ext cx="1910963" cy="261610"/>
+            <a:off x="6306286" y="2477047"/>
+            <a:ext cx="1910963" cy="430887"/>
           </a:xfrm>
           <a:prstGeom prst="rect">
             <a:avLst/>
           </a:prstGeom>
-          <a:solidFill>
-            <a:schemeClr val="bg1"/>
-          </a:solidFill>
+          <a:noFill/>
           <a:ln>
             <a:noFill/>
           </a:ln>
@@ -7156,7 +7403,15 @@
           <a:p>
             <a:r>
               <a:rPr lang="en-US" sz="1100" dirty="0" smtClean="0"/>
-              <a:t>1. Set servos to home position</a:t>
+              <a:t>1. Set </a:t>
+            </a:r>
+            <a:r>
+              <a:rPr lang="en-US" sz="1100" dirty="0" smtClean="0"/>
+              <a:t>servo speed and move them to </a:t>
+            </a:r>
+            <a:r>
+              <a:rPr lang="en-US" sz="1100" dirty="0" smtClean="0"/>
+              <a:t>home position</a:t>
             </a:r>
             <a:endParaRPr lang="en-US" sz="1100" dirty="0"/>
           </a:p>
@@ -7268,14 +7523,47 @@
       </p:sp>
       <p:sp>
         <p:nvSpPr>
-          <p:cNvPr id="61" name="Rectangle 60"/>
+          <p:cNvPr id="51" name="TextBox 50"/>
+          <p:cNvSpPr txBox="1"/>
+          <p:nvPr/>
+        </p:nvSpPr>
+        <p:spPr>
+          <a:xfrm>
+            <a:off x="1394529" y="2888699"/>
+            <a:ext cx="1680268" cy="261610"/>
+          </a:xfrm>
+          <a:prstGeom prst="rect">
+            <a:avLst/>
+          </a:prstGeom>
+          <a:noFill/>
+          <a:ln>
+            <a:noFill/>
+          </a:ln>
+        </p:spPr>
+        <p:txBody>
+          <a:bodyPr wrap="none" rtlCol="0">
+            <a:spAutoFit/>
+          </a:bodyPr>
+          <a:lstStyle/>
+          <a:p>
+            <a:r>
+              <a:rPr lang="en-US" sz="1100" dirty="0" smtClean="0"/>
+              <a:t>4. Initialize Accelerometer</a:t>
+            </a:r>
+            <a:endParaRPr lang="en-US" sz="1100" dirty="0"/>
+          </a:p>
+        </p:txBody>
+      </p:sp>
+      <p:sp>
+        <p:nvSpPr>
+          <p:cNvPr id="62" name="Rectangle 61"/>
           <p:cNvSpPr/>
           <p:nvPr/>
         </p:nvSpPr>
         <p:spPr>
           <a:xfrm>
-            <a:off x="3133172" y="2712440"/>
-            <a:ext cx="102690" cy="244727"/>
+            <a:off x="1182122" y="2872887"/>
+            <a:ext cx="104345" cy="308463"/>
           </a:xfrm>
           <a:prstGeom prst="rect">
             <a:avLst/>
@@ -7318,49 +7606,269 @@
           </a:p>
         </p:txBody>
       </p:sp>
-      <p:sp>
-        <p:nvSpPr>
-          <p:cNvPr id="51" name="TextBox 50"/>
-          <p:cNvSpPr txBox="1"/>
-          <p:nvPr/>
-        </p:nvSpPr>
-        <p:spPr>
-          <a:xfrm>
-            <a:off x="1394529" y="2888699"/>
-            <a:ext cx="1680268" cy="261610"/>
-          </a:xfrm>
-          <a:prstGeom prst="rect">
-            <a:avLst/>
-          </a:prstGeom>
-          <a:noFill/>
-          <a:ln>
-            <a:noFill/>
-          </a:ln>
-        </p:spPr>
-        <p:txBody>
-          <a:bodyPr wrap="none" rtlCol="0">
-            <a:spAutoFit/>
-          </a:bodyPr>
-          <a:lstStyle/>
-          <a:p>
-            <a:r>
-              <a:rPr lang="en-US" sz="1100" dirty="0" smtClean="0"/>
-              <a:t>4. Initialize Accelerometer</a:t>
-            </a:r>
-            <a:endParaRPr lang="en-US" sz="1100" dirty="0"/>
-          </a:p>
-        </p:txBody>
-      </p:sp>
-      <p:sp>
-        <p:nvSpPr>
-          <p:cNvPr id="62" name="Rectangle 61"/>
+      <p:cxnSp>
+        <p:nvCxnSpPr>
+          <p:cNvPr id="68" name="Straight Arrow Connector 67"/>
+          <p:cNvCxnSpPr/>
+          <p:nvPr/>
+        </p:nvCxnSpPr>
+        <p:spPr>
+          <a:xfrm flipH="1">
+            <a:off x="1308091" y="3728692"/>
+            <a:ext cx="3855541" cy="0"/>
+          </a:xfrm>
+          <a:prstGeom prst="straightConnector1">
+            <a:avLst/>
+          </a:prstGeom>
+          <a:ln>
+            <a:solidFill>
+              <a:schemeClr val="tx1"/>
+            </a:solidFill>
+            <a:tailEnd type="triangle"/>
+          </a:ln>
+        </p:spPr>
+        <p:style>
+          <a:lnRef idx="1">
+            <a:schemeClr val="accent1"/>
+          </a:lnRef>
+          <a:fillRef idx="0">
+            <a:schemeClr val="accent1"/>
+          </a:fillRef>
+          <a:effectRef idx="0">
+            <a:schemeClr val="accent1"/>
+          </a:effectRef>
+          <a:fontRef idx="minor">
+            <a:schemeClr val="tx1"/>
+          </a:fontRef>
+        </p:style>
+      </p:cxnSp>
+      <p:cxnSp>
+        <p:nvCxnSpPr>
+          <p:cNvPr id="70" name="Straight Arrow Connector 69"/>
+          <p:cNvCxnSpPr/>
+          <p:nvPr/>
+        </p:nvCxnSpPr>
+        <p:spPr>
+          <a:xfrm>
+            <a:off x="1234294" y="4101750"/>
+            <a:ext cx="3859495" cy="0"/>
+          </a:xfrm>
+          <a:prstGeom prst="straightConnector1">
+            <a:avLst/>
+          </a:prstGeom>
+          <a:ln w="12700">
+            <a:solidFill>
+              <a:schemeClr val="tx1"/>
+            </a:solidFill>
+            <a:prstDash val="lgDash"/>
+            <a:tailEnd type="triangle"/>
+          </a:ln>
+        </p:spPr>
+        <p:style>
+          <a:lnRef idx="1">
+            <a:schemeClr val="accent1"/>
+          </a:lnRef>
+          <a:fillRef idx="0">
+            <a:schemeClr val="accent1"/>
+          </a:fillRef>
+          <a:effectRef idx="0">
+            <a:schemeClr val="accent1"/>
+          </a:effectRef>
+          <a:fontRef idx="minor">
+            <a:schemeClr val="tx1"/>
+          </a:fontRef>
+        </p:style>
+      </p:cxnSp>
+      <p:cxnSp>
+        <p:nvCxnSpPr>
+          <p:cNvPr id="72" name="Straight Arrow Connector 71"/>
+          <p:cNvCxnSpPr/>
+          <p:nvPr/>
+        </p:nvCxnSpPr>
+        <p:spPr>
+          <a:xfrm>
+            <a:off x="5142008" y="4990550"/>
+            <a:ext cx="3857198" cy="0"/>
+          </a:xfrm>
+          <a:prstGeom prst="straightConnector1">
+            <a:avLst/>
+          </a:prstGeom>
+          <a:ln>
+            <a:solidFill>
+              <a:schemeClr val="tx1"/>
+            </a:solidFill>
+            <a:tailEnd type="triangle"/>
+          </a:ln>
+        </p:spPr>
+        <p:style>
+          <a:lnRef idx="1">
+            <a:schemeClr val="accent1"/>
+          </a:lnRef>
+          <a:fillRef idx="0">
+            <a:schemeClr val="accent1"/>
+          </a:fillRef>
+          <a:effectRef idx="0">
+            <a:schemeClr val="accent1"/>
+          </a:effectRef>
+          <a:fontRef idx="minor">
+            <a:schemeClr val="tx1"/>
+          </a:fontRef>
+        </p:style>
+      </p:cxnSp>
+      <p:cxnSp>
+        <p:nvCxnSpPr>
+          <p:cNvPr id="78" name="Straight Arrow Connector 77"/>
+          <p:cNvCxnSpPr/>
+          <p:nvPr/>
+        </p:nvCxnSpPr>
+        <p:spPr>
+          <a:xfrm>
+            <a:off x="9040030" y="5181600"/>
+            <a:ext cx="1903020" cy="0"/>
+          </a:xfrm>
+          <a:prstGeom prst="straightConnector1">
+            <a:avLst/>
+          </a:prstGeom>
+          <a:ln>
+            <a:solidFill>
+              <a:schemeClr val="tx1"/>
+            </a:solidFill>
+            <a:tailEnd type="triangle"/>
+          </a:ln>
+        </p:spPr>
+        <p:style>
+          <a:lnRef idx="1">
+            <a:schemeClr val="accent1"/>
+          </a:lnRef>
+          <a:fillRef idx="0">
+            <a:schemeClr val="accent1"/>
+          </a:fillRef>
+          <a:effectRef idx="0">
+            <a:schemeClr val="accent1"/>
+          </a:effectRef>
+          <a:fontRef idx="minor">
+            <a:schemeClr val="tx1"/>
+          </a:fontRef>
+        </p:style>
+      </p:cxnSp>
+      <p:cxnSp>
+        <p:nvCxnSpPr>
+          <p:cNvPr id="79" name="Straight Arrow Connector 78"/>
+          <p:cNvCxnSpPr/>
+          <p:nvPr/>
+        </p:nvCxnSpPr>
+        <p:spPr>
+          <a:xfrm>
+            <a:off x="5109617" y="5581650"/>
+            <a:ext cx="1928784" cy="0"/>
+          </a:xfrm>
+          <a:prstGeom prst="straightConnector1">
+            <a:avLst/>
+          </a:prstGeom>
+          <a:ln>
+            <a:solidFill>
+              <a:schemeClr val="tx1"/>
+            </a:solidFill>
+            <a:tailEnd type="triangle"/>
+          </a:ln>
+        </p:spPr>
+        <p:style>
+          <a:lnRef idx="1">
+            <a:schemeClr val="accent1"/>
+          </a:lnRef>
+          <a:fillRef idx="0">
+            <a:schemeClr val="accent1"/>
+          </a:fillRef>
+          <a:effectRef idx="0">
+            <a:schemeClr val="accent1"/>
+          </a:effectRef>
+          <a:fontRef idx="minor">
+            <a:schemeClr val="tx1"/>
+          </a:fontRef>
+        </p:style>
+      </p:cxnSp>
+      <p:cxnSp>
+        <p:nvCxnSpPr>
+          <p:cNvPr id="82" name="Straight Arrow Connector 81"/>
+          <p:cNvCxnSpPr/>
+          <p:nvPr/>
+        </p:nvCxnSpPr>
+        <p:spPr>
+          <a:xfrm flipH="1">
+            <a:off x="3235862" y="4476750"/>
+            <a:ext cx="1951051" cy="0"/>
+          </a:xfrm>
+          <a:prstGeom prst="straightConnector1">
+            <a:avLst/>
+          </a:prstGeom>
+          <a:ln>
+            <a:solidFill>
+              <a:schemeClr val="tx1"/>
+            </a:solidFill>
+            <a:tailEnd type="triangle"/>
+          </a:ln>
+        </p:spPr>
+        <p:style>
+          <a:lnRef idx="1">
+            <a:schemeClr val="accent1"/>
+          </a:lnRef>
+          <a:fillRef idx="0">
+            <a:schemeClr val="accent1"/>
+          </a:fillRef>
+          <a:effectRef idx="0">
+            <a:schemeClr val="accent1"/>
+          </a:effectRef>
+          <a:fontRef idx="minor">
+            <a:schemeClr val="tx1"/>
+          </a:fontRef>
+        </p:style>
+      </p:cxnSp>
+      <p:cxnSp>
+        <p:nvCxnSpPr>
+          <p:cNvPr id="83" name="Straight Arrow Connector 82"/>
+          <p:cNvCxnSpPr/>
+          <p:nvPr/>
+        </p:nvCxnSpPr>
+        <p:spPr>
+          <a:xfrm flipH="1">
+            <a:off x="3216629" y="5113085"/>
+            <a:ext cx="1951051" cy="0"/>
+          </a:xfrm>
+          <a:prstGeom prst="straightConnector1">
+            <a:avLst/>
+          </a:prstGeom>
+          <a:ln>
+            <a:solidFill>
+              <a:schemeClr val="tx1"/>
+            </a:solidFill>
+            <a:tailEnd type="triangle"/>
+          </a:ln>
+        </p:spPr>
+        <p:style>
+          <a:lnRef idx="1">
+            <a:schemeClr val="accent1"/>
+          </a:lnRef>
+          <a:fillRef idx="0">
+            <a:schemeClr val="accent1"/>
+          </a:fillRef>
+          <a:effectRef idx="0">
+            <a:schemeClr val="accent1"/>
+          </a:effectRef>
+          <a:fontRef idx="minor">
+            <a:schemeClr val="tx1"/>
+          </a:fontRef>
+        </p:style>
+      </p:cxnSp>
+      <p:sp>
+        <p:nvSpPr>
+          <p:cNvPr id="86" name="Rectangle 85"/>
           <p:cNvSpPr/>
           <p:nvPr/>
         </p:nvSpPr>
         <p:spPr>
           <a:xfrm>
-            <a:off x="1182122" y="2872887"/>
-            <a:ext cx="104345" cy="308463"/>
+            <a:off x="3133172" y="4405828"/>
+            <a:ext cx="102690" cy="244727"/>
           </a:xfrm>
           <a:prstGeom prst="rect">
             <a:avLst/>
@@ -7403,340 +7911,15 @@
           </a:p>
         </p:txBody>
       </p:sp>
-      <p:cxnSp>
-        <p:nvCxnSpPr>
-          <p:cNvPr id="68" name="Straight Arrow Connector 67"/>
-          <p:cNvCxnSpPr/>
-          <p:nvPr/>
-        </p:nvCxnSpPr>
-        <p:spPr>
-          <a:xfrm flipH="1">
-            <a:off x="1308091" y="3728692"/>
-            <a:ext cx="3855541" cy="0"/>
-          </a:xfrm>
-          <a:prstGeom prst="straightConnector1">
-            <a:avLst/>
-          </a:prstGeom>
-          <a:ln>
-            <a:solidFill>
-              <a:schemeClr val="tx1"/>
-            </a:solidFill>
-            <a:tailEnd type="triangle"/>
-          </a:ln>
-        </p:spPr>
-        <p:style>
-          <a:lnRef idx="1">
-            <a:schemeClr val="accent1"/>
-          </a:lnRef>
-          <a:fillRef idx="0">
-            <a:schemeClr val="accent1"/>
-          </a:fillRef>
-          <a:effectRef idx="0">
-            <a:schemeClr val="accent1"/>
-          </a:effectRef>
-          <a:fontRef idx="minor">
-            <a:schemeClr val="tx1"/>
-          </a:fontRef>
-        </p:style>
-      </p:cxnSp>
-      <p:cxnSp>
-        <p:nvCxnSpPr>
-          <p:cNvPr id="70" name="Straight Arrow Connector 69"/>
-          <p:cNvCxnSpPr/>
-          <p:nvPr/>
-        </p:nvCxnSpPr>
-        <p:spPr>
-          <a:xfrm>
-            <a:off x="1234294" y="4101750"/>
-            <a:ext cx="3859495" cy="0"/>
-          </a:xfrm>
-          <a:prstGeom prst="straightConnector1">
-            <a:avLst/>
-          </a:prstGeom>
-          <a:ln w="12700">
-            <a:solidFill>
-              <a:schemeClr val="tx1"/>
-            </a:solidFill>
-            <a:prstDash val="lgDash"/>
-            <a:tailEnd type="triangle"/>
-          </a:ln>
-        </p:spPr>
-        <p:style>
-          <a:lnRef idx="1">
-            <a:schemeClr val="accent1"/>
-          </a:lnRef>
-          <a:fillRef idx="0">
-            <a:schemeClr val="accent1"/>
-          </a:fillRef>
-          <a:effectRef idx="0">
-            <a:schemeClr val="accent1"/>
-          </a:effectRef>
-          <a:fontRef idx="minor">
-            <a:schemeClr val="tx1"/>
-          </a:fontRef>
-        </p:style>
-      </p:cxnSp>
-      <p:cxnSp>
-        <p:nvCxnSpPr>
-          <p:cNvPr id="72" name="Straight Arrow Connector 71"/>
-          <p:cNvCxnSpPr/>
-          <p:nvPr/>
-        </p:nvCxnSpPr>
-        <p:spPr>
-          <a:xfrm>
-            <a:off x="5142008" y="4990550"/>
-            <a:ext cx="3857198" cy="0"/>
-          </a:xfrm>
-          <a:prstGeom prst="straightConnector1">
-            <a:avLst/>
-          </a:prstGeom>
-          <a:ln>
-            <a:solidFill>
-              <a:schemeClr val="tx1"/>
-            </a:solidFill>
-            <a:tailEnd type="triangle"/>
-          </a:ln>
-        </p:spPr>
-        <p:style>
-          <a:lnRef idx="1">
-            <a:schemeClr val="accent1"/>
-          </a:lnRef>
-          <a:fillRef idx="0">
-            <a:schemeClr val="accent1"/>
-          </a:fillRef>
-          <a:effectRef idx="0">
-            <a:schemeClr val="accent1"/>
-          </a:effectRef>
-          <a:fontRef idx="minor">
-            <a:schemeClr val="tx1"/>
-          </a:fontRef>
-        </p:style>
-      </p:cxnSp>
-      <p:cxnSp>
-        <p:nvCxnSpPr>
-          <p:cNvPr id="78" name="Straight Arrow Connector 77"/>
-          <p:cNvCxnSpPr/>
-          <p:nvPr/>
-        </p:nvCxnSpPr>
-        <p:spPr>
-          <a:xfrm>
-            <a:off x="9040030" y="5181600"/>
-            <a:ext cx="1903020" cy="0"/>
-          </a:xfrm>
-          <a:prstGeom prst="straightConnector1">
-            <a:avLst/>
-          </a:prstGeom>
-          <a:ln>
-            <a:solidFill>
-              <a:schemeClr val="tx1"/>
-            </a:solidFill>
-            <a:tailEnd type="triangle"/>
-          </a:ln>
-        </p:spPr>
-        <p:style>
-          <a:lnRef idx="1">
-            <a:schemeClr val="accent1"/>
-          </a:lnRef>
-          <a:fillRef idx="0">
-            <a:schemeClr val="accent1"/>
-          </a:fillRef>
-          <a:effectRef idx="0">
-            <a:schemeClr val="accent1"/>
-          </a:effectRef>
-          <a:fontRef idx="minor">
-            <a:schemeClr val="tx1"/>
-          </a:fontRef>
-        </p:style>
-      </p:cxnSp>
-      <p:cxnSp>
-        <p:nvCxnSpPr>
-          <p:cNvPr id="79" name="Straight Arrow Connector 78"/>
-          <p:cNvCxnSpPr/>
-          <p:nvPr/>
-        </p:nvCxnSpPr>
-        <p:spPr>
-          <a:xfrm>
-            <a:off x="5109617" y="5581650"/>
-            <a:ext cx="1928784" cy="0"/>
-          </a:xfrm>
-          <a:prstGeom prst="straightConnector1">
-            <a:avLst/>
-          </a:prstGeom>
-          <a:ln>
-            <a:solidFill>
-              <a:schemeClr val="tx1"/>
-            </a:solidFill>
-            <a:tailEnd type="triangle"/>
-          </a:ln>
-        </p:spPr>
-        <p:style>
-          <a:lnRef idx="1">
-            <a:schemeClr val="accent1"/>
-          </a:lnRef>
-          <a:fillRef idx="0">
-            <a:schemeClr val="accent1"/>
-          </a:fillRef>
-          <a:effectRef idx="0">
-            <a:schemeClr val="accent1"/>
-          </a:effectRef>
-          <a:fontRef idx="minor">
-            <a:schemeClr val="tx1"/>
-          </a:fontRef>
-        </p:style>
-      </p:cxnSp>
-      <p:cxnSp>
-        <p:nvCxnSpPr>
-          <p:cNvPr id="81" name="Straight Arrow Connector 80"/>
-          <p:cNvCxnSpPr/>
-          <p:nvPr/>
-        </p:nvCxnSpPr>
-        <p:spPr>
-          <a:xfrm flipH="1">
-            <a:off x="3235862" y="3352800"/>
-            <a:ext cx="1951051" cy="0"/>
-          </a:xfrm>
-          <a:prstGeom prst="straightConnector1">
-            <a:avLst/>
-          </a:prstGeom>
-          <a:ln>
-            <a:solidFill>
-              <a:schemeClr val="tx1"/>
-            </a:solidFill>
-            <a:tailEnd type="triangle"/>
-          </a:ln>
-        </p:spPr>
-        <p:style>
-          <a:lnRef idx="1">
-            <a:schemeClr val="accent1"/>
-          </a:lnRef>
-          <a:fillRef idx="0">
-            <a:schemeClr val="accent1"/>
-          </a:fillRef>
-          <a:effectRef idx="0">
-            <a:schemeClr val="accent1"/>
-          </a:effectRef>
-          <a:fontRef idx="minor">
-            <a:schemeClr val="tx1"/>
-          </a:fontRef>
-        </p:style>
-      </p:cxnSp>
-      <p:cxnSp>
-        <p:nvCxnSpPr>
-          <p:cNvPr id="82" name="Straight Arrow Connector 81"/>
-          <p:cNvCxnSpPr/>
-          <p:nvPr/>
-        </p:nvCxnSpPr>
-        <p:spPr>
-          <a:xfrm flipH="1">
-            <a:off x="3235862" y="4476750"/>
-            <a:ext cx="1951051" cy="0"/>
-          </a:xfrm>
-          <a:prstGeom prst="straightConnector1">
-            <a:avLst/>
-          </a:prstGeom>
-          <a:ln>
-            <a:solidFill>
-              <a:schemeClr val="tx1"/>
-            </a:solidFill>
-            <a:tailEnd type="triangle"/>
-          </a:ln>
-        </p:spPr>
-        <p:style>
-          <a:lnRef idx="1">
-            <a:schemeClr val="accent1"/>
-          </a:lnRef>
-          <a:fillRef idx="0">
-            <a:schemeClr val="accent1"/>
-          </a:fillRef>
-          <a:effectRef idx="0">
-            <a:schemeClr val="accent1"/>
-          </a:effectRef>
-          <a:fontRef idx="minor">
-            <a:schemeClr val="tx1"/>
-          </a:fontRef>
-        </p:style>
-      </p:cxnSp>
-      <p:cxnSp>
-        <p:nvCxnSpPr>
-          <p:cNvPr id="83" name="Straight Arrow Connector 82"/>
-          <p:cNvCxnSpPr/>
-          <p:nvPr/>
-        </p:nvCxnSpPr>
-        <p:spPr>
-          <a:xfrm flipH="1">
-            <a:off x="3216629" y="5113085"/>
-            <a:ext cx="1951051" cy="0"/>
-          </a:xfrm>
-          <a:prstGeom prst="straightConnector1">
-            <a:avLst/>
-          </a:prstGeom>
-          <a:ln>
-            <a:solidFill>
-              <a:schemeClr val="tx1"/>
-            </a:solidFill>
-            <a:tailEnd type="triangle"/>
-          </a:ln>
-        </p:spPr>
-        <p:style>
-          <a:lnRef idx="1">
-            <a:schemeClr val="accent1"/>
-          </a:lnRef>
-          <a:fillRef idx="0">
-            <a:schemeClr val="accent1"/>
-          </a:fillRef>
-          <a:effectRef idx="0">
-            <a:schemeClr val="accent1"/>
-          </a:effectRef>
-          <a:fontRef idx="minor">
-            <a:schemeClr val="tx1"/>
-          </a:fontRef>
-        </p:style>
-      </p:cxnSp>
-      <p:cxnSp>
-        <p:nvCxnSpPr>
-          <p:cNvPr id="84" name="Straight Arrow Connector 83"/>
-          <p:cNvCxnSpPr/>
-          <p:nvPr/>
-        </p:nvCxnSpPr>
-        <p:spPr>
-          <a:xfrm flipH="1">
-            <a:off x="3242302" y="5695950"/>
-            <a:ext cx="1899707" cy="0"/>
-          </a:xfrm>
-          <a:prstGeom prst="straightConnector1">
-            <a:avLst/>
-          </a:prstGeom>
-          <a:ln>
-            <a:solidFill>
-              <a:schemeClr val="tx1"/>
-            </a:solidFill>
-            <a:tailEnd type="triangle"/>
-          </a:ln>
-        </p:spPr>
-        <p:style>
-          <a:lnRef idx="1">
-            <a:schemeClr val="accent1"/>
-          </a:lnRef>
-          <a:fillRef idx="0">
-            <a:schemeClr val="accent1"/>
-          </a:fillRef>
-          <a:effectRef idx="0">
-            <a:schemeClr val="accent1"/>
-          </a:effectRef>
-          <a:fontRef idx="minor">
-            <a:schemeClr val="tx1"/>
-          </a:fontRef>
-        </p:style>
-      </p:cxnSp>
-      <p:sp>
-        <p:nvSpPr>
-          <p:cNvPr id="85" name="Rectangle 84"/>
+      <p:sp>
+        <p:nvSpPr>
+          <p:cNvPr id="87" name="Rectangle 86"/>
           <p:cNvSpPr/>
           <p:nvPr/>
         </p:nvSpPr>
         <p:spPr>
           <a:xfrm>
-            <a:off x="3139612" y="3283531"/>
+            <a:off x="3133172" y="5065637"/>
             <a:ext cx="102690" cy="244727"/>
           </a:xfrm>
           <a:prstGeom prst="rect">
@@ -7782,13 +7965,13 @@
       </p:sp>
       <p:sp>
         <p:nvSpPr>
-          <p:cNvPr id="86" name="Rectangle 85"/>
+          <p:cNvPr id="90" name="Rectangle 89"/>
           <p:cNvSpPr/>
           <p:nvPr/>
         </p:nvSpPr>
         <p:spPr>
           <a:xfrm>
-            <a:off x="3133172" y="4405828"/>
+            <a:off x="7038401" y="5513592"/>
             <a:ext cx="102690" cy="244727"/>
           </a:xfrm>
           <a:prstGeom prst="rect">
@@ -7834,14 +8017,14 @@
       </p:sp>
       <p:sp>
         <p:nvSpPr>
-          <p:cNvPr id="87" name="Rectangle 86"/>
+          <p:cNvPr id="94" name="Rectangle 93"/>
           <p:cNvSpPr/>
           <p:nvPr/>
         </p:nvSpPr>
         <p:spPr>
           <a:xfrm>
-            <a:off x="3133172" y="5065637"/>
-            <a:ext cx="102690" cy="244727"/>
+            <a:off x="8992702" y="4950067"/>
+            <a:ext cx="94656" cy="261610"/>
           </a:xfrm>
           <a:prstGeom prst="rect">
             <a:avLst/>
@@ -7886,14 +8069,14 @@
       </p:sp>
       <p:sp>
         <p:nvSpPr>
-          <p:cNvPr id="88" name="Rectangle 87"/>
+          <p:cNvPr id="95" name="Rectangle 94"/>
           <p:cNvSpPr/>
           <p:nvPr/>
         </p:nvSpPr>
         <p:spPr>
           <a:xfrm>
-            <a:off x="3133172" y="5639430"/>
-            <a:ext cx="102690" cy="244727"/>
+            <a:off x="10947130" y="5113085"/>
+            <a:ext cx="91279" cy="713403"/>
           </a:xfrm>
           <a:prstGeom prst="rect">
             <a:avLst/>
@@ -7938,14 +8121,14 @@
       </p:sp>
       <p:sp>
         <p:nvSpPr>
-          <p:cNvPr id="90" name="Rectangle 89"/>
+          <p:cNvPr id="97" name="Rectangle 96"/>
           <p:cNvSpPr/>
           <p:nvPr/>
         </p:nvSpPr>
         <p:spPr>
           <a:xfrm>
-            <a:off x="7038401" y="5513592"/>
-            <a:ext cx="102690" cy="244727"/>
+            <a:off x="10954368" y="2692491"/>
+            <a:ext cx="91279" cy="713403"/>
           </a:xfrm>
           <a:prstGeom prst="rect">
             <a:avLst/>
@@ -7990,14 +8173,14 @@
       </p:sp>
       <p:sp>
         <p:nvSpPr>
-          <p:cNvPr id="94" name="Rectangle 93"/>
+          <p:cNvPr id="99" name="Rectangle 98"/>
           <p:cNvSpPr/>
           <p:nvPr/>
         </p:nvSpPr>
         <p:spPr>
           <a:xfrm>
-            <a:off x="8992702" y="4950067"/>
-            <a:ext cx="94656" cy="261610"/>
+            <a:off x="1194241" y="3653938"/>
+            <a:ext cx="113850" cy="543594"/>
           </a:xfrm>
           <a:prstGeom prst="rect">
             <a:avLst/>
@@ -8042,20 +8225,205 @@
       </p:sp>
       <p:sp>
         <p:nvSpPr>
-          <p:cNvPr id="95" name="Rectangle 94"/>
-          <p:cNvSpPr/>
-          <p:nvPr/>
-        </p:nvSpPr>
-        <p:spPr>
-          <a:xfrm>
-            <a:off x="10947130" y="5113085"/>
-            <a:ext cx="91279" cy="713403"/>
+          <p:cNvPr id="100" name="TextBox 99"/>
+          <p:cNvSpPr txBox="1"/>
+          <p:nvPr/>
+        </p:nvSpPr>
+        <p:spPr>
+          <a:xfrm>
+            <a:off x="9050704" y="2604206"/>
+            <a:ext cx="1051891" cy="261610"/>
+          </a:xfrm>
+          <a:prstGeom prst="rect">
+            <a:avLst/>
+          </a:prstGeom>
+          <a:noFill/>
+          <a:ln>
+            <a:noFill/>
+          </a:ln>
+        </p:spPr>
+        <p:txBody>
+          <a:bodyPr wrap="none" rtlCol="0">
+            <a:spAutoFit/>
+          </a:bodyPr>
+          <a:lstStyle/>
+          <a:p>
+            <a:r>
+              <a:rPr lang="en-US" sz="1100" dirty="0"/>
+              <a:t>3</a:t>
+            </a:r>
+            <a:r>
+              <a:rPr lang="en-US" sz="1100" dirty="0" smtClean="0"/>
+              <a:t>. Move servos</a:t>
+            </a:r>
+            <a:endParaRPr lang="en-US" sz="1100" dirty="0"/>
+          </a:p>
+        </p:txBody>
+      </p:sp>
+      <p:sp>
+        <p:nvSpPr>
+          <p:cNvPr id="102" name="TextBox 101"/>
+          <p:cNvSpPr txBox="1"/>
+          <p:nvPr/>
+        </p:nvSpPr>
+        <p:spPr>
+          <a:xfrm>
+            <a:off x="1301498" y="3507903"/>
+            <a:ext cx="1941557" cy="261610"/>
+          </a:xfrm>
+          <a:prstGeom prst="rect">
+            <a:avLst/>
+          </a:prstGeom>
+          <a:noFill/>
+          <a:ln>
+            <a:noFill/>
+          </a:ln>
+        </p:spPr>
+        <p:txBody>
+          <a:bodyPr wrap="none" rtlCol="0">
+            <a:spAutoFit/>
+          </a:bodyPr>
+          <a:lstStyle/>
+          <a:p>
+            <a:r>
+              <a:rPr lang="en-US" sz="1100" dirty="0"/>
+              <a:t>6</a:t>
+            </a:r>
+            <a:r>
+              <a:rPr lang="en-US" sz="1100" dirty="0" smtClean="0"/>
+              <a:t>. Request accelerometer data</a:t>
+            </a:r>
+            <a:endParaRPr lang="en-US" sz="1100" dirty="0"/>
+          </a:p>
+        </p:txBody>
+      </p:sp>
+      <p:sp>
+        <p:nvSpPr>
+          <p:cNvPr id="103" name="TextBox 102"/>
+          <p:cNvSpPr txBox="1"/>
+          <p:nvPr/>
+        </p:nvSpPr>
+        <p:spPr>
+          <a:xfrm>
+            <a:off x="2184796" y="3806686"/>
+            <a:ext cx="1980029" cy="261610"/>
           </a:xfrm>
           <a:prstGeom prst="rect">
             <a:avLst/>
           </a:prstGeom>
           <a:solidFill>
             <a:schemeClr val="bg1"/>
+          </a:solidFill>
+          <a:ln>
+            <a:noFill/>
+          </a:ln>
+        </p:spPr>
+        <p:txBody>
+          <a:bodyPr wrap="none" rtlCol="0">
+            <a:spAutoFit/>
+          </a:bodyPr>
+          <a:lstStyle/>
+          <a:p>
+            <a:r>
+              <a:rPr lang="en-US" sz="1100" dirty="0" smtClean="0"/>
+              <a:t>7. Transmit accelerometer data</a:t>
+            </a:r>
+            <a:endParaRPr lang="en-US" sz="1100" dirty="0"/>
+          </a:p>
+        </p:txBody>
+      </p:sp>
+      <p:sp>
+        <p:nvSpPr>
+          <p:cNvPr id="104" name="TextBox 103"/>
+          <p:cNvSpPr txBox="1"/>
+          <p:nvPr/>
+        </p:nvSpPr>
+        <p:spPr>
+          <a:xfrm>
+            <a:off x="3597949" y="4204064"/>
+            <a:ext cx="1130438" cy="261610"/>
+          </a:xfrm>
+          <a:prstGeom prst="rect">
+            <a:avLst/>
+          </a:prstGeom>
+          <a:noFill/>
+          <a:ln>
+            <a:noFill/>
+          </a:ln>
+        </p:spPr>
+        <p:txBody>
+          <a:bodyPr wrap="none" rtlCol="0">
+            <a:spAutoFit/>
+          </a:bodyPr>
+          <a:lstStyle/>
+          <a:p>
+            <a:r>
+              <a:rPr lang="en-US" sz="1100" dirty="0" smtClean="0"/>
+              <a:t>8. Update Status</a:t>
+            </a:r>
+            <a:endParaRPr lang="en-US" sz="1100" dirty="0"/>
+          </a:p>
+        </p:txBody>
+      </p:sp>
+      <p:sp>
+        <p:nvSpPr>
+          <p:cNvPr id="105" name="TextBox 104"/>
+          <p:cNvSpPr txBox="1"/>
+          <p:nvPr/>
+        </p:nvSpPr>
+        <p:spPr>
+          <a:xfrm>
+            <a:off x="6236837" y="4780681"/>
+            <a:ext cx="2440092" cy="430887"/>
+          </a:xfrm>
+          <a:prstGeom prst="rect">
+            <a:avLst/>
+          </a:prstGeom>
+          <a:noFill/>
+          <a:ln>
+            <a:noFill/>
+          </a:ln>
+        </p:spPr>
+        <p:txBody>
+          <a:bodyPr wrap="none" rtlCol="0">
+            <a:spAutoFit/>
+          </a:bodyPr>
+          <a:lstStyle/>
+          <a:p>
+            <a:r>
+              <a:rPr lang="en-US" sz="1100" dirty="0" smtClean="0"/>
+              <a:t>10. Send positions to servos </a:t>
+            </a:r>
+            <a:r>
+              <a:rPr lang="en-US" sz="1100" dirty="0" smtClean="0"/>
+              <a:t> if previous</a:t>
+            </a:r>
+          </a:p>
+          <a:p>
+            <a:r>
+              <a:rPr lang="en-US" sz="1100" dirty="0" smtClean="0"/>
+              <a:t>Position differs by 4 or more degrees</a:t>
+            </a:r>
+            <a:endParaRPr lang="en-US" sz="1100" dirty="0"/>
+          </a:p>
+        </p:txBody>
+      </p:sp>
+      <p:sp>
+        <p:nvSpPr>
+          <p:cNvPr id="106" name="Rectangle 105"/>
+          <p:cNvSpPr/>
+          <p:nvPr/>
+        </p:nvSpPr>
+        <p:spPr>
+          <a:xfrm>
+            <a:off x="5093255" y="4541050"/>
+            <a:ext cx="89548" cy="197035"/>
+          </a:xfrm>
+          <a:prstGeom prst="rect">
+            <a:avLst/>
+          </a:prstGeom>
+          <a:solidFill>
+            <a:srgbClr val="92D050"/>
           </a:solidFill>
           <a:ln>
             <a:solidFill>
@@ -8094,118 +8462,53 @@
       </p:sp>
       <p:sp>
         <p:nvSpPr>
-          <p:cNvPr id="97" name="Rectangle 96"/>
-          <p:cNvSpPr/>
-          <p:nvPr/>
-        </p:nvSpPr>
-        <p:spPr>
-          <a:xfrm>
-            <a:off x="10954368" y="2692491"/>
-            <a:ext cx="91279" cy="713403"/>
+          <p:cNvPr id="107" name="TextBox 106"/>
+          <p:cNvSpPr txBox="1"/>
+          <p:nvPr/>
+        </p:nvSpPr>
+        <p:spPr>
+          <a:xfrm>
+            <a:off x="5196709" y="4450549"/>
+            <a:ext cx="882134" cy="338554"/>
           </a:xfrm>
           <a:prstGeom prst="rect">
             <a:avLst/>
           </a:prstGeom>
-          <a:solidFill>
-            <a:schemeClr val="bg1"/>
-          </a:solidFill>
-          <a:ln>
-            <a:solidFill>
-              <a:schemeClr val="tx1"/>
-            </a:solidFill>
-          </a:ln>
-        </p:spPr>
-        <p:style>
-          <a:lnRef idx="2">
-            <a:schemeClr val="accent1">
-              <a:shade val="50000"/>
-            </a:schemeClr>
-          </a:lnRef>
-          <a:fillRef idx="1">
-            <a:schemeClr val="accent1"/>
-          </a:fillRef>
-          <a:effectRef idx="0">
-            <a:schemeClr val="accent1"/>
-          </a:effectRef>
-          <a:fontRef idx="minor">
-            <a:schemeClr val="lt1"/>
-          </a:fontRef>
-        </p:style>
-        <p:txBody>
-          <a:bodyPr rtlCol="0" anchor="ctr"/>
-          <a:lstStyle/>
-          <a:p>
-            <a:pPr algn="ctr"/>
-            <a:endParaRPr lang="en-US">
-              <a:solidFill>
-                <a:schemeClr val="tx1"/>
-              </a:solidFill>
-            </a:endParaRPr>
-          </a:p>
-        </p:txBody>
-      </p:sp>
-      <p:sp>
-        <p:nvSpPr>
-          <p:cNvPr id="99" name="Rectangle 98"/>
-          <p:cNvSpPr/>
-          <p:nvPr/>
-        </p:nvSpPr>
-        <p:spPr>
-          <a:xfrm>
-            <a:off x="1194241" y="3653938"/>
-            <a:ext cx="113850" cy="543594"/>
-          </a:xfrm>
-          <a:prstGeom prst="rect">
-            <a:avLst/>
-          </a:prstGeom>
-          <a:solidFill>
-            <a:schemeClr val="bg1"/>
-          </a:solidFill>
-          <a:ln>
-            <a:solidFill>
-              <a:schemeClr val="tx1"/>
-            </a:solidFill>
-          </a:ln>
-        </p:spPr>
-        <p:style>
-          <a:lnRef idx="2">
-            <a:schemeClr val="accent1">
-              <a:shade val="50000"/>
-            </a:schemeClr>
-          </a:lnRef>
-          <a:fillRef idx="1">
-            <a:schemeClr val="accent1"/>
-          </a:fillRef>
-          <a:effectRef idx="0">
-            <a:schemeClr val="accent1"/>
-          </a:effectRef>
-          <a:fontRef idx="minor">
-            <a:schemeClr val="lt1"/>
-          </a:fontRef>
-        </p:style>
-        <p:txBody>
-          <a:bodyPr rtlCol="0" anchor="ctr"/>
-          <a:lstStyle/>
-          <a:p>
-            <a:pPr algn="ctr"/>
-            <a:endParaRPr lang="en-US">
-              <a:solidFill>
-                <a:schemeClr val="tx1"/>
-              </a:solidFill>
-            </a:endParaRPr>
-          </a:p>
-        </p:txBody>
-      </p:sp>
-      <p:sp>
-        <p:nvSpPr>
-          <p:cNvPr id="100" name="TextBox 99"/>
+          <a:noFill/>
+          <a:ln>
+            <a:noFill/>
+          </a:ln>
+        </p:spPr>
+        <p:txBody>
+          <a:bodyPr wrap="square" rtlCol="0">
+            <a:spAutoFit/>
+          </a:bodyPr>
+          <a:lstStyle/>
+          <a:p>
+            <a:r>
+              <a:rPr lang="en-US" sz="800" dirty="0" smtClean="0"/>
+              <a:t>9. Calculate </a:t>
+            </a:r>
+          </a:p>
+          <a:p>
+            <a:r>
+              <a:rPr lang="en-US" sz="800" dirty="0" smtClean="0"/>
+              <a:t>servo positions</a:t>
+            </a:r>
+            <a:endParaRPr lang="en-US" sz="800" dirty="0"/>
+          </a:p>
+        </p:txBody>
+      </p:sp>
+      <p:sp>
+        <p:nvSpPr>
+          <p:cNvPr id="108" name="TextBox 107"/>
           <p:cNvSpPr txBox="1"/>
           <p:nvPr/>
         </p:nvSpPr>
         <p:spPr>
           <a:xfrm>
-            <a:off x="9050704" y="2604206"/>
-            <a:ext cx="1051891" cy="261610"/>
+            <a:off x="9289315" y="4934832"/>
+            <a:ext cx="1124026" cy="261610"/>
           </a:xfrm>
           <a:prstGeom prst="rect">
             <a:avLst/>
@@ -8222,12 +8525,8 @@
           <a:lstStyle/>
           <a:p>
             <a:r>
-              <a:rPr lang="en-US" sz="1100" dirty="0"/>
-              <a:t>3</a:t>
-            </a:r>
-            <a:r>
               <a:rPr lang="en-US" sz="1100" dirty="0" smtClean="0"/>
-              <a:t>. Move servos</a:t>
+              <a:t>12. Move servos</a:t>
             </a:r>
             <a:endParaRPr lang="en-US" sz="1100" dirty="0"/>
           </a:p>
@@ -8235,14 +8534,14 @@
       </p:sp>
       <p:sp>
         <p:nvSpPr>
-          <p:cNvPr id="101" name="TextBox 100"/>
+          <p:cNvPr id="109" name="TextBox 108"/>
           <p:cNvSpPr txBox="1"/>
           <p:nvPr/>
         </p:nvSpPr>
         <p:spPr>
           <a:xfrm>
-            <a:off x="3657653" y="3118105"/>
-            <a:ext cx="1130438" cy="261610"/>
+            <a:off x="3547331" y="4872217"/>
+            <a:ext cx="1202573" cy="261610"/>
           </a:xfrm>
           <a:prstGeom prst="rect">
             <a:avLst/>
@@ -8259,12 +8558,8 @@
           <a:lstStyle/>
           <a:p>
             <a:r>
-              <a:rPr lang="en-US" sz="1100" dirty="0"/>
-              <a:t>5</a:t>
-            </a:r>
-            <a:r>
               <a:rPr lang="en-US" sz="1100" dirty="0" smtClean="0"/>
-              <a:t>. Update Status</a:t>
+              <a:t>11. Update Status</a:t>
             </a:r>
             <a:endParaRPr lang="en-US" sz="1100" dirty="0"/>
           </a:p>
@@ -8272,14 +8567,14 @@
       </p:sp>
       <p:sp>
         <p:nvSpPr>
-          <p:cNvPr id="102" name="TextBox 101"/>
+          <p:cNvPr id="110" name="TextBox 109"/>
           <p:cNvSpPr txBox="1"/>
           <p:nvPr/>
         </p:nvSpPr>
         <p:spPr>
           <a:xfrm>
-            <a:off x="1301498" y="3507903"/>
-            <a:ext cx="1941557" cy="261610"/>
+            <a:off x="5372084" y="5338981"/>
+            <a:ext cx="1394934" cy="261610"/>
           </a:xfrm>
           <a:prstGeom prst="rect">
             <a:avLst/>
@@ -8296,336 +8591,8 @@
           <a:lstStyle/>
           <a:p>
             <a:r>
-              <a:rPr lang="en-US" sz="1100" dirty="0"/>
-              <a:t>6</a:t>
-            </a:r>
-            <a:r>
-              <a:rPr lang="en-US" sz="1100" dirty="0" smtClean="0"/>
-              <a:t>. Request accelerometer data</a:t>
-            </a:r>
-            <a:endParaRPr lang="en-US" sz="1100" dirty="0"/>
-          </a:p>
-        </p:txBody>
-      </p:sp>
-      <p:sp>
-        <p:nvSpPr>
-          <p:cNvPr id="103" name="TextBox 102"/>
-          <p:cNvSpPr txBox="1"/>
-          <p:nvPr/>
-        </p:nvSpPr>
-        <p:spPr>
-          <a:xfrm>
-            <a:off x="2184796" y="3806686"/>
-            <a:ext cx="1980029" cy="261610"/>
-          </a:xfrm>
-          <a:prstGeom prst="rect">
-            <a:avLst/>
-          </a:prstGeom>
-          <a:solidFill>
-            <a:schemeClr val="bg1"/>
-          </a:solidFill>
-          <a:ln>
-            <a:noFill/>
-          </a:ln>
-        </p:spPr>
-        <p:txBody>
-          <a:bodyPr wrap="none" rtlCol="0">
-            <a:spAutoFit/>
-          </a:bodyPr>
-          <a:lstStyle/>
-          <a:p>
-            <a:r>
-              <a:rPr lang="en-US" sz="1100" dirty="0" smtClean="0"/>
-              <a:t>7. Transmit accelerometer data</a:t>
-            </a:r>
-            <a:endParaRPr lang="en-US" sz="1100" dirty="0"/>
-          </a:p>
-        </p:txBody>
-      </p:sp>
-      <p:sp>
-        <p:nvSpPr>
-          <p:cNvPr id="104" name="TextBox 103"/>
-          <p:cNvSpPr txBox="1"/>
-          <p:nvPr/>
-        </p:nvSpPr>
-        <p:spPr>
-          <a:xfrm>
-            <a:off x="3597949" y="4204064"/>
-            <a:ext cx="1130438" cy="261610"/>
-          </a:xfrm>
-          <a:prstGeom prst="rect">
-            <a:avLst/>
-          </a:prstGeom>
-          <a:noFill/>
-          <a:ln>
-            <a:noFill/>
-          </a:ln>
-        </p:spPr>
-        <p:txBody>
-          <a:bodyPr wrap="none" rtlCol="0">
-            <a:spAutoFit/>
-          </a:bodyPr>
-          <a:lstStyle/>
-          <a:p>
-            <a:r>
-              <a:rPr lang="en-US" sz="1100" dirty="0" smtClean="0"/>
-              <a:t>8. Update Status</a:t>
-            </a:r>
-            <a:endParaRPr lang="en-US" sz="1100" dirty="0"/>
-          </a:p>
-        </p:txBody>
-      </p:sp>
-      <p:sp>
-        <p:nvSpPr>
-          <p:cNvPr id="105" name="TextBox 104"/>
-          <p:cNvSpPr txBox="1"/>
-          <p:nvPr/>
-        </p:nvSpPr>
-        <p:spPr>
-          <a:xfrm>
-            <a:off x="6236837" y="4780681"/>
-            <a:ext cx="1808508" cy="261610"/>
-          </a:xfrm>
-          <a:prstGeom prst="rect">
-            <a:avLst/>
-          </a:prstGeom>
-          <a:noFill/>
-          <a:ln>
-            <a:noFill/>
-          </a:ln>
-        </p:spPr>
-        <p:txBody>
-          <a:bodyPr wrap="none" rtlCol="0">
-            <a:spAutoFit/>
-          </a:bodyPr>
-          <a:lstStyle/>
-          <a:p>
-            <a:r>
-              <a:rPr lang="en-US" sz="1100" dirty="0" smtClean="0"/>
-              <a:t>10. Send positions to servos </a:t>
-            </a:r>
-            <a:endParaRPr lang="en-US" sz="1100" dirty="0"/>
-          </a:p>
-        </p:txBody>
-      </p:sp>
-      <p:sp>
-        <p:nvSpPr>
-          <p:cNvPr id="106" name="Rectangle 105"/>
-          <p:cNvSpPr/>
-          <p:nvPr/>
-        </p:nvSpPr>
-        <p:spPr>
-          <a:xfrm>
-            <a:off x="5093255" y="4541050"/>
-            <a:ext cx="89548" cy="197035"/>
-          </a:xfrm>
-          <a:prstGeom prst="rect">
-            <a:avLst/>
-          </a:prstGeom>
-          <a:solidFill>
-            <a:srgbClr val="92D050"/>
-          </a:solidFill>
-          <a:ln>
-            <a:solidFill>
-              <a:schemeClr val="tx1"/>
-            </a:solidFill>
-          </a:ln>
-        </p:spPr>
-        <p:style>
-          <a:lnRef idx="2">
-            <a:schemeClr val="accent1">
-              <a:shade val="50000"/>
-            </a:schemeClr>
-          </a:lnRef>
-          <a:fillRef idx="1">
-            <a:schemeClr val="accent1"/>
-          </a:fillRef>
-          <a:effectRef idx="0">
-            <a:schemeClr val="accent1"/>
-          </a:effectRef>
-          <a:fontRef idx="minor">
-            <a:schemeClr val="lt1"/>
-          </a:fontRef>
-        </p:style>
-        <p:txBody>
-          <a:bodyPr rtlCol="0" anchor="ctr"/>
-          <a:lstStyle/>
-          <a:p>
-            <a:pPr algn="ctr"/>
-            <a:endParaRPr lang="en-US">
-              <a:solidFill>
-                <a:schemeClr val="tx1"/>
-              </a:solidFill>
-            </a:endParaRPr>
-          </a:p>
-        </p:txBody>
-      </p:sp>
-      <p:sp>
-        <p:nvSpPr>
-          <p:cNvPr id="107" name="TextBox 106"/>
-          <p:cNvSpPr txBox="1"/>
-          <p:nvPr/>
-        </p:nvSpPr>
-        <p:spPr>
-          <a:xfrm>
-            <a:off x="5196709" y="4450549"/>
-            <a:ext cx="882134" cy="338554"/>
-          </a:xfrm>
-          <a:prstGeom prst="rect">
-            <a:avLst/>
-          </a:prstGeom>
-          <a:noFill/>
-          <a:ln>
-            <a:noFill/>
-          </a:ln>
-        </p:spPr>
-        <p:txBody>
-          <a:bodyPr wrap="square" rtlCol="0">
-            <a:spAutoFit/>
-          </a:bodyPr>
-          <a:lstStyle/>
-          <a:p>
-            <a:r>
-              <a:rPr lang="en-US" sz="800" dirty="0" smtClean="0"/>
-              <a:t>9. Calculate </a:t>
-            </a:r>
-          </a:p>
-          <a:p>
-            <a:r>
-              <a:rPr lang="en-US" sz="800" dirty="0" smtClean="0"/>
-              <a:t>servo positions</a:t>
-            </a:r>
-            <a:endParaRPr lang="en-US" sz="800" dirty="0"/>
-          </a:p>
-        </p:txBody>
-      </p:sp>
-      <p:sp>
-        <p:nvSpPr>
-          <p:cNvPr id="108" name="TextBox 107"/>
-          <p:cNvSpPr txBox="1"/>
-          <p:nvPr/>
-        </p:nvSpPr>
-        <p:spPr>
-          <a:xfrm>
-            <a:off x="9289315" y="4934832"/>
-            <a:ext cx="1124026" cy="261610"/>
-          </a:xfrm>
-          <a:prstGeom prst="rect">
-            <a:avLst/>
-          </a:prstGeom>
-          <a:noFill/>
-          <a:ln>
-            <a:noFill/>
-          </a:ln>
-        </p:spPr>
-        <p:txBody>
-          <a:bodyPr wrap="none" rtlCol="0">
-            <a:spAutoFit/>
-          </a:bodyPr>
-          <a:lstStyle/>
-          <a:p>
-            <a:r>
-              <a:rPr lang="en-US" sz="1100" dirty="0" smtClean="0"/>
-              <a:t>12. Move servos</a:t>
-            </a:r>
-            <a:endParaRPr lang="en-US" sz="1100" dirty="0"/>
-          </a:p>
-        </p:txBody>
-      </p:sp>
-      <p:sp>
-        <p:nvSpPr>
-          <p:cNvPr id="109" name="TextBox 108"/>
-          <p:cNvSpPr txBox="1"/>
-          <p:nvPr/>
-        </p:nvSpPr>
-        <p:spPr>
-          <a:xfrm>
-            <a:off x="3547331" y="4872217"/>
-            <a:ext cx="1202573" cy="261610"/>
-          </a:xfrm>
-          <a:prstGeom prst="rect">
-            <a:avLst/>
-          </a:prstGeom>
-          <a:noFill/>
-          <a:ln>
-            <a:noFill/>
-          </a:ln>
-        </p:spPr>
-        <p:txBody>
-          <a:bodyPr wrap="none" rtlCol="0">
-            <a:spAutoFit/>
-          </a:bodyPr>
-          <a:lstStyle/>
-          <a:p>
-            <a:r>
-              <a:rPr lang="en-US" sz="1100" dirty="0" smtClean="0"/>
-              <a:t>11. Update Status</a:t>
-            </a:r>
-            <a:endParaRPr lang="en-US" sz="1100" dirty="0"/>
-          </a:p>
-        </p:txBody>
-      </p:sp>
-      <p:sp>
-        <p:nvSpPr>
-          <p:cNvPr id="110" name="TextBox 109"/>
-          <p:cNvSpPr txBox="1"/>
-          <p:nvPr/>
-        </p:nvSpPr>
-        <p:spPr>
-          <a:xfrm>
-            <a:off x="5372084" y="5338981"/>
-            <a:ext cx="1394934" cy="261610"/>
-          </a:xfrm>
-          <a:prstGeom prst="rect">
-            <a:avLst/>
-          </a:prstGeom>
-          <a:noFill/>
-          <a:ln>
-            <a:noFill/>
-          </a:ln>
-        </p:spPr>
-        <p:txBody>
-          <a:bodyPr wrap="none" rtlCol="0">
-            <a:spAutoFit/>
-          </a:bodyPr>
-          <a:lstStyle/>
-          <a:p>
-            <a:r>
               <a:rPr lang="en-US" sz="1100" dirty="0" smtClean="0"/>
               <a:t>13. Update LED Strip </a:t>
-            </a:r>
-            <a:endParaRPr lang="en-US" sz="1100" dirty="0"/>
-          </a:p>
-        </p:txBody>
-      </p:sp>
-      <p:sp>
-        <p:nvSpPr>
-          <p:cNvPr id="111" name="TextBox 110"/>
-          <p:cNvSpPr txBox="1"/>
-          <p:nvPr/>
-        </p:nvSpPr>
-        <p:spPr>
-          <a:xfrm>
-            <a:off x="3507245" y="5458356"/>
-            <a:ext cx="1202573" cy="261610"/>
-          </a:xfrm>
-          <a:prstGeom prst="rect">
-            <a:avLst/>
-          </a:prstGeom>
-          <a:noFill/>
-          <a:ln>
-            <a:noFill/>
-          </a:ln>
-        </p:spPr>
-        <p:txBody>
-          <a:bodyPr wrap="none" rtlCol="0">
-            <a:spAutoFit/>
-          </a:bodyPr>
-          <a:lstStyle/>
-          <a:p>
-            <a:r>
-              <a:rPr lang="en-US" sz="1100" dirty="0" smtClean="0"/>
-              <a:t>14. Update Status</a:t>
             </a:r>
             <a:endParaRPr lang="en-US" sz="1100" dirty="0"/>
           </a:p>
@@ -8725,15 +8692,7 @@
           <a:p>
             <a:r>
               <a:rPr lang="en-US" sz="3200" dirty="0" smtClean="0"/>
-              <a:t>Self Leveling </a:t>
-            </a:r>
-            <a:r>
-              <a:rPr lang="en-US" sz="3200" dirty="0" smtClean="0"/>
-              <a:t>Table: </a:t>
-            </a:r>
-            <a:r>
-              <a:rPr lang="en-US" sz="3200" dirty="0" smtClean="0"/>
-              <a:t>Level 0</a:t>
+              <a:t>Self Leveling Table: Level 0</a:t>
             </a:r>
           </a:p>
         </p:txBody>
@@ -8746,7 +8705,7 @@
         </p:nvSpPr>
         <p:spPr>
           <a:xfrm>
-            <a:off x="4000500" y="1514475"/>
+            <a:off x="3990975" y="952500"/>
             <a:ext cx="3810000" cy="2476500"/>
           </a:xfrm>
           <a:prstGeom prst="rect">
@@ -8797,7 +8756,7 @@
         </p:nvCxnSpPr>
         <p:spPr>
           <a:xfrm>
-            <a:off x="2695575" y="2105025"/>
+            <a:off x="2686050" y="1543050"/>
             <a:ext cx="1304925" cy="0"/>
           </a:xfrm>
           <a:prstGeom prst="straightConnector1">
@@ -8831,7 +8790,7 @@
         </p:nvCxnSpPr>
         <p:spPr>
           <a:xfrm>
-            <a:off x="2695575" y="3114675"/>
+            <a:off x="2686050" y="2552700"/>
             <a:ext cx="1304925" cy="0"/>
           </a:xfrm>
           <a:prstGeom prst="straightConnector1">
@@ -8865,7 +8824,7 @@
         </p:nvSpPr>
         <p:spPr>
           <a:xfrm>
-            <a:off x="1808976" y="2791509"/>
+            <a:off x="1799451" y="2229534"/>
             <a:ext cx="748603" cy="584775"/>
           </a:xfrm>
           <a:prstGeom prst="rect">
@@ -8890,78 +8849,6 @@
               <a:t>6 VDC</a:t>
             </a:r>
             <a:endParaRPr lang="en-US" sz="1600" dirty="0"/>
-          </a:p>
-        </p:txBody>
-      </p:sp>
-      <p:cxnSp>
-        <p:nvCxnSpPr>
-          <p:cNvPr id="12" name="Straight Arrow Connector 11"/>
-          <p:cNvCxnSpPr/>
-          <p:nvPr/>
-        </p:nvCxnSpPr>
-        <p:spPr>
-          <a:xfrm>
-            <a:off x="7810500" y="1951764"/>
-            <a:ext cx="923925" cy="0"/>
-          </a:xfrm>
-          <a:prstGeom prst="straightConnector1">
-            <a:avLst/>
-          </a:prstGeom>
-          <a:ln>
-            <a:headEnd type="none" w="med" len="med"/>
-            <a:tailEnd type="arrow" w="med" len="med"/>
-          </a:ln>
-        </p:spPr>
-        <p:style>
-          <a:lnRef idx="3">
-            <a:schemeClr val="dk1"/>
-          </a:lnRef>
-          <a:fillRef idx="0">
-            <a:schemeClr val="dk1"/>
-          </a:fillRef>
-          <a:effectRef idx="2">
-            <a:schemeClr val="dk1"/>
-          </a:effectRef>
-          <a:fontRef idx="minor">
-            <a:schemeClr val="tx1"/>
-          </a:fontRef>
-        </p:style>
-      </p:cxnSp>
-      <p:sp>
-        <p:nvSpPr>
-          <p:cNvPr id="13" name="TextBox 12"/>
-          <p:cNvSpPr txBox="1"/>
-          <p:nvPr/>
-        </p:nvSpPr>
-        <p:spPr>
-          <a:xfrm>
-            <a:off x="8802130" y="1707715"/>
-            <a:ext cx="1120756" cy="646331"/>
-          </a:xfrm>
-          <a:prstGeom prst="rect">
-            <a:avLst/>
-          </a:prstGeom>
-          <a:noFill/>
-        </p:spPr>
-        <p:txBody>
-          <a:bodyPr wrap="none" rtlCol="0">
-            <a:spAutoFit/>
-          </a:bodyPr>
-          <a:lstStyle/>
-          <a:p>
-            <a:pPr algn="ctr"/>
-            <a:r>
-              <a:rPr lang="en-US" dirty="0" smtClean="0"/>
-              <a:t>Table Top </a:t>
-            </a:r>
-          </a:p>
-          <a:p>
-            <a:pPr algn="ctr"/>
-            <a:r>
-              <a:rPr lang="en-US" dirty="0" smtClean="0"/>
-              <a:t>Leveled</a:t>
-            </a:r>
-            <a:endParaRPr lang="en-US" dirty="0"/>
           </a:p>
         </p:txBody>
       </p:sp>
@@ -8973,7 +8860,7 @@
         </p:nvCxnSpPr>
         <p:spPr>
           <a:xfrm>
-            <a:off x="7810500" y="3539268"/>
+            <a:off x="7817600" y="2509844"/>
             <a:ext cx="923925" cy="0"/>
           </a:xfrm>
           <a:prstGeom prst="straightConnector1">
@@ -9007,7 +8894,7 @@
         </p:nvSpPr>
         <p:spPr>
           <a:xfrm>
-            <a:off x="8802130" y="3193475"/>
+            <a:off x="8809230" y="2164051"/>
             <a:ext cx="1280423" cy="646331"/>
           </a:xfrm>
           <a:prstGeom prst="rect">
@@ -9023,15 +8910,7 @@
           <a:p>
             <a:r>
               <a:rPr lang="en-US" dirty="0" smtClean="0"/>
-              <a:t>LED </a:t>
-            </a:r>
-            <a:r>
-              <a:rPr lang="en-US" dirty="0" smtClean="0"/>
-              <a:t>angle </a:t>
-            </a:r>
-            <a:r>
-              <a:rPr lang="en-US" dirty="0" smtClean="0"/>
-              <a:t/>
+              <a:t>LED angle </a:t>
             </a:r>
             <a:br>
               <a:rPr lang="en-US" dirty="0" smtClean="0"/>
@@ -9052,7 +8931,7 @@
         </p:nvSpPr>
         <p:spPr>
           <a:xfrm>
-            <a:off x="1403667" y="1689526"/>
+            <a:off x="1394142" y="1127551"/>
             <a:ext cx="1278892" cy="830997"/>
           </a:xfrm>
           <a:prstGeom prst="rect">
@@ -9084,14 +8963,14 @@
           <p:nvPr>
             <p:extLst>
               <p:ext uri="{D42A27DB-BD31-4B8C-83A1-F6EECF244321}">
-                <p14:modId xmlns:p14="http://schemas.microsoft.com/office/powerpoint/2010/main" val="116715300"/>
+                <p14:modId xmlns:p14="http://schemas.microsoft.com/office/powerpoint/2010/main" val="243439582"/>
               </p:ext>
             </p:extLst>
           </p:nvPr>
         </p:nvGraphicFramePr>
         <p:xfrm>
-          <a:off x="1160889" y="4552195"/>
-          <a:ext cx="9668787" cy="2113022"/>
+          <a:off x="1284714" y="3699986"/>
+          <a:ext cx="9668787" cy="2915791"/>
         </p:xfrm>
         <a:graphic>
           <a:graphicData uri="http://schemas.openxmlformats.org/drawingml/2006/table">
@@ -9157,23 +9036,31 @@
                     <a:bodyPr/>
                     <a:lstStyle/>
                     <a:p>
-                      <a:pPr marL="171450" indent="-171450">
+                      <a:pPr marL="0" indent="0">
                         <a:buFontTx/>
-                        <a:buChar char="-"/>
+                        <a:buNone/>
                       </a:pPr>
                       <a:r>
                         <a:rPr lang="en-US" sz="1100" baseline="0" dirty="0" smtClean="0"/>
-                        <a:t>Gravitational Accelerative Force: The external forces acting on the device, used to determine the angle of the device and set servo position</a:t>
+                        <a:t>- Gravitational </a:t>
+                      </a:r>
+                      <a:r>
+                        <a:rPr lang="en-US" sz="1100" baseline="0" dirty="0" smtClean="0"/>
+                        <a:t>Accelerative Force: The external forces acting on the device, used to determine the angle of the device and set servo position</a:t>
                       </a:r>
                     </a:p>
                     <a:p>
-                      <a:pPr marL="171450" indent="-171450">
+                      <a:pPr marL="0" indent="0">
                         <a:buFontTx/>
-                        <a:buChar char="-"/>
+                        <a:buNone/>
                       </a:pPr>
                       <a:r>
                         <a:rPr lang="en-US" sz="1100" baseline="0" dirty="0" smtClean="0"/>
-                        <a:t>Power: 6 VDC from batteries.</a:t>
+                        <a:t>- Power</a:t>
+                      </a:r>
+                      <a:r>
+                        <a:rPr lang="en-US" sz="1100" baseline="0" dirty="0" smtClean="0"/>
+                        <a:t>: 6 VDC from batteries.</a:t>
                       </a:r>
                     </a:p>
                   </a:txBody>
@@ -9200,21 +9087,7 @@
                     <a:bodyPr/>
                     <a:lstStyle/>
                     <a:p>
-                      <a:pPr marL="171450" indent="-171450">
-                        <a:buFontTx/>
-                        <a:buChar char="-"/>
-                      </a:pPr>
-                      <a:r>
-                        <a:rPr lang="en-US" sz="1100" dirty="0" smtClean="0"/>
-                        <a:t>Table Top Leveled: the</a:t>
-                      </a:r>
-                      <a:r>
-                        <a:rPr lang="en-US" sz="1100" baseline="0" dirty="0" smtClean="0"/>
-                        <a:t> top tray will become leveled using servos.</a:t>
-                      </a:r>
-                    </a:p>
-                    <a:p>
-                      <a:pPr marL="171450" marR="0" indent="-171450" algn="l" defTabSz="914400" rtl="0" eaLnBrk="1" fontAlgn="auto" latinLnBrk="0" hangingPunct="1">
+                      <a:pPr marL="0" marR="0" lvl="0" indent="0" algn="l" rtl="0">
                         <a:lnSpc>
                           <a:spcPct val="100000"/>
                         </a:lnSpc>
@@ -9224,48 +9097,39 @@
                         <a:spcAft>
                           <a:spcPts val="0"/>
                         </a:spcAft>
-                        <a:buClrTx/>
-                        <a:buSzTx/>
-                        <a:buFontTx/>
-                        <a:buChar char="-"/>
-                        <a:tabLst/>
-                        <a:defRPr/>
+                        <a:buClr>
+                          <a:schemeClr val="dk1"/>
+                        </a:buClr>
+                        <a:buSzPct val="100000"/>
+                        <a:buFont typeface="Calibri"/>
+                        <a:buNone/>
                       </a:pPr>
                       <a:r>
-                        <a:rPr lang="en-US" sz="1100" b="0" baseline="0" dirty="0" smtClean="0"/>
-                        <a:t>LED angle display: </a:t>
-                      </a:r>
-                      <a:r>
-                        <a:rPr lang="en-US" sz="1100" baseline="0" dirty="0" smtClean="0"/>
-                        <a:t>Decorative LED display based on each servo’s position. Using SPI interface.</a:t>
+                        <a:rPr lang="en" sz="1100" u="none" strike="noStrike" cap="none" baseline="0" dirty="0" smtClean="0"/>
+                        <a:t>- LED Angle Display: 15 LEDs lit up in different configurations. Lights up based on device tilt slowly changing colors. LEDs around the device become more blue on the device side that is tilted up. LEDs  around the device become more red on the device side that is tilted down.</a:t>
                       </a:r>
                     </a:p>
                     <a:p>
-                      <a:pPr marL="171450" marR="0" indent="-171450" algn="l" defTabSz="914400" rtl="0" eaLnBrk="1" fontAlgn="auto" latinLnBrk="0" hangingPunct="1">
-                        <a:lnSpc>
-                          <a:spcPct val="100000"/>
-                        </a:lnSpc>
+                      <a:pPr marL="0" marR="0" lvl="0" indent="0" algn="l" rtl="0">
                         <a:spcBef>
                           <a:spcPts val="0"/>
                         </a:spcBef>
-                        <a:spcAft>
-                          <a:spcPts val="0"/>
-                        </a:spcAft>
-                        <a:buClrTx/>
-                        <a:buSzTx/>
-                        <a:buFontTx/>
-                        <a:buChar char="-"/>
-                        <a:tabLst/>
-                        <a:defRPr/>
+                        <a:buClr>
+                          <a:schemeClr val="dk1"/>
+                        </a:buClr>
+                        <a:buSzPct val="25000"/>
+                        <a:buFont typeface="Calibri"/>
+                        <a:buNone/>
                       </a:pPr>
                       <a:r>
-                        <a:rPr lang="en-US" sz="1100" b="0" baseline="0" dirty="0" smtClean="0"/>
-                        <a:t>System Status: </a:t>
+                        <a:rPr lang="en" sz="1100" u="none" strike="noStrike" cap="none" baseline="0" dirty="0" smtClean="0"/>
+                        <a:t>- System status: 4 LEDs that light up on PCB</a:t>
                       </a:r>
                       <a:r>
-                        <a:rPr lang="en-US" sz="1100" baseline="0" dirty="0" smtClean="0"/>
-                        <a:t>4 LEDs representing transmission and error statuses. Using 3.3 V GPIO from microcontroller.</a:t>
+                        <a:rPr lang="en" sz="1100" dirty="0" smtClean="0"/>
+                        <a:t>. First LED is green, displays when tilt on the x axis reaches its limit. Second LED is yellow, displays when there is communication between the microcontroller and the servo controller. Third LED is yellow, displays when there is communication between the microcontroller and the accelerometer. Fourth LED is red, displays when the tilt on the y axis reaches its limit.</a:t>
                       </a:r>
+                      <a:endParaRPr lang="en" sz="1100" dirty="0"/>
                     </a:p>
                   </a:txBody>
                   <a:tcPr/>
@@ -9291,15 +9155,42 @@
                     <a:bodyPr/>
                     <a:lstStyle/>
                     <a:p>
+                      <a:pPr marL="0" marR="0" lvl="0" indent="0" algn="l" rtl="0">
+                        <a:spcBef>
+                          <a:spcPts val="0"/>
+                        </a:spcBef>
+                        <a:buSzPct val="25000"/>
+                        <a:buNone/>
+                      </a:pPr>
                       <a:r>
-                        <a:rPr lang="en-US" sz="1100" dirty="0" smtClean="0"/>
-                        <a:t>- Consists</a:t>
+                        <a:rPr lang="en" sz="1100" u="none" strike="noStrike" cap="none" baseline="0" dirty="0" smtClean="0"/>
+                        <a:t>- Consists of 2 layers</a:t>
                       </a:r>
                       <a:r>
-                        <a:rPr lang="en-US" sz="1100" baseline="0" dirty="0" smtClean="0"/>
-                        <a:t> of 2 layers, the base, housing the batteries, PCB, servos, and LEDs, and the top tray which will be leveled by servos. Receives input from an accelerometer and determines servo position to keep the top tray level.</a:t>
+                        <a:rPr lang="en" sz="1100" dirty="0" smtClean="0"/>
+                        <a:t>:</a:t>
                       </a:r>
-                      <a:endParaRPr lang="en-US" sz="1100" dirty="0"/>
+                      <a:r>
+                        <a:rPr lang="en" sz="1100" u="none" strike="noStrike" cap="none" baseline="0" dirty="0" smtClean="0"/>
+                        <a:t> the base</a:t>
+                      </a:r>
+                      <a:r>
+                        <a:rPr lang="en" sz="1100" dirty="0" smtClean="0"/>
+                        <a:t> (two triangular acrylic sheets enclosing </a:t>
+                      </a:r>
+                      <a:r>
+                        <a:rPr lang="en" sz="1100" u="none" strike="noStrike" cap="none" baseline="0" dirty="0" smtClean="0"/>
+                        <a:t>the batteries, PCB, servos, and LEDs), and the top tray (</a:t>
+                      </a:r>
+                      <a:r>
+                        <a:rPr lang="en" sz="1100" dirty="0" smtClean="0"/>
+                        <a:t>one triangular acrylic sheet</a:t>
+                      </a:r>
+                      <a:r>
+                        <a:rPr lang="en" sz="1100" u="none" strike="noStrike" cap="none" baseline="0" dirty="0" smtClean="0"/>
+                        <a:t> leveled by servos). Receives input from an accelerometer and determines servo position to keep the top tray level.</a:t>
+                      </a:r>
+                      <a:endParaRPr lang="en" sz="1100" u="none" strike="noStrike" cap="none" baseline="0" dirty="0"/>
                     </a:p>
                   </a:txBody>
                   <a:tcPr/>
@@ -9317,7 +9208,7 @@
         </p:nvSpPr>
         <p:spPr>
           <a:xfrm>
-            <a:off x="8867208" y="2544892"/>
+            <a:off x="8874308" y="1515468"/>
             <a:ext cx="990600" cy="646331"/>
           </a:xfrm>
           <a:prstGeom prst="rect">
@@ -9347,7 +9238,7 @@
         </p:nvCxnSpPr>
         <p:spPr>
           <a:xfrm>
-            <a:off x="7810500" y="2791509"/>
+            <a:off x="7817600" y="1762085"/>
             <a:ext cx="923925" cy="0"/>
           </a:xfrm>
           <a:prstGeom prst="straightConnector1">
@@ -9817,21 +9708,8 @@
                   <a:schemeClr val="tx1"/>
                 </a:solidFill>
               </a:rPr>
-              <a:t>Voltage </a:t>
-            </a:r>
-            <a:r>
-              <a:rPr lang="en-US" sz="1400" dirty="0" smtClean="0">
-                <a:solidFill>
-                  <a:schemeClr val="tx1"/>
-                </a:solidFill>
-              </a:rPr>
-              <a:t>Regulator</a:t>
-            </a:r>
-            <a:endParaRPr lang="en-US" sz="1400" dirty="0" smtClean="0">
-              <a:solidFill>
-                <a:schemeClr val="tx1"/>
-              </a:solidFill>
-            </a:endParaRPr>
+              <a:t>Voltage Regulator</a:t>
+            </a:r>
           </a:p>
           <a:p>
             <a:pPr algn="ctr"/>
@@ -10557,15 +10435,7 @@
             <a:pPr algn="ctr"/>
             <a:r>
               <a:rPr lang="en-US" sz="1600" dirty="0" smtClean="0"/>
-              <a:t>LED </a:t>
-            </a:r>
-            <a:r>
-              <a:rPr lang="en-US" sz="1600" dirty="0" smtClean="0"/>
-              <a:t>angle </a:t>
-            </a:r>
-            <a:r>
-              <a:rPr lang="en-US" sz="1600" dirty="0" smtClean="0"/>
-              <a:t/>
+              <a:t>LED angle </a:t>
             </a:r>
             <a:br>
               <a:rPr lang="en-US" sz="1600" dirty="0" smtClean="0"/>
@@ -12295,8 +12165,8 @@
         </p:nvSpPr>
         <p:spPr>
           <a:xfrm>
-            <a:off x="3354896" y="1447437"/>
-            <a:ext cx="351379" cy="215444"/>
+            <a:off x="3244825" y="1281499"/>
+            <a:ext cx="800219" cy="338554"/>
           </a:xfrm>
           <a:prstGeom prst="rect">
             <a:avLst/>
@@ -12309,11 +12179,17 @@
           </a:bodyPr>
           <a:lstStyle/>
           <a:p>
-            <a:pPr algn="ctr"/>
             <a:r>
               <a:rPr lang="en-US" sz="800" dirty="0" smtClean="0"/>
-              <a:t>TWI</a:t>
-            </a:r>
+              <a:t>Accelerometer</a:t>
+            </a:r>
+          </a:p>
+          <a:p>
+            <a:r>
+              <a:rPr lang="en-US" sz="800" dirty="0" smtClean="0"/>
+              <a:t>Initialization</a:t>
+            </a:r>
+            <a:endParaRPr lang="en-US" sz="800" dirty="0" smtClean="0"/>
           </a:p>
         </p:txBody>
       </p:sp>
@@ -12351,7 +12227,6 @@
               <a:rPr lang="en-US" sz="800" dirty="0"/>
               <a:t>control</a:t>
             </a:r>
-            <a:endParaRPr lang="en-US" sz="800" dirty="0"/>
           </a:p>
         </p:txBody>
       </p:sp>
@@ -12363,8 +12238,8 @@
         </p:nvSpPr>
         <p:spPr>
           <a:xfrm>
-            <a:off x="4930420" y="2671396"/>
-            <a:ext cx="564578" cy="338554"/>
+            <a:off x="4929978" y="2417082"/>
+            <a:ext cx="564578" cy="584775"/>
           </a:xfrm>
           <a:prstGeom prst="rect">
             <a:avLst/>
@@ -12379,14 +12254,28 @@
           <a:p>
             <a:pPr algn="ctr"/>
             <a:r>
-              <a:rPr lang="en-US" sz="800" dirty="0" smtClean="0"/>
+              <a:rPr lang="en-US" sz="800" smtClean="0"/>
               <a:t>Servo </a:t>
             </a:r>
           </a:p>
           <a:p>
             <a:pPr algn="ctr"/>
             <a:r>
-              <a:rPr lang="en-US" sz="800" dirty="0" smtClean="0"/>
+              <a:rPr lang="en-US" sz="800" smtClean="0"/>
+              <a:t>settings </a:t>
+            </a:r>
+          </a:p>
+          <a:p>
+            <a:pPr algn="ctr"/>
+            <a:r>
+              <a:rPr lang="en-US" sz="800" smtClean="0"/>
+              <a:t>and </a:t>
+            </a:r>
+          </a:p>
+          <a:p>
+            <a:pPr algn="ctr"/>
+            <a:r>
+              <a:rPr lang="en-US" sz="800" smtClean="0"/>
               <a:t>positions</a:t>
             </a:r>
             <a:endParaRPr lang="en-US" sz="800" dirty="0"/>
@@ -12560,8 +12449,8 @@
         </p:nvSpPr>
         <p:spPr>
           <a:xfrm>
-            <a:off x="7223911" y="3205165"/>
-            <a:ext cx="439544" cy="338554"/>
+            <a:off x="7099762" y="3122785"/>
+            <a:ext cx="567784" cy="630942"/>
           </a:xfrm>
           <a:prstGeom prst="rect">
             <a:avLst/>
@@ -12574,18 +12463,89 @@
           </a:bodyPr>
           <a:lstStyle/>
           <a:p>
-            <a:r>
-              <a:rPr lang="en-US" sz="800" dirty="0" smtClean="0"/>
+            <a:pPr defTabSz="914240">
+              <a:buSzPct val="25000"/>
+            </a:pPr>
+            <a:r>
+              <a:rPr lang="en" sz="700" dirty="0">
+                <a:ea typeface="Calibri"/>
+                <a:cs typeface="Calibri"/>
+                <a:sym typeface="Calibri"/>
+              </a:rPr>
               <a:t>PWM </a:t>
             </a:r>
             <a:br>
-              <a:rPr lang="en-US" sz="800" dirty="0" smtClean="0"/>
+              <a:rPr lang="en" sz="700" dirty="0">
+                <a:ea typeface="Calibri"/>
+                <a:cs typeface="Calibri"/>
+                <a:sym typeface="Calibri"/>
+              </a:rPr>
             </a:br>
             <a:r>
-              <a:rPr lang="en-US" sz="800" dirty="0" smtClean="0"/>
+              <a:rPr lang="en" sz="700" dirty="0">
+                <a:ea typeface="Calibri"/>
+                <a:cs typeface="Calibri"/>
+                <a:sym typeface="Calibri"/>
+              </a:rPr>
               <a:t>signal</a:t>
             </a:r>
-            <a:endParaRPr lang="en-US" sz="800" dirty="0"/>
+          </a:p>
+          <a:p>
+            <a:pPr defTabSz="914240">
+              <a:buSzPct val="25000"/>
+            </a:pPr>
+            <a:r>
+              <a:rPr lang="en" sz="700" dirty="0">
+                <a:ea typeface="Calibri"/>
+                <a:cs typeface="Calibri"/>
+                <a:sym typeface="Calibri"/>
+              </a:rPr>
+              <a:t>specifying </a:t>
+            </a:r>
+            <a:endParaRPr lang="en" sz="700" dirty="0" smtClean="0">
+              <a:ea typeface="Calibri"/>
+              <a:cs typeface="Calibri"/>
+              <a:sym typeface="Calibri"/>
+            </a:endParaRPr>
+          </a:p>
+          <a:p>
+            <a:pPr defTabSz="914240">
+              <a:buSzPct val="25000"/>
+            </a:pPr>
+            <a:r>
+              <a:rPr lang="en" sz="700" dirty="0" smtClean="0">
+                <a:ea typeface="Calibri"/>
+                <a:cs typeface="Calibri"/>
+                <a:sym typeface="Calibri"/>
+              </a:rPr>
+              <a:t>servo </a:t>
+            </a:r>
+            <a:r>
+              <a:rPr lang="en" sz="700" dirty="0">
+                <a:ea typeface="Calibri"/>
+                <a:cs typeface="Calibri"/>
+                <a:sym typeface="Calibri"/>
+              </a:rPr>
+              <a:t>arm</a:t>
+            </a:r>
+          </a:p>
+          <a:p>
+            <a:pPr defTabSz="914240">
+              <a:buSzPct val="25000"/>
+            </a:pPr>
+            <a:r>
+              <a:rPr lang="en" sz="700" dirty="0">
+                <a:ea typeface="Calibri"/>
+                <a:cs typeface="Calibri"/>
+                <a:sym typeface="Calibri"/>
+              </a:rPr>
+              <a:t>position</a:t>
+            </a:r>
+            <a:endParaRPr lang="en" sz="700" dirty="0">
+              <a:ea typeface="Calibri"/>
+              <a:cs typeface="Calibri"/>
+              <a:sym typeface="Calibri"/>
+            </a:endParaRPr>
           </a:p>
         </p:txBody>
       </p:sp>
@@ -12863,6 +12823,46 @@
           </a:fontRef>
         </p:style>
       </p:cxnSp>
+      <p:sp>
+        <p:nvSpPr>
+          <p:cNvPr id="2" name="TextBox 1"/>
+          <p:cNvSpPr txBox="1"/>
+          <p:nvPr/>
+        </p:nvSpPr>
+        <p:spPr>
+          <a:xfrm>
+            <a:off x="3233709" y="1780591"/>
+            <a:ext cx="700249" cy="338554"/>
+          </a:xfrm>
+          <a:prstGeom prst="rect">
+            <a:avLst/>
+          </a:prstGeom>
+          <a:noFill/>
+        </p:spPr>
+        <p:txBody>
+          <a:bodyPr wrap="square" rtlCol="0">
+            <a:spAutoFit/>
+          </a:bodyPr>
+          <a:lstStyle/>
+          <a:p>
+            <a:r>
+              <a:rPr lang="en-US" sz="800" dirty="0"/>
+              <a:t>x</a:t>
+            </a:r>
+            <a:r>
+              <a:rPr lang="en-US" sz="800" dirty="0" smtClean="0"/>
+              <a:t> y z </a:t>
+            </a:r>
+          </a:p>
+          <a:p>
+            <a:r>
+              <a:rPr lang="en-US" sz="800" dirty="0" smtClean="0"/>
+              <a:t>values</a:t>
+            </a:r>
+            <a:endParaRPr lang="en-US" sz="800" dirty="0"/>
+          </a:p>
+        </p:txBody>
+      </p:sp>
     </p:spTree>
     <p:extLst>
       <p:ext uri="{BB962C8B-B14F-4D97-AF65-F5344CB8AC3E}">
@@ -12926,7 +12926,6 @@
               <a:rPr lang="en-US" sz="3200" dirty="0" smtClean="0"/>
               <a:t>Accelerometer: Level 0</a:t>
             </a:r>
-            <a:endParaRPr lang="en-US" sz="3200" dirty="0" smtClean="0"/>
           </a:p>
         </p:txBody>
       </p:sp>
@@ -12989,7 +12988,7 @@
         </p:nvCxnSpPr>
         <p:spPr>
           <a:xfrm>
-            <a:off x="2565206" y="1843461"/>
+            <a:off x="2565206" y="1757736"/>
             <a:ext cx="1304925" cy="0"/>
           </a:xfrm>
           <a:prstGeom prst="straightConnector1">
@@ -13023,7 +13022,7 @@
         </p:nvCxnSpPr>
         <p:spPr>
           <a:xfrm>
-            <a:off x="2565206" y="2932623"/>
+            <a:off x="2565206" y="3199323"/>
             <a:ext cx="1304925" cy="0"/>
           </a:xfrm>
           <a:prstGeom prst="straightConnector1">
@@ -13057,8 +13056,8 @@
         </p:nvSpPr>
         <p:spPr>
           <a:xfrm>
-            <a:off x="1503678" y="2609458"/>
-            <a:ext cx="926857" cy="646331"/>
+            <a:off x="1708689" y="2906935"/>
+            <a:ext cx="843501" cy="584775"/>
           </a:xfrm>
           <a:prstGeom prst="rect">
             <a:avLst/>
@@ -13072,24 +13071,16 @@
           <a:lstStyle/>
           <a:p>
             <a:r>
-              <a:rPr lang="en-US" dirty="0" smtClean="0"/>
+              <a:rPr lang="en-US" sz="1600" dirty="0" smtClean="0"/>
               <a:t>Power,</a:t>
             </a:r>
           </a:p>
           <a:p>
             <a:r>
-              <a:rPr lang="en-US" dirty="0" smtClean="0"/>
-              <a:t>3.3</a:t>
-            </a:r>
-            <a:r>
-              <a:rPr lang="en-US" dirty="0" smtClean="0"/>
-              <a:t> </a:t>
-            </a:r>
-            <a:r>
-              <a:rPr lang="en-US" dirty="0" smtClean="0"/>
-              <a:t>VDC</a:t>
-            </a:r>
-            <a:endParaRPr lang="en-US" dirty="0"/>
+              <a:rPr lang="en-US" sz="1600" dirty="0" smtClean="0"/>
+              <a:t>3.3 VDC</a:t>
+            </a:r>
+            <a:endParaRPr lang="en-US" sz="1600" dirty="0"/>
           </a:p>
         </p:txBody>
       </p:sp>
@@ -13101,8 +13092,8 @@
         </p:nvSpPr>
         <p:spPr>
           <a:xfrm>
-            <a:off x="9158994" y="2305126"/>
-            <a:ext cx="559769" cy="369332"/>
+            <a:off x="8824065" y="2305126"/>
+            <a:ext cx="1229632" cy="369332"/>
           </a:xfrm>
           <a:prstGeom prst="rect">
             <a:avLst/>
@@ -13118,7 +13109,7 @@
             <a:pPr algn="ctr"/>
             <a:r>
               <a:rPr lang="en-US" dirty="0" smtClean="0"/>
-              <a:t>TWI</a:t>
+              <a:t>x y z values</a:t>
             </a:r>
             <a:endParaRPr lang="en-US" dirty="0"/>
           </a:p>
@@ -13133,14 +13124,14 @@
           <p:nvPr>
             <p:extLst>
               <p:ext uri="{D42A27DB-BD31-4B8C-83A1-F6EECF244321}">
-                <p14:modId xmlns:p14="http://schemas.microsoft.com/office/powerpoint/2010/main" val="42348870"/>
+                <p14:modId xmlns:p14="http://schemas.microsoft.com/office/powerpoint/2010/main" val="2834272431"/>
               </p:ext>
             </p:extLst>
           </p:nvPr>
         </p:nvGraphicFramePr>
         <p:xfrm>
-          <a:off x="1160889" y="4552195"/>
-          <a:ext cx="9668787" cy="2148453"/>
+          <a:off x="1169175" y="4006510"/>
+          <a:ext cx="9668787" cy="2483733"/>
         </p:xfrm>
         <a:graphic>
           <a:graphicData uri="http://schemas.openxmlformats.org/drawingml/2006/table">
@@ -13202,34 +13193,64 @@
                     <a:bodyPr/>
                     <a:lstStyle/>
                     <a:p>
-                      <a:pPr marL="171450" indent="-171450">
-                        <a:buFontTx/>
-                        <a:buChar char="-"/>
+                      <a:pPr marL="0" marR="0" lvl="0" indent="0" algn="l" rtl="0">
+                        <a:spcBef>
+                          <a:spcPts val="0"/>
+                        </a:spcBef>
+                        <a:buClr>
+                          <a:schemeClr val="dk1"/>
+                        </a:buClr>
+                        <a:buSzPct val="100000"/>
+                        <a:buFont typeface="Calibri"/>
+                        <a:buNone/>
                       </a:pPr>
                       <a:r>
-                        <a:rPr lang="en-US" sz="1100" baseline="0" dirty="0" smtClean="0"/>
-                        <a:t>Gravitational Accelerative Force: The accelerative force acting on the accelerometer</a:t>
+                        <a:rPr lang="en" sz="1100" u="none" strike="noStrike" cap="none" baseline="0" dirty="0" smtClean="0"/>
+                        <a:t>- Gravitational Accelerative Force: The accelerative force acting on the accelerometer</a:t>
                       </a:r>
                     </a:p>
                     <a:p>
-                      <a:pPr marL="171450" indent="-171450">
-                        <a:buFontTx/>
-                        <a:buChar char="-"/>
+                      <a:pPr marL="0" marR="0" lvl="0" indent="0" algn="l" rtl="0">
+                        <a:spcBef>
+                          <a:spcPts val="0"/>
+                        </a:spcBef>
+                        <a:buClr>
+                          <a:schemeClr val="dk1"/>
+                        </a:buClr>
+                        <a:buSzPct val="100000"/>
+                        <a:buFont typeface="Calibri"/>
+                        <a:buNone/>
                       </a:pPr>
                       <a:r>
-                        <a:rPr lang="en-US" sz="1100" baseline="0" dirty="0" smtClean="0"/>
-                        <a:t>Power:  Regulated 3.3 VDC</a:t>
+                        <a:rPr lang="en" sz="1100" u="none" strike="noStrike" cap="none" baseline="0" dirty="0" smtClean="0"/>
+                        <a:t>- Power:  Regulated 3.3 VDC</a:t>
                       </a:r>
                     </a:p>
                     <a:p>
-                      <a:pPr marL="171450" indent="-171450">
-                        <a:buFontTx/>
-                        <a:buChar char="-"/>
+                      <a:pPr marL="0" marR="0" lvl="0" indent="0" algn="l" rtl="0">
+                        <a:spcBef>
+                          <a:spcPts val="0"/>
+                        </a:spcBef>
+                        <a:buClr>
+                          <a:schemeClr val="dk1"/>
+                        </a:buClr>
+                        <a:buSzPct val="100000"/>
+                        <a:buFont typeface="Calibri"/>
+                        <a:buNone/>
                       </a:pPr>
                       <a:r>
-                        <a:rPr lang="en-US" sz="1100" baseline="0" dirty="0" smtClean="0"/>
-                        <a:t>Initialization: Set 50 Hz sample rate, fast read mode (ignore last 4 data bits for x y z output), and activate output. Communicated via TWI</a:t>
+                        <a:rPr lang="en" sz="1100" dirty="0" smtClean="0"/>
+                        <a:t>- Accelerometer Initialization</a:t>
                       </a:r>
+                      <a:r>
+                        <a:rPr lang="en" sz="1100" u="none" strike="noStrike" cap="none" baseline="0" dirty="0" smtClean="0"/>
+                        <a:t>: Set 50 Hz sample rate, fast read mode (ignore last 4 data bits for x y z output), and activate output. Communicated via TWI</a:t>
+                      </a:r>
+                      <a:r>
+                        <a:rPr lang="en" sz="1100" dirty="0" smtClean="0"/>
+                        <a:t>. TWI format - send start condition, send accelerometer slave address (0x3A), send register to write to (0x23 - system control register 1), send value to put in register (0x23 - bit 5 = 1 bit 4 = 0 bit 3 = 0 data rate to 50 Hz, bit 1 = 1 fast read mode, bit 0 = 1 active mode), send stop condition.</a:t>
+                      </a:r>
+                      <a:endParaRPr lang="en" sz="1100" dirty="0"/>
                     </a:p>
                   </a:txBody>
                   <a:tcPr/>
@@ -13255,19 +13276,22 @@
                     <a:bodyPr/>
                     <a:lstStyle/>
                     <a:p>
-                      <a:pPr marL="171450" indent="-171450">
+                      <a:pPr marL="0" indent="0">
                         <a:buFontTx/>
-                        <a:buChar char="-"/>
+                        <a:buNone/>
                       </a:pPr>
                       <a:r>
                         <a:rPr lang="en-US" sz="1100" dirty="0" smtClean="0"/>
-                        <a:t>x y z values</a:t>
+                        <a:t>- x </a:t>
+                      </a:r>
+                      <a:r>
+                        <a:rPr lang="en-US" sz="1100" dirty="0" smtClean="0"/>
+                        <a:t>y z values</a:t>
                       </a:r>
                       <a:r>
                         <a:rPr lang="en-US" sz="1100" baseline="0" dirty="0" smtClean="0"/>
                         <a:t>: 8 most significant bits of 12, expressed in 2’s complement, representing 1 of 256 values on a ± 2 g scale transmitted over TWI</a:t>
                       </a:r>
-                      <a:endParaRPr lang="en-US" sz="1100" baseline="0" dirty="0" smtClean="0"/>
                     </a:p>
                   </a:txBody>
                   <a:tcPr/>
@@ -13295,11 +13319,23 @@
                     <a:p>
                       <a:r>
                         <a:rPr lang="en-US" sz="1100" dirty="0" smtClean="0"/>
-                        <a:t>- Measures</a:t>
+                        <a:t>-</a:t>
                       </a:r>
                       <a:r>
                         <a:rPr lang="en-US" sz="1100" baseline="0" dirty="0" smtClean="0"/>
-                        <a:t> the accelerative forces, and outputs the values of the x y z directions. </a:t>
+                        <a:t> </a:t>
+                      </a:r>
+                      <a:r>
+                        <a:rPr lang="en-US" sz="1100" dirty="0" smtClean="0"/>
+                        <a:t>Measures</a:t>
+                      </a:r>
+                      <a:r>
+                        <a:rPr lang="en-US" sz="1100" baseline="0" dirty="0" smtClean="0"/>
+                        <a:t> </a:t>
+                      </a:r>
+                      <a:r>
+                        <a:rPr lang="en-US" sz="1100" baseline="0" dirty="0" smtClean="0"/>
+                        <a:t>the accelerative forces, and outputs the values of the x y z directions. </a:t>
                       </a:r>
                       <a:endParaRPr lang="en-US" sz="1100" dirty="0"/>
                     </a:p>
@@ -13319,7 +13355,7 @@
         </p:nvSpPr>
         <p:spPr>
           <a:xfrm>
-            <a:off x="1273298" y="1474129"/>
+            <a:off x="1263629" y="1406752"/>
             <a:ext cx="1278892" cy="830997"/>
           </a:xfrm>
           <a:prstGeom prst="rect">
@@ -13353,7 +13389,7 @@
         <p:spPr>
           <a:xfrm>
             <a:off x="7680131" y="2486025"/>
-            <a:ext cx="1478863" cy="3767"/>
+            <a:ext cx="1143934" cy="3767"/>
           </a:xfrm>
           <a:prstGeom prst="straightConnector1">
             <a:avLst/>
@@ -13375,6 +13411,71 @@
           </a:fillRef>
           <a:effectRef idx="0">
             <a:schemeClr val="accent1"/>
+          </a:effectRef>
+          <a:fontRef idx="minor">
+            <a:schemeClr val="tx1"/>
+          </a:fontRef>
+        </p:style>
+      </p:cxnSp>
+      <p:sp>
+        <p:nvSpPr>
+          <p:cNvPr id="11" name="TextBox 10"/>
+          <p:cNvSpPr txBox="1"/>
+          <p:nvPr/>
+        </p:nvSpPr>
+        <p:spPr>
+          <a:xfrm>
+            <a:off x="1169175" y="2289588"/>
+            <a:ext cx="1471324" cy="584775"/>
+          </a:xfrm>
+          <a:prstGeom prst="rect">
+            <a:avLst/>
+          </a:prstGeom>
+          <a:noFill/>
+        </p:spPr>
+        <p:txBody>
+          <a:bodyPr wrap="square" rtlCol="0">
+            <a:spAutoFit/>
+          </a:bodyPr>
+          <a:lstStyle/>
+          <a:p>
+            <a:pPr algn="ctr"/>
+            <a:r>
+              <a:rPr lang="en-US" sz="1600" dirty="0" smtClean="0"/>
+              <a:t>Accelerometer Initialization</a:t>
+            </a:r>
+            <a:endParaRPr lang="en-US" sz="1600" dirty="0"/>
+          </a:p>
+        </p:txBody>
+      </p:sp>
+      <p:cxnSp>
+        <p:nvCxnSpPr>
+          <p:cNvPr id="12" name="Straight Arrow Connector 11"/>
+          <p:cNvCxnSpPr/>
+          <p:nvPr/>
+        </p:nvCxnSpPr>
+        <p:spPr>
+          <a:xfrm>
+            <a:off x="2565206" y="2566687"/>
+            <a:ext cx="1304925" cy="0"/>
+          </a:xfrm>
+          <a:prstGeom prst="straightConnector1">
+            <a:avLst/>
+          </a:prstGeom>
+          <a:ln>
+            <a:headEnd type="none" w="med" len="med"/>
+            <a:tailEnd type="arrow" w="med" len="med"/>
+          </a:ln>
+        </p:spPr>
+        <p:style>
+          <a:lnRef idx="3">
+            <a:schemeClr val="dk1"/>
+          </a:lnRef>
+          <a:fillRef idx="0">
+            <a:schemeClr val="dk1"/>
+          </a:fillRef>
+          <a:effectRef idx="2">
+            <a:schemeClr val="dk1"/>
           </a:effectRef>
           <a:fontRef idx="minor">
             <a:schemeClr val="tx1"/>
@@ -13454,13 +13555,8 @@
             </a:r>
             <a:r>
               <a:rPr lang="en-US" sz="3200" dirty="0" smtClean="0"/>
-              <a:t>3.3V</a:t>
-            </a:r>
-            <a:r>
-              <a:rPr lang="en-US" sz="3200" dirty="0" smtClean="0"/>
-              <a:t>: Level 0</a:t>
-            </a:r>
-            <a:endParaRPr lang="en-US" sz="3200" dirty="0" smtClean="0"/>
+              <a:t>3.3V: Level 0</a:t>
+            </a:r>
           </a:p>
         </p:txBody>
       </p:sp>
@@ -13518,11 +13614,6 @@
               </a:rPr>
               <a:t>6V to 3.3V</a:t>
             </a:r>
-            <a:endParaRPr lang="en-US" sz="2800" dirty="0">
-              <a:solidFill>
-                <a:schemeClr val="tx1"/>
-              </a:solidFill>
-            </a:endParaRPr>
           </a:p>
         </p:txBody>
       </p:sp>
@@ -13823,11 +13914,7 @@
           <a:p>
             <a:r>
               <a:rPr lang="en-US" dirty="0" smtClean="0"/>
-              <a:t>3.3 </a:t>
-            </a:r>
-            <a:r>
-              <a:rPr lang="en-US" dirty="0" smtClean="0"/>
-              <a:t>VDC</a:t>
+              <a:t>3.3 VDC</a:t>
             </a:r>
             <a:endParaRPr lang="en-US" dirty="0"/>
           </a:p>
@@ -13906,13 +13993,8 @@
             </a:r>
             <a:r>
               <a:rPr lang="en-US" sz="3200" dirty="0" smtClean="0"/>
-              <a:t>5V</a:t>
-            </a:r>
-            <a:r>
-              <a:rPr lang="en-US" sz="3200" dirty="0" smtClean="0"/>
-              <a:t>: Level 0</a:t>
-            </a:r>
-            <a:endParaRPr lang="en-US" sz="3200" dirty="0" smtClean="0"/>
+              <a:t>5V: Level 0</a:t>
+            </a:r>
           </a:p>
         </p:txBody>
       </p:sp>
@@ -14283,11 +14365,7 @@
             </a:r>
             <a:r>
               <a:rPr lang="en-US" dirty="0" smtClean="0"/>
-              <a:t> </a:t>
-            </a:r>
-            <a:r>
-              <a:rPr lang="en-US" dirty="0" smtClean="0"/>
-              <a:t>VDC</a:t>
+              <a:t> VDC</a:t>
             </a:r>
             <a:endParaRPr lang="en-US" dirty="0"/>
           </a:p>
@@ -14356,7 +14434,6 @@
               <a:rPr lang="en-US" sz="3200" dirty="0" smtClean="0"/>
               <a:t>Microcontroller: Level 0</a:t>
             </a:r>
-            <a:endParaRPr lang="en-US" sz="3200" dirty="0" smtClean="0"/>
           </a:p>
         </p:txBody>
       </p:sp>
@@ -14368,8 +14445,8 @@
         </p:nvSpPr>
         <p:spPr>
           <a:xfrm>
-            <a:off x="3870131" y="1252911"/>
-            <a:ext cx="3810000" cy="2476500"/>
+            <a:off x="3928115" y="1064975"/>
+            <a:ext cx="3043906" cy="1675017"/>
           </a:xfrm>
           <a:prstGeom prst="rect">
             <a:avLst/>
@@ -14419,7 +14496,7 @@
         </p:nvCxnSpPr>
         <p:spPr>
           <a:xfrm>
-            <a:off x="2565206" y="2047875"/>
+            <a:off x="2623189" y="1354368"/>
             <a:ext cx="1304925" cy="0"/>
           </a:xfrm>
           <a:prstGeom prst="straightConnector1">
@@ -14454,14 +14531,14 @@
           <p:nvPr>
             <p:extLst>
               <p:ext uri="{D42A27DB-BD31-4B8C-83A1-F6EECF244321}">
-                <p14:modId xmlns:p14="http://schemas.microsoft.com/office/powerpoint/2010/main" val="2117675283"/>
+                <p14:modId xmlns:p14="http://schemas.microsoft.com/office/powerpoint/2010/main" val="1521542458"/>
               </p:ext>
             </p:extLst>
           </p:nvPr>
         </p:nvGraphicFramePr>
         <p:xfrm>
-          <a:off x="1160889" y="4552195"/>
-          <a:ext cx="9668787" cy="2280662"/>
+          <a:off x="247650" y="2884912"/>
+          <a:ext cx="11830049" cy="3860671"/>
         </p:xfrm>
         <a:graphic>
           <a:graphicData uri="http://schemas.openxmlformats.org/drawingml/2006/table">
@@ -14470,10 +14547,10 @@
                 <a:tableStyleId>{5C22544A-7EE6-4342-B048-85BDC9FD1C3A}</a:tableStyleId>
               </a:tblPr>
               <a:tblGrid>
-                <a:gridCol w="2299193"/>
-                <a:gridCol w="7369594"/>
+                <a:gridCol w="1412694"/>
+                <a:gridCol w="10417355"/>
               </a:tblGrid>
-              <a:tr h="462151">
+              <a:tr h="234062">
                 <a:tc>
                   <a:txBody>
                     <a:bodyPr/>
@@ -14523,39 +14600,56 @@
                     <a:bodyPr/>
                     <a:lstStyle/>
                     <a:p>
-                      <a:pPr marL="171450" indent="-171450">
-                        <a:buFontTx/>
-                        <a:buChar char="-"/>
+                      <a:pPr marL="0" marR="0" lvl="0" indent="0" algn="l" rtl="0">
+                        <a:spcBef>
+                          <a:spcPts val="0"/>
+                        </a:spcBef>
+                        <a:buClr>
+                          <a:schemeClr val="dk1"/>
+                        </a:buClr>
+                        <a:buSzPct val="100000"/>
+                        <a:buFont typeface="Calibri"/>
+                        <a:buNone/>
                       </a:pPr>
                       <a:r>
-                        <a:rPr lang="en-US" sz="1100" baseline="0" dirty="0" smtClean="0"/>
-                        <a:t>Power: Regulated 3.3 VDC </a:t>
+                        <a:rPr lang="en" sz="1100" u="none" strike="noStrike" cap="none" baseline="0" dirty="0" smtClean="0"/>
+                        <a:t>- Power: Regulated 3.3 VDC </a:t>
                       </a:r>
                     </a:p>
                     <a:p>
-                      <a:pPr marL="171450" indent="-171450">
-                        <a:buFontTx/>
-                        <a:buChar char="-"/>
+                      <a:pPr marL="0" marR="0" lvl="0" indent="0" algn="l" rtl="0">
+                        <a:spcBef>
+                          <a:spcPts val="0"/>
+                        </a:spcBef>
+                        <a:buClr>
+                          <a:schemeClr val="dk1"/>
+                        </a:buClr>
+                        <a:buSzPct val="100000"/>
+                        <a:buFont typeface="Calibri"/>
+                        <a:buNone/>
                       </a:pPr>
                       <a:r>
-                        <a:rPr lang="en-US" sz="1100" baseline="0" dirty="0" smtClean="0"/>
-                        <a:t>Clock: 8 MHz </a:t>
+                        <a:rPr lang="en" sz="1100" u="none" strike="noStrike" cap="none" baseline="0" dirty="0" smtClean="0"/>
+                        <a:t>- Clock: 8 MHz </a:t>
                       </a:r>
                     </a:p>
                     <a:p>
-                      <a:pPr marL="171450" indent="-171450">
-                        <a:buFontTx/>
-                        <a:buChar char="-"/>
+                      <a:pPr marL="0" marR="0" lvl="0" indent="0" algn="l" rtl="0">
+                        <a:spcBef>
+                          <a:spcPts val="0"/>
+                        </a:spcBef>
+                        <a:buClr>
+                          <a:schemeClr val="dk1"/>
+                        </a:buClr>
+                        <a:buSzPct val="100000"/>
+                        <a:buFont typeface="Calibri"/>
+                        <a:buNone/>
                       </a:pPr>
                       <a:r>
-                        <a:rPr lang="en-US" sz="1100" baseline="0" dirty="0" smtClean="0"/>
-                        <a:t>TWI x y z input: </a:t>
+                        <a:rPr lang="en" sz="1100" u="none" strike="noStrike" cap="none" baseline="0" dirty="0" smtClean="0"/>
+                        <a:t>- x y z input: 8 most significant bits of 12, expressed in 2’s complement, representing 1 of 256 values on a ± 2 g scale transmitted over TWI</a:t>
                       </a:r>
-                      <a:r>
-                        <a:rPr lang="en-US" sz="1100" baseline="0" dirty="0" smtClean="0"/>
-                        <a:t>8 most significant bits of 12, expressed in 2’s complement, representing 1 of 256 values on a ± 2 g scale transmitted over TWI</a:t>
-                      </a:r>
-                      <a:endParaRPr lang="en-US" sz="1100" baseline="0" dirty="0" smtClean="0"/>
+                      <a:endParaRPr lang="en" sz="1100" u="none" strike="noStrike" cap="none" baseline="0" dirty="0"/>
                     </a:p>
                   </a:txBody>
                   <a:tcPr/>
@@ -14581,34 +14675,108 @@
                     <a:bodyPr/>
                     <a:lstStyle/>
                     <a:p>
-                      <a:pPr marL="171450" indent="-171450">
-                        <a:buFontTx/>
-                        <a:buChar char="-"/>
+                      <a:pPr marL="0" marR="0" lvl="0" indent="0" algn="l" rtl="0">
+                        <a:lnSpc>
+                          <a:spcPct val="100000"/>
+                        </a:lnSpc>
+                        <a:spcBef>
+                          <a:spcPts val="0"/>
+                        </a:spcBef>
+                        <a:spcAft>
+                          <a:spcPts val="0"/>
+                        </a:spcAft>
+                        <a:buClr>
+                          <a:schemeClr val="dk1"/>
+                        </a:buClr>
+                        <a:buSzPct val="100000"/>
+                        <a:buFont typeface="Calibri"/>
+                        <a:buNone/>
                       </a:pPr>
                       <a:r>
-                        <a:rPr lang="en-US" sz="1100" baseline="0" dirty="0" smtClean="0"/>
-                        <a:t>LED Strip Control: Decorative LED display based on each servo’s position. Communicated via SPI</a:t>
+                        <a:rPr lang="en" sz="1100" u="none" strike="noStrike" cap="none" baseline="0" dirty="0" smtClean="0"/>
+                        <a:t>- LED Strip control: which LEDs to light up. Communicated via SPI. Send 24 bit color pattern, shifted through the strip.</a:t>
                       </a:r>
                     </a:p>
                     <a:p>
-                      <a:pPr marL="171450" indent="-171450">
-                        <a:buFontTx/>
-                        <a:buChar char="-"/>
+                      <a:pPr marL="0" marR="0" lvl="0" indent="0" algn="l" rtl="0">
+                        <a:spcBef>
+                          <a:spcPts val="0"/>
+                        </a:spcBef>
+                        <a:buClr>
+                          <a:schemeClr val="dk1"/>
+                        </a:buClr>
+                        <a:buSzPct val="100000"/>
+                        <a:buFont typeface="Calibri"/>
+                        <a:buNone/>
                       </a:pPr>
                       <a:r>
-                        <a:rPr lang="en-US" sz="1100" baseline="0" dirty="0" smtClean="0"/>
-                        <a:t>Status info: 4 LEDs representing transmission and error statuses. Using 3.3 V GPIO</a:t>
+                        <a:rPr lang="en" sz="1100" u="none" strike="noStrike" cap="none" baseline="0" dirty="0" smtClean="0"/>
+                        <a:t>- Status info: 4 LEDs representing transmission </a:t>
+                      </a:r>
+                      <a:r>
+                        <a:rPr lang="en" sz="1100" dirty="0" smtClean="0"/>
+                        <a:t>maximum tilt statuses</a:t>
+                      </a:r>
+                      <a:r>
+                        <a:rPr lang="en" sz="1100" u="none" strike="noStrike" cap="none" baseline="0" dirty="0" smtClean="0"/>
+                        <a:t>. Using 3.3 V GPIO.</a:t>
+                      </a:r>
+                      <a:r>
+                        <a:rPr lang="en" sz="1100" dirty="0" smtClean="0"/>
+                        <a:t> 1 green LED displaying when the tilt on the x axis has reached its limit. 2 yellow LEDs displaying when there is communication between the microcontroller and the accelerometer/servo controller. 1 Red LED displaying when the tilt on the y axis has reached its limit.</a:t>
                       </a:r>
                     </a:p>
                     <a:p>
-                      <a:pPr marL="171450" indent="-171450">
-                        <a:buFontTx/>
-                        <a:buChar char="-"/>
+                      <a:pPr marL="0" lvl="0" indent="0" rtl="0">
+                        <a:spcBef>
+                          <a:spcPts val="0"/>
+                        </a:spcBef>
+                        <a:buClr>
+                          <a:schemeClr val="dk1"/>
+                        </a:buClr>
+                        <a:buSzPct val="100000"/>
+                        <a:buFont typeface="Calibri"/>
+                        <a:buNone/>
                       </a:pPr>
                       <a:r>
-                        <a:rPr lang="en-US" sz="1100" baseline="0" dirty="0" smtClean="0"/>
-                        <a:t>Servo position: send servo number and corresponding pulse width value. Communicated via USART</a:t>
+                        <a:rPr lang="en" sz="1100" dirty="0" smtClean="0"/>
+                        <a:t>- Servo settings: Set the speed of the servos. speed limit is given in units of (0.25 μs)/(10 ms). Communicated via USART. Incoming communications can have varying baud rates but the ideal baud rate is 9600. Transmissions must follow the pololu protocol format and be transmitted one byte at a time (0xAA baud rate detection byte, 0x0C device ID of servo controller, 0x07 command byte to set servo speed, &lt;channel number&gt; channel of the servo that you want to set the speed, &lt;servo speed MSB&gt; least significant byte of speed value, &lt;servo speed MSB&gt; most significant byte of speed value)</a:t>
                       </a:r>
+                    </a:p>
+                    <a:p>
+                      <a:pPr marL="0" lvl="0" indent="0" rtl="0">
+                        <a:spcBef>
+                          <a:spcPts val="0"/>
+                        </a:spcBef>
+                        <a:buClr>
+                          <a:schemeClr val="dk1"/>
+                        </a:buClr>
+                        <a:buSzPct val="100000"/>
+                        <a:buFont typeface="Calibri"/>
+                        <a:buNone/>
+                      </a:pPr>
+                      <a:r>
+                        <a:rPr lang="en" sz="1100" dirty="0" smtClean="0"/>
+                        <a:t>- Servo positions: pulse width values in quarter µs (integer) and target servo to move. Communicated via USART. Incoming communications can have varying baud rates but the ideal baud rate is 9600. Transmissions must follow the pololu protocol format and be transmitted one byte at a time (0xAA baud rate detection byte, 0x0C device ID of servo controller, 0x04 command byte to set servo positions, &lt;channel number&gt; channel of the servo that you want to set the position of, &lt;servo position LSB&gt; least significant byte of PWM value, &lt;servo position MSB&gt; most significant byte of PWM value)</a:t>
+                      </a:r>
+                    </a:p>
+                    <a:p>
+                      <a:pPr marL="0" marR="0" lvl="0" indent="0" algn="l" rtl="0">
+                        <a:spcBef>
+                          <a:spcPts val="0"/>
+                        </a:spcBef>
+                        <a:buClr>
+                          <a:schemeClr val="dk1"/>
+                        </a:buClr>
+                        <a:buSzPct val="100000"/>
+                        <a:buFont typeface="Calibri"/>
+                        <a:buNone/>
+                      </a:pPr>
+                      <a:r>
+                        <a:rPr lang="en" sz="1100" dirty="0" smtClean="0"/>
+                        <a:t>- Accelerometer Initialization: Set 50 Hz sample rate, fast read mode (ignore last 4 data bits for x y z output), and activate output. Communicated via TWI. TWI format - send start condition, send accelerometer slave address (0x3A), send register to write to (0x23 - system control register 1), send value to put in register (0x23 - bit 5 = 1 bit 4 = 0 bit 3 = 0 data rate to 50 Hz, bit 1 = 1 fast read mode, bit 0 = 1 active mode), send stop condition.</a:t>
+                      </a:r>
+                      <a:endParaRPr lang="en" sz="1100" dirty="0"/>
                     </a:p>
                   </a:txBody>
                   <a:tcPr/>
@@ -14660,7 +14828,7 @@
         </p:nvSpPr>
         <p:spPr>
           <a:xfrm>
-            <a:off x="1616132" y="1781198"/>
+            <a:off x="1674115" y="1087691"/>
             <a:ext cx="926857" cy="646331"/>
           </a:xfrm>
           <a:prstGeom prst="rect">
@@ -14682,15 +14850,7 @@
           <a:p>
             <a:r>
               <a:rPr lang="en-US" dirty="0" smtClean="0"/>
-              <a:t>3.3</a:t>
-            </a:r>
-            <a:r>
-              <a:rPr lang="en-US" dirty="0" smtClean="0"/>
-              <a:t> </a:t>
-            </a:r>
-            <a:r>
-              <a:rPr lang="en-US" dirty="0" smtClean="0"/>
-              <a:t>VDC</a:t>
+              <a:t>3.3 VDC</a:t>
             </a:r>
             <a:endParaRPr lang="en-US" dirty="0"/>
           </a:p>
@@ -14704,7 +14864,7 @@
         </p:nvCxnSpPr>
         <p:spPr>
           <a:xfrm>
-            <a:off x="7680131" y="2486025"/>
+            <a:off x="6972301" y="1551346"/>
             <a:ext cx="1304925" cy="0"/>
           </a:xfrm>
           <a:prstGeom prst="straightConnector1">
@@ -14738,7 +14898,7 @@
         </p:nvSpPr>
         <p:spPr>
           <a:xfrm>
-            <a:off x="9007273" y="2294403"/>
+            <a:off x="8322622" y="1367399"/>
             <a:ext cx="1228285" cy="369332"/>
           </a:xfrm>
           <a:prstGeom prst="rect">
@@ -14768,8 +14928,8 @@
         </p:nvSpPr>
         <p:spPr>
           <a:xfrm>
-            <a:off x="1831499" y="2999325"/>
-            <a:ext cx="559769" cy="369332"/>
+            <a:off x="1189464" y="2305818"/>
+            <a:ext cx="1229632" cy="369332"/>
           </a:xfrm>
           <a:prstGeom prst="rect">
             <a:avLst/>
@@ -14785,7 +14945,7 @@
             <a:pPr algn="ctr"/>
             <a:r>
               <a:rPr lang="en-US" dirty="0" smtClean="0"/>
-              <a:t>TWI</a:t>
+              <a:t>x y z values</a:t>
             </a:r>
             <a:endParaRPr lang="en-US" dirty="0"/>
           </a:p>
@@ -14799,7 +14959,7 @@
         </p:nvCxnSpPr>
         <p:spPr>
           <a:xfrm>
-            <a:off x="2391268" y="3183991"/>
+            <a:off x="2449251" y="2490484"/>
             <a:ext cx="1478863" cy="3767"/>
           </a:xfrm>
           <a:prstGeom prst="straightConnector1">
@@ -14836,7 +14996,7 @@
         </p:nvCxnSpPr>
         <p:spPr>
           <a:xfrm>
-            <a:off x="2565206" y="2746390"/>
+            <a:off x="2623189" y="2052883"/>
             <a:ext cx="1304925" cy="0"/>
           </a:xfrm>
           <a:prstGeom prst="straightConnector1">
@@ -14870,7 +15030,7 @@
         </p:nvSpPr>
         <p:spPr>
           <a:xfrm>
-            <a:off x="1703938" y="2537660"/>
+            <a:off x="1761921" y="1844153"/>
             <a:ext cx="684803" cy="369332"/>
           </a:xfrm>
           <a:prstGeom prst="rect">
@@ -14888,7 +15048,6 @@
               <a:rPr lang="en-US" dirty="0" smtClean="0"/>
               <a:t>Clock</a:t>
             </a:r>
-            <a:endParaRPr lang="en-US" dirty="0" smtClean="0"/>
           </a:p>
         </p:txBody>
       </p:sp>
@@ -14900,7 +15059,7 @@
         </p:nvCxnSpPr>
         <p:spPr>
           <a:xfrm>
-            <a:off x="7680131" y="3183991"/>
+            <a:off x="6996008" y="2305818"/>
             <a:ext cx="1304925" cy="0"/>
           </a:xfrm>
           <a:prstGeom prst="straightConnector1">
@@ -14934,7 +15093,7 @@
         </p:nvSpPr>
         <p:spPr>
           <a:xfrm>
-            <a:off x="8985056" y="3005585"/>
+            <a:off x="8277226" y="2118351"/>
             <a:ext cx="1606722" cy="369332"/>
           </a:xfrm>
           <a:prstGeom prst="rect">
@@ -14964,7 +15123,7 @@
         </p:nvCxnSpPr>
         <p:spPr>
           <a:xfrm>
-            <a:off x="7680131" y="1914525"/>
+            <a:off x="6972301" y="1148032"/>
             <a:ext cx="1304925" cy="0"/>
           </a:xfrm>
           <a:prstGeom prst="straightConnector1">
@@ -14998,7 +15157,7 @@
         </p:nvSpPr>
         <p:spPr>
           <a:xfrm>
-            <a:off x="9007273" y="1722903"/>
+            <a:off x="8322622" y="959941"/>
             <a:ext cx="1773819" cy="369332"/>
           </a:xfrm>
           <a:prstGeom prst="rect">
@@ -15015,6 +15174,134 @@
             <a:r>
               <a:rPr lang="en-US" dirty="0" smtClean="0"/>
               <a:t>LED Strip Control</a:t>
+            </a:r>
+            <a:endParaRPr lang="en-US" dirty="0"/>
+          </a:p>
+        </p:txBody>
+      </p:sp>
+      <p:cxnSp>
+        <p:nvCxnSpPr>
+          <p:cNvPr id="20" name="Straight Arrow Connector 19"/>
+          <p:cNvCxnSpPr/>
+          <p:nvPr/>
+        </p:nvCxnSpPr>
+        <p:spPr>
+          <a:xfrm>
+            <a:off x="6972301" y="1939403"/>
+            <a:ext cx="1304925" cy="0"/>
+          </a:xfrm>
+          <a:prstGeom prst="straightConnector1">
+            <a:avLst/>
+          </a:prstGeom>
+          <a:ln>
+            <a:headEnd type="none" w="med" len="med"/>
+            <a:tailEnd type="arrow" w="med" len="med"/>
+          </a:ln>
+        </p:spPr>
+        <p:style>
+          <a:lnRef idx="3">
+            <a:schemeClr val="dk1"/>
+          </a:lnRef>
+          <a:fillRef idx="0">
+            <a:schemeClr val="dk1"/>
+          </a:fillRef>
+          <a:effectRef idx="2">
+            <a:schemeClr val="dk1"/>
+          </a:effectRef>
+          <a:fontRef idx="minor">
+            <a:schemeClr val="tx1"/>
+          </a:fontRef>
+        </p:style>
+      </p:cxnSp>
+      <p:cxnSp>
+        <p:nvCxnSpPr>
+          <p:cNvPr id="21" name="Straight Arrow Connector 20"/>
+          <p:cNvCxnSpPr/>
+          <p:nvPr/>
+        </p:nvCxnSpPr>
+        <p:spPr>
+          <a:xfrm>
+            <a:off x="6972301" y="2675150"/>
+            <a:ext cx="1304925" cy="0"/>
+          </a:xfrm>
+          <a:prstGeom prst="straightConnector1">
+            <a:avLst/>
+          </a:prstGeom>
+          <a:ln>
+            <a:headEnd type="none" w="med" len="med"/>
+            <a:tailEnd type="arrow" w="med" len="med"/>
+          </a:ln>
+        </p:spPr>
+        <p:style>
+          <a:lnRef idx="3">
+            <a:schemeClr val="dk1"/>
+          </a:lnRef>
+          <a:fillRef idx="0">
+            <a:schemeClr val="dk1"/>
+          </a:fillRef>
+          <a:effectRef idx="2">
+            <a:schemeClr val="dk1"/>
+          </a:effectRef>
+          <a:fontRef idx="minor">
+            <a:schemeClr val="tx1"/>
+          </a:fontRef>
+        </p:style>
+      </p:cxnSp>
+      <p:sp>
+        <p:nvSpPr>
+          <p:cNvPr id="22" name="TextBox 21"/>
+          <p:cNvSpPr txBox="1"/>
+          <p:nvPr/>
+        </p:nvSpPr>
+        <p:spPr>
+          <a:xfrm>
+            <a:off x="8277226" y="1769707"/>
+            <a:ext cx="2764924" cy="369332"/>
+          </a:xfrm>
+          <a:prstGeom prst="rect">
+            <a:avLst/>
+          </a:prstGeom>
+          <a:noFill/>
+        </p:spPr>
+        <p:txBody>
+          <a:bodyPr wrap="none" rtlCol="0">
+            <a:spAutoFit/>
+          </a:bodyPr>
+          <a:lstStyle/>
+          <a:p>
+            <a:r>
+              <a:rPr lang="en-US" dirty="0" smtClean="0"/>
+              <a:t>Accelerometer Initialization</a:t>
+            </a:r>
+            <a:endParaRPr lang="en-US" dirty="0"/>
+          </a:p>
+        </p:txBody>
+      </p:sp>
+      <p:sp>
+        <p:nvSpPr>
+          <p:cNvPr id="23" name="TextBox 22"/>
+          <p:cNvSpPr txBox="1"/>
+          <p:nvPr/>
+        </p:nvSpPr>
+        <p:spPr>
+          <a:xfrm>
+            <a:off x="8299163" y="2490484"/>
+            <a:ext cx="1493037" cy="369332"/>
+          </a:xfrm>
+          <a:prstGeom prst="rect">
+            <a:avLst/>
+          </a:prstGeom>
+          <a:noFill/>
+        </p:spPr>
+        <p:txBody>
+          <a:bodyPr wrap="none" rtlCol="0">
+            <a:spAutoFit/>
+          </a:bodyPr>
+          <a:lstStyle/>
+          <a:p>
+            <a:r>
+              <a:rPr lang="en-US" dirty="0" smtClean="0"/>
+              <a:t>Servo settings</a:t>
             </a:r>
             <a:endParaRPr lang="en-US" dirty="0"/>
           </a:p>
@@ -15085,13 +15372,8 @@
             </a:r>
             <a:r>
               <a:rPr lang="en-US" sz="3200" dirty="0" smtClean="0"/>
-              <a:t>shifter</a:t>
-            </a:r>
-            <a:r>
-              <a:rPr lang="en-US" sz="3200" dirty="0" smtClean="0"/>
-              <a:t>: Level 0</a:t>
-            </a:r>
-            <a:endParaRPr lang="en-US" sz="3200" dirty="0" smtClean="0"/>
+              <a:t>shifter: Level 0</a:t>
+            </a:r>
           </a:p>
         </p:txBody>
       </p:sp>
@@ -15440,11 +15722,7 @@
             </a:r>
             <a:r>
               <a:rPr lang="en-US" dirty="0" smtClean="0"/>
-              <a:t> </a:t>
-            </a:r>
-            <a:r>
-              <a:rPr lang="en-US" dirty="0" smtClean="0"/>
-              <a:t>VDC</a:t>
+              <a:t> VDC</a:t>
             </a:r>
             <a:endParaRPr lang="en-US" dirty="0"/>
           </a:p>
@@ -15547,7 +15825,6 @@
               <a:rPr lang="en-US" dirty="0"/>
               <a:t>positions</a:t>
             </a:r>
-            <a:endParaRPr lang="en-US" dirty="0"/>
           </a:p>
         </p:txBody>
       </p:sp>
@@ -15619,7 +15896,6 @@
               <a:rPr lang="en-US" dirty="0"/>
               <a:t>control</a:t>
             </a:r>
-            <a:endParaRPr lang="en-US" dirty="0"/>
           </a:p>
         </p:txBody>
       </p:sp>
@@ -15782,13 +16058,8 @@
           <a:p>
             <a:r>
               <a:rPr lang="en-US" sz="3200" dirty="0" smtClean="0"/>
-              <a:t>Oscillator</a:t>
-            </a:r>
-            <a:r>
-              <a:rPr lang="en-US" sz="3200" dirty="0" smtClean="0"/>
-              <a:t>: Level 0</a:t>
-            </a:r>
-            <a:endParaRPr lang="en-US" sz="3200" dirty="0" smtClean="0"/>
+              <a:t>Oscillator: Level 0</a:t>
+            </a:r>
           </a:p>
         </p:txBody>
       </p:sp>
@@ -15852,7 +16123,7 @@
           <p:nvPr>
             <p:extLst>
               <p:ext uri="{D42A27DB-BD31-4B8C-83A1-F6EECF244321}">
-                <p14:modId xmlns:p14="http://schemas.microsoft.com/office/powerpoint/2010/main" val="2797062399"/>
+                <p14:modId xmlns:p14="http://schemas.microsoft.com/office/powerpoint/2010/main" val="3040356695"/>
               </p:ext>
             </p:extLst>
           </p:nvPr>
@@ -15970,7 +16241,15 @@
                       </a:pPr>
                       <a:r>
                         <a:rPr lang="en-US" sz="1100" baseline="0" dirty="0" smtClean="0"/>
-                        <a:t>Clock: 8 MHz </a:t>
+                        <a:t>Clock: </a:t>
+                      </a:r>
+                      <a:r>
+                        <a:rPr lang="en-US" sz="1100" baseline="0" dirty="0" smtClean="0"/>
+                        <a:t>16 </a:t>
+                      </a:r>
+                      <a:r>
+                        <a:rPr lang="en-US" sz="1100" baseline="0" dirty="0" smtClean="0"/>
+                        <a:t>MHz </a:t>
                       </a:r>
                     </a:p>
                   </a:txBody>
